--- a/VideoSessionsMaterials/understanding-write-methods.pptx
+++ b/VideoSessionsMaterials/understanding-write-methods.pptx
@@ -1,22 +1,18 @@
 
 <file path=ppt/presentation.xml><?xml version="1.0" encoding="utf-8"?>
-<p:presentation xmlns:a="http://schemas.openxmlformats.org/drawingml/2006/main" xmlns:r="http://schemas.openxmlformats.org/officeDocument/2006/relationships" xmlns:p="http://schemas.openxmlformats.org/presentationml/2006/main" showSpecialPlsOnTitleSld="0" saveSubsetFonts="1" autoCompressPictures="0">
+<p:presentation xmlns:a="http://schemas.openxmlformats.org/drawingml/2006/main" xmlns:r="http://schemas.openxmlformats.org/officeDocument/2006/relationships" xmlns:mc="http://schemas.openxmlformats.org/markup-compatibility/2006" xmlns:mv="urn:schemas-microsoft-com:mac:vml" xmlns:p="http://schemas.openxmlformats.org/presentationml/2006/main" mc:Ignorable="mv" mc:PreserveAttributes="mv:*" showSpecialPlsOnTitleSld="0" saveSubsetFonts="1" autoCompressPictures="0">
   <p:sldMasterIdLst>
     <p:sldMasterId id="2147483648" r:id="rId1"/>
   </p:sldMasterIdLst>
   <p:notesMasterIdLst>
-    <p:notesMasterId r:id="rId11"/>
+    <p:notesMasterId r:id="rId7"/>
   </p:notesMasterIdLst>
   <p:sldIdLst>
     <p:sldId id="364" r:id="rId2"/>
     <p:sldId id="370" r:id="rId3"/>
     <p:sldId id="371" r:id="rId4"/>
     <p:sldId id="372" r:id="rId5"/>
-    <p:sldId id="326" r:id="rId6"/>
-    <p:sldId id="367" r:id="rId7"/>
-    <p:sldId id="368" r:id="rId8"/>
-    <p:sldId id="369" r:id="rId9"/>
-    <p:sldId id="322" r:id="rId10"/>
+    <p:sldId id="322" r:id="rId6"/>
   </p:sldIdLst>
   <p:sldSz cx="17327563" cy="9747250"/>
   <p:notesSz cx="6858000" cy="9144000"/>
@@ -149,7 +145,7 @@
 </file>
 
 <file path=ppt/notesMasters/notesMaster1.xml><?xml version="1.0" encoding="utf-8"?>
-<p:notesMaster xmlns:a="http://schemas.openxmlformats.org/drawingml/2006/main" xmlns:r="http://schemas.openxmlformats.org/officeDocument/2006/relationships" xmlns:p="http://schemas.openxmlformats.org/presentationml/2006/main">
+<p:notesMaster xmlns:a="http://schemas.openxmlformats.org/drawingml/2006/main" xmlns:r="http://schemas.openxmlformats.org/officeDocument/2006/relationships" xmlns:mc="http://schemas.openxmlformats.org/markup-compatibility/2006" xmlns:mv="urn:schemas-microsoft-com:mac:vml" xmlns:p="http://schemas.openxmlformats.org/presentationml/2006/main" mc:Ignorable="mv" mc:PreserveAttributes="mv:*">
   <p:cSld>
     <p:bg>
       <p:bgRef idx="1001">
@@ -231,7 +227,7 @@
             <a:fld id="{DDC063FE-8627-9A42-970F-0BBEEB02B587}" type="datetimeFigureOut">
               <a:rPr lang="en-US" smtClean="0"/>
               <a:pPr/>
-              <a:t>12/5/13</a:t>
+              <a:t>12/9/13</a:t>
             </a:fld>
             <a:endParaRPr lang="en-US" dirty="0"/>
           </a:p>
@@ -400,7 +396,7 @@
     </p:spTree>
     <p:extLst>
       <p:ext uri="{BB962C8B-B14F-4D97-AF65-F5344CB8AC3E}">
-        <p14:creationId xmlns:p14="http://schemas.microsoft.com/office/powerpoint/2010/main" val="4045051341"/>
+        <p14:creationId xmlns:p14="http://schemas.microsoft.com/office/powerpoint/2010/main" xmlns:p="http://schemas.openxmlformats.org/presentationml/2006/main" xmlns:r="http://schemas.openxmlformats.org/officeDocument/2006/relationships" xmlns:a="http://schemas.openxmlformats.org/drawingml/2006/main" xmlns="" val="4045051341"/>
       </p:ext>
     </p:extLst>
   </p:cSld>
@@ -501,7 +497,7 @@
 </file>
 
 <file path=ppt/notesSlides/notesSlide1.xml><?xml version="1.0" encoding="utf-8"?>
-<p:notes xmlns:a="http://schemas.openxmlformats.org/drawingml/2006/main" xmlns:r="http://schemas.openxmlformats.org/officeDocument/2006/relationships" xmlns:p="http://schemas.openxmlformats.org/presentationml/2006/main">
+<p:notes xmlns:a="http://schemas.openxmlformats.org/drawingml/2006/main" xmlns:r="http://schemas.openxmlformats.org/officeDocument/2006/relationships" xmlns:mc="http://schemas.openxmlformats.org/markup-compatibility/2006" xmlns:mv="urn:schemas-microsoft-com:mac:vml" xmlns:p="http://schemas.openxmlformats.org/presentationml/2006/main" mc:Ignorable="mv" mc:PreserveAttributes="mv:*">
   <p:cSld>
     <p:spTree>
       <p:nvGrpSpPr>
@@ -575,7 +571,7 @@
     </p:spTree>
     <p:extLst>
       <p:ext uri="{BB962C8B-B14F-4D97-AF65-F5344CB8AC3E}">
-        <p14:creationId xmlns:p14="http://schemas.microsoft.com/office/powerpoint/2010/main" val="3250658828"/>
+        <p14:creationId xmlns:p14="http://schemas.microsoft.com/office/powerpoint/2010/main" xmlns:p="http://schemas.openxmlformats.org/presentationml/2006/main" xmlns:r="http://schemas.openxmlformats.org/officeDocument/2006/relationships" xmlns:a="http://schemas.openxmlformats.org/drawingml/2006/main" xmlns="" val="3250658828"/>
       </p:ext>
     </p:extLst>
   </p:cSld>
@@ -586,7 +582,7 @@
 </file>
 
 <file path=ppt/notesSlides/notesSlide2.xml><?xml version="1.0" encoding="utf-8"?>
-<p:notes xmlns:a="http://schemas.openxmlformats.org/drawingml/2006/main" xmlns:r="http://schemas.openxmlformats.org/officeDocument/2006/relationships" xmlns:p="http://schemas.openxmlformats.org/presentationml/2006/main">
+<p:notes xmlns:a="http://schemas.openxmlformats.org/drawingml/2006/main" xmlns:r="http://schemas.openxmlformats.org/officeDocument/2006/relationships" xmlns:mc="http://schemas.openxmlformats.org/markup-compatibility/2006" xmlns:mv="urn:schemas-microsoft-com:mac:vml" xmlns:p="http://schemas.openxmlformats.org/presentationml/2006/main" mc:Ignorable="mv" mc:PreserveAttributes="mv:*">
   <p:cSld>
     <p:spTree>
       <p:nvGrpSpPr>
@@ -624,14 +620,14 @@
           </a:ln>
           <a:extLst>
             <a:ext uri="{909E8E84-426E-40dd-AFC4-6F175D3DCCD1}">
-              <a14:hiddenFill xmlns:a14="http://schemas.microsoft.com/office/drawing/2010/main">
+              <a14:hiddenFill xmlns:a14="http://schemas.microsoft.com/office/drawing/2010/main" xmlns:p="http://schemas.openxmlformats.org/presentationml/2006/main" xmlns:r="http://schemas.openxmlformats.org/officeDocument/2006/relationships" xmlns:a="http://schemas.openxmlformats.org/drawingml/2006/main" xmlns="">
                 <a:solidFill>
                   <a:srgbClr val="FFFFFF"/>
                 </a:solidFill>
               </a14:hiddenFill>
             </a:ext>
             <a:ext uri="{91240B29-F687-4f45-9708-019B960494DF}">
-              <a14:hiddenLine xmlns:a14="http://schemas.microsoft.com/office/drawing/2010/main" w="9525">
+              <a14:hiddenLine xmlns:a14="http://schemas.microsoft.com/office/drawing/2010/main" xmlns:p="http://schemas.openxmlformats.org/presentationml/2006/main" xmlns:r="http://schemas.openxmlformats.org/officeDocument/2006/relationships" xmlns:a="http://schemas.openxmlformats.org/drawingml/2006/main" xmlns="" w="9525">
                 <a:solidFill>
                   <a:srgbClr val="000000"/>
                 </a:solidFill>
@@ -785,14 +781,14 @@
           </a:ln>
           <a:extLst>
             <a:ext uri="{909E8E84-426E-40dd-AFC4-6F175D3DCCD1}">
-              <a14:hiddenFill xmlns:a14="http://schemas.microsoft.com/office/drawing/2010/main">
+              <a14:hiddenFill xmlns:a14="http://schemas.microsoft.com/office/drawing/2010/main" xmlns:p="http://schemas.openxmlformats.org/presentationml/2006/main" xmlns:r="http://schemas.openxmlformats.org/officeDocument/2006/relationships" xmlns:a="http://schemas.openxmlformats.org/drawingml/2006/main" xmlns="">
                 <a:solidFill>
                   <a:srgbClr val="FFFFFF"/>
                 </a:solidFill>
               </a14:hiddenFill>
             </a:ext>
             <a:ext uri="{FAA26D3D-D897-4be2-8F04-BA451C77F1D7}">
-              <ma14:placeholderFlag xmlns:ma14="http://schemas.microsoft.com/office/mac/drawingml/2011/main" val="1"/>
+              <ma14:placeholderFlag xmlns:ma14="http://schemas.microsoft.com/office/mac/drawingml/2011/main" xmlns:p="http://schemas.openxmlformats.org/presentationml/2006/main" xmlns:r="http://schemas.openxmlformats.org/officeDocument/2006/relationships" xmlns:a="http://schemas.openxmlformats.org/drawingml/2006/main" xmlns="" val="1"/>
             </a:ext>
           </a:extLst>
         </p:spPr>
@@ -811,14 +807,14 @@
           <a:noFill/>
           <a:extLst>
             <a:ext uri="{909E8E84-426E-40dd-AFC4-6F175D3DCCD1}">
-              <a14:hiddenFill xmlns:a14="http://schemas.microsoft.com/office/drawing/2010/main">
+              <a14:hiddenFill xmlns:a14="http://schemas.microsoft.com/office/drawing/2010/main" xmlns:p="http://schemas.openxmlformats.org/presentationml/2006/main" xmlns:r="http://schemas.openxmlformats.org/officeDocument/2006/relationships" xmlns:a="http://schemas.openxmlformats.org/drawingml/2006/main" xmlns="">
                 <a:solidFill>
                   <a:srgbClr val="FFFFFF"/>
                 </a:solidFill>
               </a14:hiddenFill>
             </a:ext>
             <a:ext uri="{91240B29-F687-4f45-9708-019B960494DF}">
-              <a14:hiddenLine xmlns:a14="http://schemas.microsoft.com/office/drawing/2010/main" w="9525">
+              <a14:hiddenLine xmlns:a14="http://schemas.microsoft.com/office/drawing/2010/main" xmlns:p="http://schemas.openxmlformats.org/presentationml/2006/main" xmlns:r="http://schemas.openxmlformats.org/officeDocument/2006/relationships" xmlns:a="http://schemas.openxmlformats.org/drawingml/2006/main" xmlns="" w="9525">
                 <a:solidFill>
                   <a:srgbClr val="000000"/>
                 </a:solidFill>
@@ -828,7 +824,7 @@
               </a14:hiddenLine>
             </a:ext>
             <a:ext uri="{FAA26D3D-D897-4be2-8F04-BA451C77F1D7}">
-              <ma14:placeholderFlag xmlns:ma14="http://schemas.microsoft.com/office/mac/drawingml/2011/main" val="1"/>
+              <ma14:placeholderFlag xmlns:ma14="http://schemas.microsoft.com/office/mac/drawingml/2011/main" xmlns:p="http://schemas.openxmlformats.org/presentationml/2006/main" xmlns:r="http://schemas.openxmlformats.org/officeDocument/2006/relationships" xmlns:a="http://schemas.openxmlformats.org/drawingml/2006/main" xmlns="" val="1"/>
             </a:ext>
           </a:extLst>
         </p:spPr>
@@ -856,7 +852,7 @@
 </file>
 
 <file path=ppt/notesSlides/notesSlide3.xml><?xml version="1.0" encoding="utf-8"?>
-<p:notes xmlns:a="http://schemas.openxmlformats.org/drawingml/2006/main" xmlns:r="http://schemas.openxmlformats.org/officeDocument/2006/relationships" xmlns:p="http://schemas.openxmlformats.org/presentationml/2006/main">
+<p:notes xmlns:a="http://schemas.openxmlformats.org/drawingml/2006/main" xmlns:r="http://schemas.openxmlformats.org/officeDocument/2006/relationships" xmlns:mc="http://schemas.openxmlformats.org/markup-compatibility/2006" xmlns:mv="urn:schemas-microsoft-com:mac:vml" xmlns:p="http://schemas.openxmlformats.org/presentationml/2006/main" mc:Ignorable="mv" mc:PreserveAttributes="mv:*">
   <p:cSld>
     <p:spTree>
       <p:nvGrpSpPr>
@@ -894,14 +890,14 @@
           </a:ln>
           <a:extLst>
             <a:ext uri="{909E8E84-426E-40dd-AFC4-6F175D3DCCD1}">
-              <a14:hiddenFill xmlns:a14="http://schemas.microsoft.com/office/drawing/2010/main">
+              <a14:hiddenFill xmlns:a14="http://schemas.microsoft.com/office/drawing/2010/main" xmlns:p="http://schemas.openxmlformats.org/presentationml/2006/main" xmlns:r="http://schemas.openxmlformats.org/officeDocument/2006/relationships" xmlns:a="http://schemas.openxmlformats.org/drawingml/2006/main" xmlns="">
                 <a:solidFill>
                   <a:srgbClr val="FFFFFF"/>
                 </a:solidFill>
               </a14:hiddenFill>
             </a:ext>
             <a:ext uri="{91240B29-F687-4f45-9708-019B960494DF}">
-              <a14:hiddenLine xmlns:a14="http://schemas.microsoft.com/office/drawing/2010/main" w="9525">
+              <a14:hiddenLine xmlns:a14="http://schemas.microsoft.com/office/drawing/2010/main" xmlns:p="http://schemas.openxmlformats.org/presentationml/2006/main" xmlns:r="http://schemas.openxmlformats.org/officeDocument/2006/relationships" xmlns:a="http://schemas.openxmlformats.org/drawingml/2006/main" xmlns="" w="9525">
                 <a:solidFill>
                   <a:srgbClr val="000000"/>
                 </a:solidFill>
@@ -1055,14 +1051,14 @@
           </a:ln>
           <a:extLst>
             <a:ext uri="{909E8E84-426E-40dd-AFC4-6F175D3DCCD1}">
-              <a14:hiddenFill xmlns:a14="http://schemas.microsoft.com/office/drawing/2010/main">
+              <a14:hiddenFill xmlns:a14="http://schemas.microsoft.com/office/drawing/2010/main" xmlns:p="http://schemas.openxmlformats.org/presentationml/2006/main" xmlns:r="http://schemas.openxmlformats.org/officeDocument/2006/relationships" xmlns:a="http://schemas.openxmlformats.org/drawingml/2006/main" xmlns="">
                 <a:solidFill>
                   <a:srgbClr val="FFFFFF"/>
                 </a:solidFill>
               </a14:hiddenFill>
             </a:ext>
             <a:ext uri="{FAA26D3D-D897-4be2-8F04-BA451C77F1D7}">
-              <ma14:placeholderFlag xmlns:ma14="http://schemas.microsoft.com/office/mac/drawingml/2011/main" val="1"/>
+              <ma14:placeholderFlag xmlns:ma14="http://schemas.microsoft.com/office/mac/drawingml/2011/main" xmlns:p="http://schemas.openxmlformats.org/presentationml/2006/main" xmlns:r="http://schemas.openxmlformats.org/officeDocument/2006/relationships" xmlns:a="http://schemas.openxmlformats.org/drawingml/2006/main" xmlns="" val="1"/>
             </a:ext>
           </a:extLst>
         </p:spPr>
@@ -1081,14 +1077,14 @@
           <a:noFill/>
           <a:extLst>
             <a:ext uri="{909E8E84-426E-40dd-AFC4-6F175D3DCCD1}">
-              <a14:hiddenFill xmlns:a14="http://schemas.microsoft.com/office/drawing/2010/main">
+              <a14:hiddenFill xmlns:a14="http://schemas.microsoft.com/office/drawing/2010/main" xmlns:p="http://schemas.openxmlformats.org/presentationml/2006/main" xmlns:r="http://schemas.openxmlformats.org/officeDocument/2006/relationships" xmlns:a="http://schemas.openxmlformats.org/drawingml/2006/main" xmlns="">
                 <a:solidFill>
                   <a:srgbClr val="FFFFFF"/>
                 </a:solidFill>
               </a14:hiddenFill>
             </a:ext>
             <a:ext uri="{91240B29-F687-4f45-9708-019B960494DF}">
-              <a14:hiddenLine xmlns:a14="http://schemas.microsoft.com/office/drawing/2010/main" w="9525">
+              <a14:hiddenLine xmlns:a14="http://schemas.microsoft.com/office/drawing/2010/main" xmlns:p="http://schemas.openxmlformats.org/presentationml/2006/main" xmlns:r="http://schemas.openxmlformats.org/officeDocument/2006/relationships" xmlns:a="http://schemas.openxmlformats.org/drawingml/2006/main" xmlns="" w="9525">
                 <a:solidFill>
                   <a:srgbClr val="000000"/>
                 </a:solidFill>
@@ -1098,7 +1094,7 @@
               </a14:hiddenLine>
             </a:ext>
             <a:ext uri="{FAA26D3D-D897-4be2-8F04-BA451C77F1D7}">
-              <ma14:placeholderFlag xmlns:ma14="http://schemas.microsoft.com/office/mac/drawingml/2011/main" val="1"/>
+              <ma14:placeholderFlag xmlns:ma14="http://schemas.microsoft.com/office/mac/drawingml/2011/main" xmlns:p="http://schemas.openxmlformats.org/presentationml/2006/main" xmlns:r="http://schemas.openxmlformats.org/officeDocument/2006/relationships" xmlns:a="http://schemas.openxmlformats.org/drawingml/2006/main" xmlns="" val="1"/>
             </a:ext>
           </a:extLst>
         </p:spPr>
@@ -1126,7 +1122,7 @@
 </file>
 
 <file path=ppt/notesSlides/notesSlide4.xml><?xml version="1.0" encoding="utf-8"?>
-<p:notes xmlns:a="http://schemas.openxmlformats.org/drawingml/2006/main" xmlns:r="http://schemas.openxmlformats.org/officeDocument/2006/relationships" xmlns:p="http://schemas.openxmlformats.org/presentationml/2006/main">
+<p:notes xmlns:a="http://schemas.openxmlformats.org/drawingml/2006/main" xmlns:r="http://schemas.openxmlformats.org/officeDocument/2006/relationships" xmlns:mc="http://schemas.openxmlformats.org/markup-compatibility/2006" xmlns:mv="urn:schemas-microsoft-com:mac:vml" xmlns:p="http://schemas.openxmlformats.org/presentationml/2006/main" mc:Ignorable="mv" mc:PreserveAttributes="mv:*">
   <p:cSld>
     <p:spTree>
       <p:nvGrpSpPr>
@@ -1164,14 +1160,14 @@
           </a:ln>
           <a:extLst>
             <a:ext uri="{909E8E84-426E-40dd-AFC4-6F175D3DCCD1}">
-              <a14:hiddenFill xmlns:a14="http://schemas.microsoft.com/office/drawing/2010/main">
+              <a14:hiddenFill xmlns:a14="http://schemas.microsoft.com/office/drawing/2010/main" xmlns:p="http://schemas.openxmlformats.org/presentationml/2006/main" xmlns:r="http://schemas.openxmlformats.org/officeDocument/2006/relationships" xmlns:a="http://schemas.openxmlformats.org/drawingml/2006/main" xmlns="">
                 <a:solidFill>
                   <a:srgbClr val="FFFFFF"/>
                 </a:solidFill>
               </a14:hiddenFill>
             </a:ext>
             <a:ext uri="{91240B29-F687-4f45-9708-019B960494DF}">
-              <a14:hiddenLine xmlns:a14="http://schemas.microsoft.com/office/drawing/2010/main" w="9525">
+              <a14:hiddenLine xmlns:a14="http://schemas.microsoft.com/office/drawing/2010/main" xmlns:p="http://schemas.openxmlformats.org/presentationml/2006/main" xmlns:r="http://schemas.openxmlformats.org/officeDocument/2006/relationships" xmlns:a="http://schemas.openxmlformats.org/drawingml/2006/main" xmlns="" w="9525">
                 <a:solidFill>
                   <a:srgbClr val="000000"/>
                 </a:solidFill>
@@ -1325,14 +1321,14 @@
           </a:ln>
           <a:extLst>
             <a:ext uri="{909E8E84-426E-40dd-AFC4-6F175D3DCCD1}">
-              <a14:hiddenFill xmlns:a14="http://schemas.microsoft.com/office/drawing/2010/main">
+              <a14:hiddenFill xmlns:a14="http://schemas.microsoft.com/office/drawing/2010/main" xmlns:p="http://schemas.openxmlformats.org/presentationml/2006/main" xmlns:r="http://schemas.openxmlformats.org/officeDocument/2006/relationships" xmlns:a="http://schemas.openxmlformats.org/drawingml/2006/main" xmlns="">
                 <a:solidFill>
                   <a:srgbClr val="FFFFFF"/>
                 </a:solidFill>
               </a14:hiddenFill>
             </a:ext>
             <a:ext uri="{FAA26D3D-D897-4be2-8F04-BA451C77F1D7}">
-              <ma14:placeholderFlag xmlns:ma14="http://schemas.microsoft.com/office/mac/drawingml/2011/main" val="1"/>
+              <ma14:placeholderFlag xmlns:ma14="http://schemas.microsoft.com/office/mac/drawingml/2011/main" xmlns:p="http://schemas.openxmlformats.org/presentationml/2006/main" xmlns:r="http://schemas.openxmlformats.org/officeDocument/2006/relationships" xmlns:a="http://schemas.openxmlformats.org/drawingml/2006/main" xmlns="" val="1"/>
             </a:ext>
           </a:extLst>
         </p:spPr>
@@ -1351,14 +1347,14 @@
           <a:noFill/>
           <a:extLst>
             <a:ext uri="{909E8E84-426E-40dd-AFC4-6F175D3DCCD1}">
-              <a14:hiddenFill xmlns:a14="http://schemas.microsoft.com/office/drawing/2010/main">
+              <a14:hiddenFill xmlns:a14="http://schemas.microsoft.com/office/drawing/2010/main" xmlns:p="http://schemas.openxmlformats.org/presentationml/2006/main" xmlns:r="http://schemas.openxmlformats.org/officeDocument/2006/relationships" xmlns:a="http://schemas.openxmlformats.org/drawingml/2006/main" xmlns="">
                 <a:solidFill>
                   <a:srgbClr val="FFFFFF"/>
                 </a:solidFill>
               </a14:hiddenFill>
             </a:ext>
             <a:ext uri="{91240B29-F687-4f45-9708-019B960494DF}">
-              <a14:hiddenLine xmlns:a14="http://schemas.microsoft.com/office/drawing/2010/main" w="9525">
+              <a14:hiddenLine xmlns:a14="http://schemas.microsoft.com/office/drawing/2010/main" xmlns:p="http://schemas.openxmlformats.org/presentationml/2006/main" xmlns:r="http://schemas.openxmlformats.org/officeDocument/2006/relationships" xmlns:a="http://schemas.openxmlformats.org/drawingml/2006/main" xmlns="" w="9525">
                 <a:solidFill>
                   <a:srgbClr val="000000"/>
                 </a:solidFill>
@@ -1368,7 +1364,7 @@
               </a14:hiddenLine>
             </a:ext>
             <a:ext uri="{FAA26D3D-D897-4be2-8F04-BA451C77F1D7}">
-              <ma14:placeholderFlag xmlns:ma14="http://schemas.microsoft.com/office/mac/drawingml/2011/main" val="1"/>
+              <ma14:placeholderFlag xmlns:ma14="http://schemas.microsoft.com/office/mac/drawingml/2011/main" xmlns:p="http://schemas.openxmlformats.org/presentationml/2006/main" xmlns:r="http://schemas.openxmlformats.org/officeDocument/2006/relationships" xmlns:a="http://schemas.openxmlformats.org/drawingml/2006/main" xmlns="" val="1"/>
             </a:ext>
           </a:extLst>
         </p:spPr>
@@ -1396,7 +1392,7 @@
 </file>
 
 <file path=ppt/notesSlides/notesSlide5.xml><?xml version="1.0" encoding="utf-8"?>
-<p:notes xmlns:a="http://schemas.openxmlformats.org/drawingml/2006/main" xmlns:r="http://schemas.openxmlformats.org/officeDocument/2006/relationships" xmlns:p="http://schemas.openxmlformats.org/presentationml/2006/main">
+<p:notes xmlns:a="http://schemas.openxmlformats.org/drawingml/2006/main" xmlns:r="http://schemas.openxmlformats.org/officeDocument/2006/relationships" xmlns:mc="http://schemas.openxmlformats.org/markup-compatibility/2006" xmlns:mv="urn:schemas-microsoft-com:mac:vml" xmlns:p="http://schemas.openxmlformats.org/presentationml/2006/main" mc:Ignorable="mv" mc:PreserveAttributes="mv:*">
   <p:cSld>
     <p:spTree>
       <p:nvGrpSpPr>
@@ -1470,347 +1466,7 @@
     </p:spTree>
     <p:extLst>
       <p:ext uri="{BB962C8B-B14F-4D97-AF65-F5344CB8AC3E}">
-        <p14:creationId xmlns:p14="http://schemas.microsoft.com/office/powerpoint/2010/main" val="963676054"/>
-      </p:ext>
-    </p:extLst>
-  </p:cSld>
-  <p:clrMapOvr>
-    <a:masterClrMapping/>
-  </p:clrMapOvr>
-</p:notes>
-</file>
-
-<file path=ppt/notesSlides/notesSlide6.xml><?xml version="1.0" encoding="utf-8"?>
-<p:notes xmlns:a="http://schemas.openxmlformats.org/drawingml/2006/main" xmlns:r="http://schemas.openxmlformats.org/officeDocument/2006/relationships" xmlns:p="http://schemas.openxmlformats.org/presentationml/2006/main">
-  <p:cSld>
-    <p:spTree>
-      <p:nvGrpSpPr>
-        <p:cNvPr id="1" name=""/>
-        <p:cNvGrpSpPr/>
-        <p:nvPr/>
-      </p:nvGrpSpPr>
-      <p:grpSpPr>
-        <a:xfrm>
-          <a:off x="0" y="0"/>
-          <a:ext cx="0" cy="0"/>
-          <a:chOff x="0" y="0"/>
-          <a:chExt cx="0" cy="0"/>
-        </a:xfrm>
-      </p:grpSpPr>
-      <p:sp>
-        <p:nvSpPr>
-          <p:cNvPr id="2" name="Slide Image Placeholder 1"/>
-          <p:cNvSpPr>
-            <a:spLocks noGrp="1" noRot="1" noChangeAspect="1"/>
-          </p:cNvSpPr>
-          <p:nvPr>
-            <p:ph type="sldImg"/>
-          </p:nvPr>
-        </p:nvSpPr>
-        <p:spPr/>
-      </p:sp>
-      <p:sp>
-        <p:nvSpPr>
-          <p:cNvPr id="3" name="Notes Placeholder 2"/>
-          <p:cNvSpPr>
-            <a:spLocks noGrp="1"/>
-          </p:cNvSpPr>
-          <p:nvPr>
-            <p:ph type="body" idx="1"/>
-          </p:nvPr>
-        </p:nvSpPr>
-        <p:spPr/>
-        <p:txBody>
-          <a:bodyPr/>
-          <a:lstStyle/>
-          <a:p>
-            <a:endParaRPr lang="en-US"/>
-          </a:p>
-        </p:txBody>
-      </p:sp>
-      <p:sp>
-        <p:nvSpPr>
-          <p:cNvPr id="4" name="Slide Number Placeholder 3"/>
-          <p:cNvSpPr>
-            <a:spLocks noGrp="1"/>
-          </p:cNvSpPr>
-          <p:nvPr>
-            <p:ph type="sldNum" sz="quarter" idx="10"/>
-          </p:nvPr>
-        </p:nvSpPr>
-        <p:spPr/>
-        <p:txBody>
-          <a:bodyPr/>
-          <a:lstStyle/>
-          <a:p>
-            <a:fld id="{3560C2FB-C494-1A46-A471-884A4E75440F}" type="slidenum">
-              <a:rPr lang="en-US" smtClean="0"/>
-              <a:pPr/>
-              <a:t>6</a:t>
-            </a:fld>
-            <a:endParaRPr lang="en-US" dirty="0"/>
-          </a:p>
-        </p:txBody>
-      </p:sp>
-    </p:spTree>
-    <p:extLst>
-      <p:ext uri="{BB962C8B-B14F-4D97-AF65-F5344CB8AC3E}">
-        <p14:creationId xmlns:p14="http://schemas.microsoft.com/office/powerpoint/2010/main" val="963676054"/>
-      </p:ext>
-    </p:extLst>
-  </p:cSld>
-  <p:clrMapOvr>
-    <a:masterClrMapping/>
-  </p:clrMapOvr>
-</p:notes>
-</file>
-
-<file path=ppt/notesSlides/notesSlide7.xml><?xml version="1.0" encoding="utf-8"?>
-<p:notes xmlns:a="http://schemas.openxmlformats.org/drawingml/2006/main" xmlns:r="http://schemas.openxmlformats.org/officeDocument/2006/relationships" xmlns:p="http://schemas.openxmlformats.org/presentationml/2006/main">
-  <p:cSld>
-    <p:spTree>
-      <p:nvGrpSpPr>
-        <p:cNvPr id="1" name=""/>
-        <p:cNvGrpSpPr/>
-        <p:nvPr/>
-      </p:nvGrpSpPr>
-      <p:grpSpPr>
-        <a:xfrm>
-          <a:off x="0" y="0"/>
-          <a:ext cx="0" cy="0"/>
-          <a:chOff x="0" y="0"/>
-          <a:chExt cx="0" cy="0"/>
-        </a:xfrm>
-      </p:grpSpPr>
-      <p:sp>
-        <p:nvSpPr>
-          <p:cNvPr id="2" name="Slide Image Placeholder 1"/>
-          <p:cNvSpPr>
-            <a:spLocks noGrp="1" noRot="1" noChangeAspect="1"/>
-          </p:cNvSpPr>
-          <p:nvPr>
-            <p:ph type="sldImg"/>
-          </p:nvPr>
-        </p:nvSpPr>
-        <p:spPr/>
-      </p:sp>
-      <p:sp>
-        <p:nvSpPr>
-          <p:cNvPr id="3" name="Notes Placeholder 2"/>
-          <p:cNvSpPr>
-            <a:spLocks noGrp="1"/>
-          </p:cNvSpPr>
-          <p:nvPr>
-            <p:ph type="body" idx="1"/>
-          </p:nvPr>
-        </p:nvSpPr>
-        <p:spPr/>
-        <p:txBody>
-          <a:bodyPr/>
-          <a:lstStyle/>
-          <a:p>
-            <a:endParaRPr lang="en-US"/>
-          </a:p>
-        </p:txBody>
-      </p:sp>
-      <p:sp>
-        <p:nvSpPr>
-          <p:cNvPr id="4" name="Slide Number Placeholder 3"/>
-          <p:cNvSpPr>
-            <a:spLocks noGrp="1"/>
-          </p:cNvSpPr>
-          <p:nvPr>
-            <p:ph type="sldNum" sz="quarter" idx="10"/>
-          </p:nvPr>
-        </p:nvSpPr>
-        <p:spPr/>
-        <p:txBody>
-          <a:bodyPr/>
-          <a:lstStyle/>
-          <a:p>
-            <a:fld id="{3560C2FB-C494-1A46-A471-884A4E75440F}" type="slidenum">
-              <a:rPr lang="en-US" smtClean="0"/>
-              <a:pPr/>
-              <a:t>7</a:t>
-            </a:fld>
-            <a:endParaRPr lang="en-US" dirty="0"/>
-          </a:p>
-        </p:txBody>
-      </p:sp>
-    </p:spTree>
-    <p:extLst>
-      <p:ext uri="{BB962C8B-B14F-4D97-AF65-F5344CB8AC3E}">
-        <p14:creationId xmlns:p14="http://schemas.microsoft.com/office/powerpoint/2010/main" val="963676054"/>
-      </p:ext>
-    </p:extLst>
-  </p:cSld>
-  <p:clrMapOvr>
-    <a:masterClrMapping/>
-  </p:clrMapOvr>
-</p:notes>
-</file>
-
-<file path=ppt/notesSlides/notesSlide8.xml><?xml version="1.0" encoding="utf-8"?>
-<p:notes xmlns:a="http://schemas.openxmlformats.org/drawingml/2006/main" xmlns:r="http://schemas.openxmlformats.org/officeDocument/2006/relationships" xmlns:p="http://schemas.openxmlformats.org/presentationml/2006/main">
-  <p:cSld>
-    <p:spTree>
-      <p:nvGrpSpPr>
-        <p:cNvPr id="1" name=""/>
-        <p:cNvGrpSpPr/>
-        <p:nvPr/>
-      </p:nvGrpSpPr>
-      <p:grpSpPr>
-        <a:xfrm>
-          <a:off x="0" y="0"/>
-          <a:ext cx="0" cy="0"/>
-          <a:chOff x="0" y="0"/>
-          <a:chExt cx="0" cy="0"/>
-        </a:xfrm>
-      </p:grpSpPr>
-      <p:sp>
-        <p:nvSpPr>
-          <p:cNvPr id="2" name="Slide Image Placeholder 1"/>
-          <p:cNvSpPr>
-            <a:spLocks noGrp="1" noRot="1" noChangeAspect="1"/>
-          </p:cNvSpPr>
-          <p:nvPr>
-            <p:ph type="sldImg"/>
-          </p:nvPr>
-        </p:nvSpPr>
-        <p:spPr/>
-      </p:sp>
-      <p:sp>
-        <p:nvSpPr>
-          <p:cNvPr id="3" name="Notes Placeholder 2"/>
-          <p:cNvSpPr>
-            <a:spLocks noGrp="1"/>
-          </p:cNvSpPr>
-          <p:nvPr>
-            <p:ph type="body" idx="1"/>
-          </p:nvPr>
-        </p:nvSpPr>
-        <p:spPr/>
-        <p:txBody>
-          <a:bodyPr/>
-          <a:lstStyle/>
-          <a:p>
-            <a:endParaRPr lang="en-US"/>
-          </a:p>
-        </p:txBody>
-      </p:sp>
-      <p:sp>
-        <p:nvSpPr>
-          <p:cNvPr id="4" name="Slide Number Placeholder 3"/>
-          <p:cNvSpPr>
-            <a:spLocks noGrp="1"/>
-          </p:cNvSpPr>
-          <p:nvPr>
-            <p:ph type="sldNum" sz="quarter" idx="10"/>
-          </p:nvPr>
-        </p:nvSpPr>
-        <p:spPr/>
-        <p:txBody>
-          <a:bodyPr/>
-          <a:lstStyle/>
-          <a:p>
-            <a:fld id="{3560C2FB-C494-1A46-A471-884A4E75440F}" type="slidenum">
-              <a:rPr lang="en-US" smtClean="0"/>
-              <a:pPr/>
-              <a:t>8</a:t>
-            </a:fld>
-            <a:endParaRPr lang="en-US" dirty="0"/>
-          </a:p>
-        </p:txBody>
-      </p:sp>
-    </p:spTree>
-    <p:extLst>
-      <p:ext uri="{BB962C8B-B14F-4D97-AF65-F5344CB8AC3E}">
-        <p14:creationId xmlns:p14="http://schemas.microsoft.com/office/powerpoint/2010/main" val="963676054"/>
-      </p:ext>
-    </p:extLst>
-  </p:cSld>
-  <p:clrMapOvr>
-    <a:masterClrMapping/>
-  </p:clrMapOvr>
-</p:notes>
-</file>
-
-<file path=ppt/notesSlides/notesSlide9.xml><?xml version="1.0" encoding="utf-8"?>
-<p:notes xmlns:a="http://schemas.openxmlformats.org/drawingml/2006/main" xmlns:r="http://schemas.openxmlformats.org/officeDocument/2006/relationships" xmlns:p="http://schemas.openxmlformats.org/presentationml/2006/main">
-  <p:cSld>
-    <p:spTree>
-      <p:nvGrpSpPr>
-        <p:cNvPr id="1" name=""/>
-        <p:cNvGrpSpPr/>
-        <p:nvPr/>
-      </p:nvGrpSpPr>
-      <p:grpSpPr>
-        <a:xfrm>
-          <a:off x="0" y="0"/>
-          <a:ext cx="0" cy="0"/>
-          <a:chOff x="0" y="0"/>
-          <a:chExt cx="0" cy="0"/>
-        </a:xfrm>
-      </p:grpSpPr>
-      <p:sp>
-        <p:nvSpPr>
-          <p:cNvPr id="2" name="Slide Image Placeholder 1"/>
-          <p:cNvSpPr>
-            <a:spLocks noGrp="1" noRot="1" noChangeAspect="1"/>
-          </p:cNvSpPr>
-          <p:nvPr>
-            <p:ph type="sldImg"/>
-          </p:nvPr>
-        </p:nvSpPr>
-        <p:spPr/>
-      </p:sp>
-      <p:sp>
-        <p:nvSpPr>
-          <p:cNvPr id="3" name="Notes Placeholder 2"/>
-          <p:cNvSpPr>
-            <a:spLocks noGrp="1"/>
-          </p:cNvSpPr>
-          <p:nvPr>
-            <p:ph type="body" idx="1"/>
-          </p:nvPr>
-        </p:nvSpPr>
-        <p:spPr/>
-        <p:txBody>
-          <a:bodyPr/>
-          <a:lstStyle/>
-          <a:p>
-            <a:endParaRPr lang="en-US"/>
-          </a:p>
-        </p:txBody>
-      </p:sp>
-      <p:sp>
-        <p:nvSpPr>
-          <p:cNvPr id="4" name="Slide Number Placeholder 3"/>
-          <p:cNvSpPr>
-            <a:spLocks noGrp="1"/>
-          </p:cNvSpPr>
-          <p:nvPr>
-            <p:ph type="sldNum" sz="quarter" idx="10"/>
-          </p:nvPr>
-        </p:nvSpPr>
-        <p:spPr/>
-        <p:txBody>
-          <a:bodyPr/>
-          <a:lstStyle/>
-          <a:p>
-            <a:fld id="{3560C2FB-C494-1A46-A471-884A4E75440F}" type="slidenum">
-              <a:rPr lang="en-US" smtClean="0"/>
-              <a:pPr/>
-              <a:t>9</a:t>
-            </a:fld>
-            <a:endParaRPr lang="en-US" dirty="0"/>
-          </a:p>
-        </p:txBody>
-      </p:sp>
-    </p:spTree>
-    <p:extLst>
-      <p:ext uri="{BB962C8B-B14F-4D97-AF65-F5344CB8AC3E}">
-        <p14:creationId xmlns:p14="http://schemas.microsoft.com/office/powerpoint/2010/main" val="1443086944"/>
+        <p14:creationId xmlns:p14="http://schemas.microsoft.com/office/powerpoint/2010/main" xmlns:p="http://schemas.openxmlformats.org/presentationml/2006/main" xmlns:r="http://schemas.openxmlformats.org/officeDocument/2006/relationships" xmlns:a="http://schemas.openxmlformats.org/drawingml/2006/main" xmlns="" val="1443086944"/>
       </p:ext>
     </p:extLst>
   </p:cSld>
@@ -1821,7 +1477,7 @@
 </file>
 
 <file path=ppt/slideLayouts/slideLayout1.xml><?xml version="1.0" encoding="utf-8"?>
-<p:sldLayout xmlns:a="http://schemas.openxmlformats.org/drawingml/2006/main" xmlns:r="http://schemas.openxmlformats.org/officeDocument/2006/relationships" xmlns:p="http://schemas.openxmlformats.org/presentationml/2006/main" type="title" preserve="1">
+<p:sldLayout xmlns:a="http://schemas.openxmlformats.org/drawingml/2006/main" xmlns:r="http://schemas.openxmlformats.org/officeDocument/2006/relationships" xmlns:mc="http://schemas.openxmlformats.org/markup-compatibility/2006" xmlns:mv="urn:schemas-microsoft-com:mac:vml" xmlns:p="http://schemas.openxmlformats.org/presentationml/2006/main" mc:Ignorable="mv" mc:PreserveAttributes="mv:*" type="title" preserve="1">
   <p:cSld name="Title Slide">
     <p:bg>
       <p:bgPr>
@@ -2045,7 +1701,7 @@
 </file>
 
 <file path=ppt/slideLayouts/slideLayout10.xml><?xml version="1.0" encoding="utf-8"?>
-<p:sldLayout xmlns:a="http://schemas.openxmlformats.org/drawingml/2006/main" xmlns:r="http://schemas.openxmlformats.org/officeDocument/2006/relationships" xmlns:p="http://schemas.openxmlformats.org/presentationml/2006/main" preserve="1" userDrawn="1">
+<p:sldLayout xmlns:a="http://schemas.openxmlformats.org/drawingml/2006/main" xmlns:r="http://schemas.openxmlformats.org/officeDocument/2006/relationships" xmlns:mc="http://schemas.openxmlformats.org/markup-compatibility/2006" xmlns:mv="urn:schemas-microsoft-com:mac:vml" xmlns:p="http://schemas.openxmlformats.org/presentationml/2006/main" mc:Ignorable="mv" mc:PreserveAttributes="mv:*" preserve="1" userDrawn="1">
   <p:cSld name="Impact Slide - Pink">
     <p:bg>
       <p:bgPr>
@@ -2118,7 +1774,7 @@
 </file>
 
 <file path=ppt/slideLayouts/slideLayout11.xml><?xml version="1.0" encoding="utf-8"?>
-<p:sldLayout xmlns:a="http://schemas.openxmlformats.org/drawingml/2006/main" xmlns:r="http://schemas.openxmlformats.org/officeDocument/2006/relationships" xmlns:p="http://schemas.openxmlformats.org/presentationml/2006/main" preserve="1" userDrawn="1">
+<p:sldLayout xmlns:a="http://schemas.openxmlformats.org/drawingml/2006/main" xmlns:r="http://schemas.openxmlformats.org/officeDocument/2006/relationships" xmlns:mc="http://schemas.openxmlformats.org/markup-compatibility/2006" xmlns:mv="urn:schemas-microsoft-com:mac:vml" xmlns:p="http://schemas.openxmlformats.org/presentationml/2006/main" mc:Ignorable="mv" mc:PreserveAttributes="mv:*" preserve="1" userDrawn="1">
   <p:cSld name="Quote Slide - Neutral">
     <p:bg>
       <p:bgPr>
@@ -2277,7 +1933,7 @@
 </file>
 
 <file path=ppt/slideLayouts/slideLayout12.xml><?xml version="1.0" encoding="utf-8"?>
-<p:sldLayout xmlns:a="http://schemas.openxmlformats.org/drawingml/2006/main" xmlns:r="http://schemas.openxmlformats.org/officeDocument/2006/relationships" xmlns:p="http://schemas.openxmlformats.org/presentationml/2006/main" preserve="1" userDrawn="1">
+<p:sldLayout xmlns:a="http://schemas.openxmlformats.org/drawingml/2006/main" xmlns:r="http://schemas.openxmlformats.org/officeDocument/2006/relationships" xmlns:mc="http://schemas.openxmlformats.org/markup-compatibility/2006" xmlns:mv="urn:schemas-microsoft-com:mac:vml" xmlns:p="http://schemas.openxmlformats.org/presentationml/2006/main" mc:Ignorable="mv" mc:PreserveAttributes="mv:*" preserve="1" userDrawn="1">
   <p:cSld name="Quote Slide - Teal">
     <p:bg>
       <p:bgPr>
@@ -2430,7 +2086,7 @@
 </file>
 
 <file path=ppt/slideLayouts/slideLayout13.xml><?xml version="1.0" encoding="utf-8"?>
-<p:sldLayout xmlns:a="http://schemas.openxmlformats.org/drawingml/2006/main" xmlns:r="http://schemas.openxmlformats.org/officeDocument/2006/relationships" xmlns:p="http://schemas.openxmlformats.org/presentationml/2006/main" preserve="1" userDrawn="1">
+<p:sldLayout xmlns:a="http://schemas.openxmlformats.org/drawingml/2006/main" xmlns:r="http://schemas.openxmlformats.org/officeDocument/2006/relationships" xmlns:mc="http://schemas.openxmlformats.org/markup-compatibility/2006" xmlns:mv="urn:schemas-microsoft-com:mac:vml" xmlns:p="http://schemas.openxmlformats.org/presentationml/2006/main" mc:Ignorable="mv" mc:PreserveAttributes="mv:*" preserve="1" userDrawn="1">
   <p:cSld name="Quote Slide - Green">
     <p:bg>
       <p:bgPr>
@@ -2583,7 +2239,7 @@
 </file>
 
 <file path=ppt/slideLayouts/slideLayout14.xml><?xml version="1.0" encoding="utf-8"?>
-<p:sldLayout xmlns:a="http://schemas.openxmlformats.org/drawingml/2006/main" xmlns:r="http://schemas.openxmlformats.org/officeDocument/2006/relationships" xmlns:p="http://schemas.openxmlformats.org/presentationml/2006/main" preserve="1" userDrawn="1">
+<p:sldLayout xmlns:a="http://schemas.openxmlformats.org/drawingml/2006/main" xmlns:r="http://schemas.openxmlformats.org/officeDocument/2006/relationships" xmlns:mc="http://schemas.openxmlformats.org/markup-compatibility/2006" xmlns:mv="urn:schemas-microsoft-com:mac:vml" xmlns:p="http://schemas.openxmlformats.org/presentationml/2006/main" mc:Ignorable="mv" mc:PreserveAttributes="mv:*" preserve="1" userDrawn="1">
   <p:cSld name="Orange Quote Slide">
     <p:bg>
       <p:bgPr>
@@ -2736,7 +2392,7 @@
 </file>
 
 <file path=ppt/slideLayouts/slideLayout15.xml><?xml version="1.0" encoding="utf-8"?>
-<p:sldLayout xmlns:a="http://schemas.openxmlformats.org/drawingml/2006/main" xmlns:r="http://schemas.openxmlformats.org/officeDocument/2006/relationships" xmlns:p="http://schemas.openxmlformats.org/presentationml/2006/main" preserve="1" userDrawn="1">
+<p:sldLayout xmlns:a="http://schemas.openxmlformats.org/drawingml/2006/main" xmlns:r="http://schemas.openxmlformats.org/officeDocument/2006/relationships" xmlns:mc="http://schemas.openxmlformats.org/markup-compatibility/2006" xmlns:mv="urn:schemas-microsoft-com:mac:vml" xmlns:p="http://schemas.openxmlformats.org/presentationml/2006/main" mc:Ignorable="mv" mc:PreserveAttributes="mv:*" preserve="1" userDrawn="1">
   <p:cSld name="Quote Slide - Pink">
     <p:bg>
       <p:bgPr>
@@ -2889,7 +2545,7 @@
 </file>
 
 <file path=ppt/slideLayouts/slideLayout16.xml><?xml version="1.0" encoding="utf-8"?>
-<p:sldLayout xmlns:a="http://schemas.openxmlformats.org/drawingml/2006/main" xmlns:r="http://schemas.openxmlformats.org/officeDocument/2006/relationships" xmlns:p="http://schemas.openxmlformats.org/presentationml/2006/main" preserve="1" userDrawn="1">
+<p:sldLayout xmlns:a="http://schemas.openxmlformats.org/drawingml/2006/main" xmlns:r="http://schemas.openxmlformats.org/officeDocument/2006/relationships" xmlns:mc="http://schemas.openxmlformats.org/markup-compatibility/2006" xmlns:mv="urn:schemas-microsoft-com:mac:vml" xmlns:p="http://schemas.openxmlformats.org/presentationml/2006/main" mc:Ignorable="mv" mc:PreserveAttributes="mv:*" preserve="1" userDrawn="1">
   <p:cSld name="Thank You - Teal">
     <p:bg>
       <p:bgPr>
@@ -3020,7 +2676,7 @@
 </file>
 
 <file path=ppt/slideLayouts/slideLayout17.xml><?xml version="1.0" encoding="utf-8"?>
-<p:sldLayout xmlns:a="http://schemas.openxmlformats.org/drawingml/2006/main" xmlns:r="http://schemas.openxmlformats.org/officeDocument/2006/relationships" xmlns:p="http://schemas.openxmlformats.org/presentationml/2006/main" preserve="1" userDrawn="1">
+<p:sldLayout xmlns:a="http://schemas.openxmlformats.org/drawingml/2006/main" xmlns:r="http://schemas.openxmlformats.org/officeDocument/2006/relationships" xmlns:mc="http://schemas.openxmlformats.org/markup-compatibility/2006" xmlns:mv="urn:schemas-microsoft-com:mac:vml" xmlns:p="http://schemas.openxmlformats.org/presentationml/2006/main" mc:Ignorable="mv" mc:PreserveAttributes="mv:*" preserve="1" userDrawn="1">
   <p:cSld name="Thank You - Green">
     <p:bg>
       <p:bgPr>
@@ -3151,7 +2807,7 @@
 </file>
 
 <file path=ppt/slideLayouts/slideLayout18.xml><?xml version="1.0" encoding="utf-8"?>
-<p:sldLayout xmlns:a="http://schemas.openxmlformats.org/drawingml/2006/main" xmlns:r="http://schemas.openxmlformats.org/officeDocument/2006/relationships" xmlns:p="http://schemas.openxmlformats.org/presentationml/2006/main" userDrawn="1">
+<p:sldLayout xmlns:a="http://schemas.openxmlformats.org/drawingml/2006/main" xmlns:r="http://schemas.openxmlformats.org/officeDocument/2006/relationships" xmlns:mc="http://schemas.openxmlformats.org/markup-compatibility/2006" xmlns:mv="urn:schemas-microsoft-com:mac:vml" xmlns:p="http://schemas.openxmlformats.org/presentationml/2006/main" mc:Ignorable="mv" mc:PreserveAttributes="mv:*" userDrawn="1">
   <p:cSld name="Thank You - Orange">
     <p:bg>
       <p:bgPr>
@@ -3282,7 +2938,7 @@
 </file>
 
 <file path=ppt/slideLayouts/slideLayout19.xml><?xml version="1.0" encoding="utf-8"?>
-<p:sldLayout xmlns:a="http://schemas.openxmlformats.org/drawingml/2006/main" xmlns:r="http://schemas.openxmlformats.org/officeDocument/2006/relationships" xmlns:p="http://schemas.openxmlformats.org/presentationml/2006/main" userDrawn="1">
+<p:sldLayout xmlns:a="http://schemas.openxmlformats.org/drawingml/2006/main" xmlns:r="http://schemas.openxmlformats.org/officeDocument/2006/relationships" xmlns:mc="http://schemas.openxmlformats.org/markup-compatibility/2006" xmlns:mv="urn:schemas-microsoft-com:mac:vml" xmlns:p="http://schemas.openxmlformats.org/presentationml/2006/main" mc:Ignorable="mv" mc:PreserveAttributes="mv:*" userDrawn="1">
   <p:cSld name="Thank You - Pink">
     <p:bg>
       <p:bgPr>
@@ -3413,7 +3069,7 @@
 </file>
 
 <file path=ppt/slideLayouts/slideLayout2.xml><?xml version="1.0" encoding="utf-8"?>
-<p:sldLayout xmlns:a="http://schemas.openxmlformats.org/drawingml/2006/main" xmlns:r="http://schemas.openxmlformats.org/officeDocument/2006/relationships" xmlns:p="http://schemas.openxmlformats.org/presentationml/2006/main" preserve="1" userDrawn="1">
+<p:sldLayout xmlns:a="http://schemas.openxmlformats.org/drawingml/2006/main" xmlns:r="http://schemas.openxmlformats.org/officeDocument/2006/relationships" xmlns:mc="http://schemas.openxmlformats.org/markup-compatibility/2006" xmlns:mv="urn:schemas-microsoft-com:mac:vml" xmlns:p="http://schemas.openxmlformats.org/presentationml/2006/main" mc:Ignorable="mv" mc:PreserveAttributes="mv:*" preserve="1" userDrawn="1">
   <p:cSld name="Title and Single Element">
     <p:spTree>
       <p:nvGrpSpPr>
@@ -3744,7 +3400,7 @@
 </file>
 
 <file path=ppt/slideLayouts/slideLayout3.xml><?xml version="1.0" encoding="utf-8"?>
-<p:sldLayout xmlns:a="http://schemas.openxmlformats.org/drawingml/2006/main" xmlns:r="http://schemas.openxmlformats.org/officeDocument/2006/relationships" xmlns:p="http://schemas.openxmlformats.org/presentationml/2006/main" preserve="1" userDrawn="1">
+<p:sldLayout xmlns:a="http://schemas.openxmlformats.org/drawingml/2006/main" xmlns:r="http://schemas.openxmlformats.org/officeDocument/2006/relationships" xmlns:mc="http://schemas.openxmlformats.org/markup-compatibility/2006" xmlns:mv="urn:schemas-microsoft-com:mac:vml" xmlns:p="http://schemas.openxmlformats.org/presentationml/2006/main" mc:Ignorable="mv" mc:PreserveAttributes="mv:*" preserve="1" userDrawn="1">
   <p:cSld name="Title and Two Element">
     <p:spTree>
       <p:nvGrpSpPr>
@@ -4136,7 +3792,7 @@
 </file>
 
 <file path=ppt/slideLayouts/slideLayout4.xml><?xml version="1.0" encoding="utf-8"?>
-<p:sldLayout xmlns:a="http://schemas.openxmlformats.org/drawingml/2006/main" xmlns:r="http://schemas.openxmlformats.org/officeDocument/2006/relationships" xmlns:p="http://schemas.openxmlformats.org/presentationml/2006/main" preserve="1" userDrawn="1">
+<p:sldLayout xmlns:a="http://schemas.openxmlformats.org/drawingml/2006/main" xmlns:r="http://schemas.openxmlformats.org/officeDocument/2006/relationships" xmlns:mc="http://schemas.openxmlformats.org/markup-compatibility/2006" xmlns:mv="urn:schemas-microsoft-com:mac:vml" xmlns:p="http://schemas.openxmlformats.org/presentationml/2006/main" mc:Ignorable="mv" mc:PreserveAttributes="mv:*" preserve="1" userDrawn="1">
   <p:cSld name="Title Only and Blank">
     <p:spTree>
       <p:nvGrpSpPr>
@@ -4410,7 +4066,7 @@
 </file>
 
 <file path=ppt/slideLayouts/slideLayout5.xml><?xml version="1.0" encoding="utf-8"?>
-<p:sldLayout xmlns:a="http://schemas.openxmlformats.org/drawingml/2006/main" xmlns:r="http://schemas.openxmlformats.org/officeDocument/2006/relationships" xmlns:p="http://schemas.openxmlformats.org/presentationml/2006/main" userDrawn="1">
+<p:sldLayout xmlns:a="http://schemas.openxmlformats.org/drawingml/2006/main" xmlns:r="http://schemas.openxmlformats.org/officeDocument/2006/relationships" xmlns:mc="http://schemas.openxmlformats.org/markup-compatibility/2006" xmlns:mv="urn:schemas-microsoft-com:mac:vml" xmlns:p="http://schemas.openxmlformats.org/presentationml/2006/main" mc:Ignorable="mv" mc:PreserveAttributes="mv:*" userDrawn="1">
   <p:cSld name="Left Text and Right Image">
     <p:spTree>
       <p:nvGrpSpPr>
@@ -4771,7 +4427,7 @@
 </file>
 
 <file path=ppt/slideLayouts/slideLayout6.xml><?xml version="1.0" encoding="utf-8"?>
-<p:sldLayout xmlns:a="http://schemas.openxmlformats.org/drawingml/2006/main" xmlns:r="http://schemas.openxmlformats.org/officeDocument/2006/relationships" xmlns:p="http://schemas.openxmlformats.org/presentationml/2006/main" preserve="1" userDrawn="1">
+<p:sldLayout xmlns:a="http://schemas.openxmlformats.org/drawingml/2006/main" xmlns:r="http://schemas.openxmlformats.org/officeDocument/2006/relationships" xmlns:mc="http://schemas.openxmlformats.org/markup-compatibility/2006" xmlns:mv="urn:schemas-microsoft-com:mac:vml" xmlns:p="http://schemas.openxmlformats.org/presentationml/2006/main" mc:Ignorable="mv" mc:PreserveAttributes="mv:*" preserve="1" userDrawn="1">
   <p:cSld name="Left Image and Right Text">
     <p:spTree>
       <p:nvGrpSpPr>
@@ -5132,7 +4788,7 @@
 </file>
 
 <file path=ppt/slideLayouts/slideLayout7.xml><?xml version="1.0" encoding="utf-8"?>
-<p:sldLayout xmlns:a="http://schemas.openxmlformats.org/drawingml/2006/main" xmlns:r="http://schemas.openxmlformats.org/officeDocument/2006/relationships" xmlns:p="http://schemas.openxmlformats.org/presentationml/2006/main" preserve="1" userDrawn="1">
+<p:sldLayout xmlns:a="http://schemas.openxmlformats.org/drawingml/2006/main" xmlns:r="http://schemas.openxmlformats.org/officeDocument/2006/relationships" xmlns:mc="http://schemas.openxmlformats.org/markup-compatibility/2006" xmlns:mv="urn:schemas-microsoft-com:mac:vml" xmlns:p="http://schemas.openxmlformats.org/presentationml/2006/main" mc:Ignorable="mv" mc:PreserveAttributes="mv:*" preserve="1" userDrawn="1">
   <p:cSld name="Impact Slide - Teal">
     <p:bg>
       <p:bgPr>
@@ -5227,7 +4883,7 @@
 </file>
 
 <file path=ppt/slideLayouts/slideLayout8.xml><?xml version="1.0" encoding="utf-8"?>
-<p:sldLayout xmlns:a="http://schemas.openxmlformats.org/drawingml/2006/main" xmlns:r="http://schemas.openxmlformats.org/officeDocument/2006/relationships" xmlns:p="http://schemas.openxmlformats.org/presentationml/2006/main" preserve="1" userDrawn="1">
+<p:sldLayout xmlns:a="http://schemas.openxmlformats.org/drawingml/2006/main" xmlns:r="http://schemas.openxmlformats.org/officeDocument/2006/relationships" xmlns:mc="http://schemas.openxmlformats.org/markup-compatibility/2006" xmlns:mv="urn:schemas-microsoft-com:mac:vml" xmlns:p="http://schemas.openxmlformats.org/presentationml/2006/main" mc:Ignorable="mv" mc:PreserveAttributes="mv:*" preserve="1" userDrawn="1">
   <p:cSld name="Impact Slide - Green">
     <p:bg>
       <p:bgPr>
@@ -5322,7 +4978,7 @@
 </file>
 
 <file path=ppt/slideLayouts/slideLayout9.xml><?xml version="1.0" encoding="utf-8"?>
-<p:sldLayout xmlns:a="http://schemas.openxmlformats.org/drawingml/2006/main" xmlns:r="http://schemas.openxmlformats.org/officeDocument/2006/relationships" xmlns:p="http://schemas.openxmlformats.org/presentationml/2006/main" preserve="1" userDrawn="1">
+<p:sldLayout xmlns:a="http://schemas.openxmlformats.org/drawingml/2006/main" xmlns:r="http://schemas.openxmlformats.org/officeDocument/2006/relationships" xmlns:mc="http://schemas.openxmlformats.org/markup-compatibility/2006" xmlns:mv="urn:schemas-microsoft-com:mac:vml" xmlns:p="http://schemas.openxmlformats.org/presentationml/2006/main" mc:Ignorable="mv" mc:PreserveAttributes="mv:*" preserve="1" userDrawn="1">
   <p:cSld name="Impact Slide - Orange">
     <p:bg>
       <p:bgPr>
@@ -5417,7 +5073,7 @@
 </file>
 
 <file path=ppt/slideMasters/slideMaster1.xml><?xml version="1.0" encoding="utf-8"?>
-<p:sldMaster xmlns:a="http://schemas.openxmlformats.org/drawingml/2006/main" xmlns:r="http://schemas.openxmlformats.org/officeDocument/2006/relationships" xmlns:p="http://schemas.openxmlformats.org/presentationml/2006/main">
+<p:sldMaster xmlns:a="http://schemas.openxmlformats.org/drawingml/2006/main" xmlns:r="http://schemas.openxmlformats.org/officeDocument/2006/relationships" xmlns:mc="http://schemas.openxmlformats.org/markup-compatibility/2006" xmlns:mv="urn:schemas-microsoft-com:mac:vml" xmlns:p="http://schemas.openxmlformats.org/presentationml/2006/main" mc:Ignorable="mv" mc:PreserveAttributes="mv:*">
   <p:cSld>
     <p:bg>
       <p:bgPr>
@@ -6039,7 +5695,7 @@
 </file>
 
 <file path=ppt/slides/slide1.xml><?xml version="1.0" encoding="utf-8"?>
-<p:sld xmlns:a="http://schemas.openxmlformats.org/drawingml/2006/main" xmlns:r="http://schemas.openxmlformats.org/officeDocument/2006/relationships" xmlns:p="http://schemas.openxmlformats.org/presentationml/2006/main">
+<p:sld xmlns:a="http://schemas.openxmlformats.org/drawingml/2006/main" xmlns:r="http://schemas.openxmlformats.org/officeDocument/2006/relationships" xmlns:mc="http://schemas.openxmlformats.org/markup-compatibility/2006" xmlns:mv="urn:schemas-microsoft-com:mac:vml" xmlns:p="http://schemas.openxmlformats.org/presentationml/2006/main" mc:Ignorable="mv" mc:PreserveAttributes="mv:*">
   <p:cSld>
     <p:spTree>
       <p:nvGrpSpPr>
@@ -6073,11 +5729,7 @@
             <a:pPr lvl="0"/>
             <a:r>
               <a:rPr lang="en-US" sz="6600" dirty="0" smtClean="0"/>
-              <a:t>Understanding Write </a:t>
-            </a:r>
-            <a:r>
-              <a:rPr lang="en-US" sz="6600" dirty="0" smtClean="0"/>
-              <a:t>Methods</a:t>
+              <a:t>Understanding Write Methods</a:t>
             </a:r>
           </a:p>
           <a:p>
@@ -6126,20 +5778,20 @@
     </p:spTree>
     <p:extLst>
       <p:ext uri="{BB962C8B-B14F-4D97-AF65-F5344CB8AC3E}">
-        <p14:creationId xmlns:p14="http://schemas.microsoft.com/office/powerpoint/2010/main" val="2352184382"/>
+        <p14:creationId xmlns:p14="http://schemas.microsoft.com/office/powerpoint/2010/main" xmlns:p="http://schemas.openxmlformats.org/presentationml/2006/main" xmlns:r="http://schemas.openxmlformats.org/officeDocument/2006/relationships" xmlns:a="http://schemas.openxmlformats.org/drawingml/2006/main" xmlns="" val="2352184382"/>
       </p:ext>
     </p:extLst>
   </p:cSld>
   <p:clrMapOvr>
     <a:masterClrMapping/>
   </p:clrMapOvr>
-  <p:transition xmlns:p14="http://schemas.microsoft.com/office/powerpoint/2010/main" spd="med">
+  <p:transition spd="med">
     <p:fade/>
   </p:transition>
   <p:timing>
     <p:tnLst>
       <p:par>
-        <p:cTn xmlns:p14="http://schemas.microsoft.com/office/powerpoint/2010/main" id="1" dur="indefinite" restart="never" nodeType="tmRoot"/>
+        <p:cTn id="1" dur="indefinite" restart="never" nodeType="tmRoot"/>
       </p:par>
     </p:tnLst>
   </p:timing>
@@ -6147,7 +5799,7 @@
 </file>
 
 <file path=ppt/slides/slide2.xml><?xml version="1.0" encoding="utf-8"?>
-<p:sld xmlns:a="http://schemas.openxmlformats.org/drawingml/2006/main" xmlns:r="http://schemas.openxmlformats.org/officeDocument/2006/relationships" xmlns:p="http://schemas.openxmlformats.org/presentationml/2006/main">
+<p:sld xmlns:a="http://schemas.openxmlformats.org/drawingml/2006/main" xmlns:r="http://schemas.openxmlformats.org/officeDocument/2006/relationships" xmlns:mc="http://schemas.openxmlformats.org/markup-compatibility/2006" xmlns:mv="urn:schemas-microsoft-com:mac:vml" xmlns:p="http://schemas.openxmlformats.org/presentationml/2006/main" mc:Ignorable="mv" mc:PreserveAttributes="mv:*">
   <p:cSld>
     <p:spTree>
       <p:nvGrpSpPr>
@@ -6185,14 +5837,14 @@
           </a:ln>
           <a:extLst>
             <a:ext uri="{909E8E84-426E-40dd-AFC4-6F175D3DCCD1}">
-              <a14:hiddenFill xmlns:a14="http://schemas.microsoft.com/office/drawing/2010/main">
+              <a14:hiddenFill xmlns:a14="http://schemas.microsoft.com/office/drawing/2010/main" xmlns:p="http://schemas.openxmlformats.org/presentationml/2006/main" xmlns:r="http://schemas.openxmlformats.org/officeDocument/2006/relationships" xmlns:a="http://schemas.openxmlformats.org/drawingml/2006/main" xmlns="">
                 <a:solidFill>
                   <a:srgbClr val="FFFFFF"/>
                 </a:solidFill>
               </a14:hiddenFill>
             </a:ext>
             <a:ext uri="{91240B29-F687-4f45-9708-019B960494DF}">
-              <a14:hiddenLine xmlns:a14="http://schemas.microsoft.com/office/drawing/2010/main" w="9525">
+              <a14:hiddenLine xmlns:a14="http://schemas.microsoft.com/office/drawing/2010/main" xmlns:p="http://schemas.openxmlformats.org/presentationml/2006/main" xmlns:r="http://schemas.openxmlformats.org/officeDocument/2006/relationships" xmlns:a="http://schemas.openxmlformats.org/drawingml/2006/main" xmlns="" w="9525">
                 <a:solidFill>
                   <a:srgbClr val="000000"/>
                 </a:solidFill>
@@ -6388,11 +6040,18 @@
               </a:lnSpc>
             </a:pPr>
             <a:r>
-              <a:rPr lang="en-US" sz="3000">
+              <a:rPr lang="en-US" sz="3000" dirty="0">
                 <a:latin typeface="Arial" charset="0"/>
                 <a:ea typeface="ＭＳ Ｐゴシック" charset="0"/>
               </a:rPr>
-              <a:t>Automate uploading</a:t>
+              <a:t>Automate </a:t>
+            </a:r>
+            <a:r>
+              <a:rPr lang="en-US" sz="3000" dirty="0" smtClean="0">
+                <a:latin typeface="Arial" charset="0"/>
+                <a:ea typeface="ＭＳ Ｐゴシック" charset="0"/>
+              </a:rPr>
+              <a:t>uploading of video assets</a:t>
             </a:r>
           </a:p>
           <a:p>
@@ -6402,7 +6061,7 @@
               </a:lnSpc>
             </a:pPr>
             <a:r>
-              <a:rPr lang="en-US" sz="3000">
+              <a:rPr lang="en-US" sz="3000" dirty="0">
                 <a:latin typeface="Arial" charset="0"/>
                 <a:ea typeface="ＭＳ Ｐゴシック" charset="0"/>
               </a:rPr>
@@ -6416,7 +6075,7 @@
               </a:lnSpc>
             </a:pPr>
             <a:r>
-              <a:rPr lang="en-US" sz="3000">
+              <a:rPr lang="en-US" sz="3000" dirty="0">
                 <a:latin typeface="Arial" charset="0"/>
                 <a:ea typeface="ＭＳ Ｐゴシック" charset="0"/>
               </a:rPr>
@@ -6430,7 +6089,7 @@
               </a:lnSpc>
             </a:pPr>
             <a:r>
-              <a:rPr lang="en-US" sz="3000" i="1">
+              <a:rPr lang="en-US" sz="3000" i="1" dirty="0">
                 <a:latin typeface="Arial" charset="0"/>
                 <a:ea typeface="ＭＳ Ｐゴシック" charset="0"/>
               </a:rPr>
@@ -6444,7 +6103,7 @@
               </a:lnSpc>
             </a:pPr>
             <a:r>
-              <a:rPr lang="en-US" sz="3000">
+              <a:rPr lang="en-US" sz="3000" dirty="0">
                 <a:latin typeface="Arial" charset="0"/>
                 <a:ea typeface="ＭＳ Ｐゴシック" charset="0"/>
               </a:rPr>
@@ -6458,39 +6117,74 @@
               </a:lnSpc>
             </a:pPr>
             <a:r>
-              <a:rPr lang="en-US" sz="3000">
+              <a:rPr lang="en-US" sz="3000" dirty="0">
                 <a:latin typeface="Arial" charset="0"/>
                 <a:ea typeface="ＭＳ Ｐゴシック" charset="0"/>
               </a:rPr>
-              <a:t>Populating ReferenceID</a:t>
-            </a:r>
-            <a:r>
-              <a:rPr lang="ja-JP" altLang="en-US" sz="3000">
+              <a:t>Populating </a:t>
+            </a:r>
+            <a:r>
+              <a:rPr lang="en-US" sz="3000" dirty="0" err="1" smtClean="0">
                 <a:latin typeface="Arial" charset="0"/>
                 <a:ea typeface="ＭＳ Ｐゴシック" charset="0"/>
               </a:rPr>
-              <a:t>’</a:t>
-            </a:r>
-            <a:r>
-              <a:rPr lang="en-US" altLang="ja-JP" sz="3000">
+              <a:t>ReferenceID</a:t>
+            </a:r>
+            <a:r>
+              <a:rPr lang="en-US" sz="3000" dirty="0" err="1">
                 <a:latin typeface="Arial" charset="0"/>
                 <a:ea typeface="ＭＳ Ｐゴシック" charset="0"/>
               </a:rPr>
-              <a:t>s (with your Database</a:t>
-            </a:r>
-            <a:r>
-              <a:rPr lang="ja-JP" altLang="en-US" sz="3000">
+              <a:t>'</a:t>
+            </a:r>
+            <a:r>
+              <a:rPr lang="en-US" altLang="ja-JP" sz="3000" dirty="0" err="1" smtClean="0">
                 <a:latin typeface="Arial" charset="0"/>
                 <a:ea typeface="ＭＳ Ｐゴシック" charset="0"/>
               </a:rPr>
-              <a:t>’</a:t>
-            </a:r>
-            <a:r>
-              <a:rPr lang="en-US" altLang="ja-JP" sz="3000">
+              <a:t>s</a:t>
+            </a:r>
+            <a:r>
+              <a:rPr lang="en-US" altLang="ja-JP" sz="3000" dirty="0" smtClean="0">
                 <a:latin typeface="Arial" charset="0"/>
                 <a:ea typeface="ＭＳ Ｐゴシック" charset="0"/>
               </a:rPr>
-              <a:t>s primary keys or whatever)</a:t>
+              <a:t> </a:t>
+            </a:r>
+            <a:r>
+              <a:rPr lang="en-US" altLang="ja-JP" sz="3000" dirty="0">
+                <a:latin typeface="Arial" charset="0"/>
+                <a:ea typeface="ＭＳ Ｐゴシック" charset="0"/>
+              </a:rPr>
+              <a:t>(with your </a:t>
+            </a:r>
+            <a:r>
+              <a:rPr lang="en-US" altLang="ja-JP" sz="3000" dirty="0" smtClean="0">
+                <a:latin typeface="Arial" charset="0"/>
+                <a:ea typeface="ＭＳ Ｐゴシック" charset="0"/>
+              </a:rPr>
+              <a:t>Database</a:t>
+            </a:r>
+            <a:r>
+              <a:rPr lang="en-US" altLang="ja-JP" sz="3000" dirty="0" smtClean="0">
+                <a:latin typeface="Arial" charset="0"/>
+                <a:ea typeface="ＭＳ Ｐゴシック" charset="0"/>
+              </a:rPr>
+              <a:t>'</a:t>
+            </a:r>
+            <a:r>
+              <a:rPr lang="en-US" altLang="ja-JP" sz="3000" dirty="0" smtClean="0">
+                <a:latin typeface="Arial" charset="0"/>
+                <a:ea typeface="ＭＳ Ｐゴシック" charset="0"/>
+              </a:rPr>
+              <a:t>s </a:t>
+            </a:r>
+            <a:r>
+              <a:rPr lang="en-US" altLang="ja-JP" sz="3000" dirty="0">
+                <a:latin typeface="Arial" charset="0"/>
+                <a:ea typeface="ＭＳ Ｐゴシック" charset="0"/>
+              </a:rPr>
+              <a:t>primary keys or whatever)</a:t>
             </a:r>
           </a:p>
           <a:p>
@@ -6500,7 +6194,7 @@
               </a:lnSpc>
             </a:pPr>
             <a:r>
-              <a:rPr lang="en-US" sz="3000">
+              <a:rPr lang="en-US" sz="3000" dirty="0">
                 <a:latin typeface="Arial" charset="0"/>
                 <a:ea typeface="ＭＳ Ｐゴシック" charset="0"/>
               </a:rPr>
@@ -6514,7 +6208,7 @@
               </a:lnSpc>
             </a:pPr>
             <a:r>
-              <a:rPr lang="en-US" sz="3000">
+              <a:rPr lang="en-US" sz="3000" dirty="0">
                 <a:latin typeface="Arial" charset="0"/>
                 <a:ea typeface="ＭＳ Ｐゴシック" charset="0"/>
               </a:rPr>
@@ -6528,11 +6222,25 @@
               </a:lnSpc>
             </a:pPr>
             <a:r>
-              <a:rPr lang="en-US" sz="3000">
+              <a:rPr lang="en-US" sz="3000" dirty="0">
                 <a:latin typeface="Arial" charset="0"/>
                 <a:ea typeface="ＭＳ Ｐゴシック" charset="0"/>
               </a:rPr>
-              <a:t>Giving partners or other affiliates the options they need without access to Brightcove Studio</a:t>
+              <a:t>Giving partners or other affiliates the options they need without access to </a:t>
+            </a:r>
+            <a:r>
+              <a:rPr lang="en-US" sz="3000" dirty="0" err="1">
+                <a:latin typeface="Arial" charset="0"/>
+                <a:ea typeface="ＭＳ Ｐゴシック" charset="0"/>
+              </a:rPr>
+              <a:t>Brightcove</a:t>
+            </a:r>
+            <a:r>
+              <a:rPr lang="en-US" sz="3000" dirty="0">
+                <a:latin typeface="Arial" charset="0"/>
+                <a:ea typeface="ＭＳ Ｐゴシック" charset="0"/>
+              </a:rPr>
+              <a:t> Studio</a:t>
             </a:r>
           </a:p>
         </p:txBody>
@@ -6540,20 +6248,20 @@
     </p:spTree>
     <p:extLst>
       <p:ext uri="{BB962C8B-B14F-4D97-AF65-F5344CB8AC3E}">
-        <p14:creationId xmlns:p14="http://schemas.microsoft.com/office/powerpoint/2010/main" val="1468952432"/>
+        <p14:creationId xmlns:p14="http://schemas.microsoft.com/office/powerpoint/2010/main" xmlns:p="http://schemas.openxmlformats.org/presentationml/2006/main" xmlns:r="http://schemas.openxmlformats.org/officeDocument/2006/relationships" xmlns:a="http://schemas.openxmlformats.org/drawingml/2006/main" xmlns="" val="1468952432"/>
       </p:ext>
     </p:extLst>
   </p:cSld>
   <p:clrMapOvr>
     <a:masterClrMapping/>
   </p:clrMapOvr>
-  <p:transition xmlns:p14="http://schemas.microsoft.com/office/powerpoint/2010/main">
+  <p:transition>
     <p:fade/>
   </p:transition>
   <p:timing>
     <p:tnLst>
       <p:par>
-        <p:cTn xmlns:p14="http://schemas.microsoft.com/office/powerpoint/2010/main" id="1" dur="indefinite" restart="never" nodeType="tmRoot">
+        <p:cTn id="1" dur="indefinite" restart="never" nodeType="tmRoot">
           <p:childTnLst>
             <p:seq concurrent="1" nextAc="seek">
               <p:cTn id="2" dur="indefinite" nodeType="mainSeq">
@@ -6917,7 +6625,7 @@
 </file>
 
 <file path=ppt/slides/slide3.xml><?xml version="1.0" encoding="utf-8"?>
-<p:sld xmlns:a="http://schemas.openxmlformats.org/drawingml/2006/main" xmlns:r="http://schemas.openxmlformats.org/officeDocument/2006/relationships" xmlns:p="http://schemas.openxmlformats.org/presentationml/2006/main">
+<p:sld xmlns:a="http://schemas.openxmlformats.org/drawingml/2006/main" xmlns:r="http://schemas.openxmlformats.org/officeDocument/2006/relationships" xmlns:mc="http://schemas.openxmlformats.org/markup-compatibility/2006" xmlns:mv="urn:schemas-microsoft-com:mac:vml" xmlns:p="http://schemas.openxmlformats.org/presentationml/2006/main" mc:Ignorable="mv" mc:PreserveAttributes="mv:*">
   <p:cSld>
     <p:spTree>
       <p:nvGrpSpPr>
@@ -6955,14 +6663,14 @@
           </a:ln>
           <a:extLst>
             <a:ext uri="{909E8E84-426E-40dd-AFC4-6F175D3DCCD1}">
-              <a14:hiddenFill xmlns:a14="http://schemas.microsoft.com/office/drawing/2010/main">
+              <a14:hiddenFill xmlns:a14="http://schemas.microsoft.com/office/drawing/2010/main" xmlns:p="http://schemas.openxmlformats.org/presentationml/2006/main" xmlns:r="http://schemas.openxmlformats.org/officeDocument/2006/relationships" xmlns:a="http://schemas.openxmlformats.org/drawingml/2006/main" xmlns="">
                 <a:solidFill>
                   <a:srgbClr val="FFFFFF"/>
                 </a:solidFill>
               </a14:hiddenFill>
             </a:ext>
             <a:ext uri="{91240B29-F687-4f45-9708-019B960494DF}">
-              <a14:hiddenLine xmlns:a14="http://schemas.microsoft.com/office/drawing/2010/main" w="9525">
+              <a14:hiddenLine xmlns:a14="http://schemas.microsoft.com/office/drawing/2010/main" xmlns:p="http://schemas.openxmlformats.org/presentationml/2006/main" xmlns:r="http://schemas.openxmlformats.org/officeDocument/2006/relationships" xmlns:a="http://schemas.openxmlformats.org/drawingml/2006/main" xmlns="" w="9525">
                 <a:solidFill>
                   <a:srgbClr val="000000"/>
                 </a:solidFill>
@@ -7123,12 +6831,23 @@
           <a:p>
             <a:pPr eaLnBrk="1" hangingPunct="1"/>
             <a:r>
-              <a:rPr lang="en-US">
+              <a:rPr lang="en-US" dirty="0" smtClean="0">
                 <a:latin typeface="Arial" charset="0"/>
                 <a:ea typeface="ＭＳ Ｐゴシック" charset="0"/>
               </a:rPr>
-              <a:t>Write API</a:t>
-            </a:r>
+              <a:t>Understanding the Write </a:t>
+            </a:r>
+            <a:r>
+              <a:rPr lang="en-US" dirty="0" smtClean="0">
+                <a:latin typeface="Arial" charset="0"/>
+                <a:ea typeface="ＭＳ Ｐゴシック" charset="0"/>
+              </a:rPr>
+              <a:t>methods</a:t>
+            </a:r>
+            <a:endParaRPr lang="en-US" dirty="0">
+              <a:latin typeface="Arial" charset="0"/>
+              <a:ea typeface="ＭＳ Ｐゴシック" charset="0"/>
+            </a:endParaRPr>
           </a:p>
         </p:txBody>
       </p:sp>
@@ -7162,14 +6881,14 @@
               </a:buBlip>
             </a:pPr>
             <a:r>
-              <a:rPr lang="en-US" sz="3000">
+              <a:rPr lang="en-US" sz="3000" dirty="0">
                 <a:latin typeface="Arial" charset="0"/>
                 <a:ea typeface="ＭＳ Ｐゴシック" charset="0"/>
                 <a:cs typeface="ＭＳ Ｐゴシック" charset="0"/>
               </a:rPr>
               <a:t>Methods that create, update, or delete videos and playlists </a:t>
             </a:r>
-            <a:endParaRPr lang="en-US" sz="3000">
+            <a:endParaRPr lang="en-US" sz="3000" dirty="0">
               <a:solidFill>
                 <a:srgbClr val="23383A"/>
               </a:solidFill>
@@ -7189,7 +6908,7 @@
               </a:buBlip>
             </a:pPr>
             <a:r>
-              <a:rPr lang="en-US" sz="3000">
+              <a:rPr lang="en-US" sz="3000" dirty="0">
                 <a:solidFill>
                   <a:srgbClr val="23383A"/>
                 </a:solidFill>
@@ -7199,6 +6918,14 @@
               </a:rPr>
               <a:t>Calling the WRITE API</a:t>
             </a:r>
+            <a:endParaRPr lang="en-US" sz="3000" dirty="0" smtClean="0">
+              <a:solidFill>
+                <a:srgbClr val="23383A"/>
+              </a:solidFill>
+              <a:latin typeface="Arial" charset="0"/>
+              <a:ea typeface="ＭＳ Ｐゴシック" charset="0"/>
+              <a:cs typeface="ＭＳ Ｐゴシック" charset="0"/>
+            </a:endParaRPr>
           </a:p>
           <a:p>
             <a:pPr marL="1169988" lvl="1" indent="-396875">
@@ -7214,7 +6941,7 @@
               </a:buBlip>
             </a:pPr>
             <a:r>
-              <a:rPr lang="en-US" sz="3000">
+              <a:rPr lang="en-US" sz="3000" dirty="0" smtClean="0">
                 <a:solidFill>
                   <a:srgbClr val="23383A"/>
                 </a:solidFill>
@@ -7222,8 +6949,81 @@
                 <a:ea typeface="ＭＳ Ｐゴシック" charset="0"/>
                 <a:cs typeface="ＭＳ Ｐゴシック" charset="0"/>
               </a:rPr>
-              <a:t>HTTP POST Request</a:t>
-            </a:r>
+              <a:t>Use an HTTP </a:t>
+            </a:r>
+            <a:r>
+              <a:rPr lang="en-US" sz="3000" dirty="0">
+                <a:solidFill>
+                  <a:srgbClr val="23383A"/>
+                </a:solidFill>
+                <a:latin typeface="Arial" charset="0"/>
+                <a:ea typeface="ＭＳ Ｐゴシック" charset="0"/>
+                <a:cs typeface="ＭＳ Ｐゴシック" charset="0"/>
+              </a:rPr>
+              <a:t>POST Request</a:t>
+            </a:r>
+            <a:endParaRPr lang="en-US" sz="3000" dirty="0" smtClean="0">
+              <a:solidFill>
+                <a:srgbClr val="23383A"/>
+              </a:solidFill>
+              <a:latin typeface="Arial" charset="0"/>
+              <a:ea typeface="ＭＳ Ｐゴシック" charset="0"/>
+              <a:cs typeface="ＭＳ Ｐゴシック" charset="0"/>
+            </a:endParaRPr>
+          </a:p>
+          <a:p>
+            <a:pPr marL="2101851" lvl="2" indent="-396875">
+              <a:spcBef>
+                <a:spcPct val="15000"/>
+              </a:spcBef>
+              <a:spcAft>
+                <a:spcPct val="5000"/>
+              </a:spcAft>
+              <a:buFontTx/>
+              <a:buBlip>
+                <a:blip r:embed="rId4"/>
+              </a:buBlip>
+            </a:pPr>
+            <a:r>
+              <a:rPr lang="en-US" sz="3000" dirty="0" smtClean="0">
+                <a:latin typeface="Arial" charset="0"/>
+                <a:ea typeface="ＭＳ Ｐゴシック" charset="0"/>
+                <a:cs typeface="ＭＳ Ｐゴシック" charset="0"/>
+              </a:rPr>
+              <a:t>The default format is </a:t>
+            </a:r>
+            <a:r>
+              <a:rPr lang="en-US" sz="3000" dirty="0" err="1" smtClean="0">
+                <a:latin typeface="Arial" charset="0"/>
+                <a:ea typeface="ＭＳ Ｐゴシック" charset="0"/>
+                <a:cs typeface="ＭＳ Ｐゴシック" charset="0"/>
+              </a:rPr>
+              <a:t>application</a:t>
+            </a:r>
+            <a:r>
+              <a:rPr lang="en-US" sz="3000" dirty="0" err="1">
+                <a:latin typeface="Arial" charset="0"/>
+                <a:ea typeface="ＭＳ Ｐゴシック" charset="0"/>
+                <a:cs typeface="ＭＳ Ｐゴシック" charset="0"/>
+              </a:rPr>
+              <a:t>/x-www-form-urlencoded</a:t>
+            </a:r>
+            <a:r>
+              <a:rPr lang="en-US" sz="3000" dirty="0">
+                <a:latin typeface="Arial" charset="0"/>
+                <a:ea typeface="ＭＳ Ｐゴシック" charset="0"/>
+                <a:cs typeface="ＭＳ Ｐゴシック" charset="0"/>
+              </a:rPr>
+              <a:t> or multipart/form-data</a:t>
+            </a:r>
+            <a:endParaRPr lang="en-US" sz="3000" dirty="0" smtClean="0">
+              <a:solidFill>
+                <a:srgbClr val="23383A"/>
+              </a:solidFill>
+              <a:latin typeface="Arial" charset="0"/>
+              <a:ea typeface="ＭＳ Ｐゴシック" charset="0"/>
+              <a:cs typeface="ＭＳ Ｐゴシック" charset="0"/>
+            </a:endParaRPr>
           </a:p>
           <a:p>
             <a:pPr marL="1169988" lvl="1" indent="-396875">
@@ -7239,14 +7039,141 @@
               </a:buBlip>
             </a:pPr>
             <a:r>
-              <a:rPr lang="en-US" sz="3000">
+              <a:rPr lang="en-US" sz="3000" dirty="0" smtClean="0">
+                <a:solidFill>
+                  <a:srgbClr val="23383A"/>
+                </a:solidFill>
                 <a:latin typeface="Arial" charset="0"/>
                 <a:ea typeface="ＭＳ Ｐゴシック" charset="0"/>
                 <a:cs typeface="ＭＳ Ｐゴシック" charset="0"/>
               </a:rPr>
-              <a:t>application/x-www-form-urlencoded or multipart/form-data</a:t>
-            </a:r>
-            <a:endParaRPr lang="en-US" sz="3000">
+              <a:t>The method</a:t>
+            </a:r>
+            <a:r>
+              <a:rPr lang="en-US" sz="3000" dirty="0">
+                <a:solidFill>
+                  <a:srgbClr val="23383A"/>
+                </a:solidFill>
+                <a:latin typeface="Arial" charset="0"/>
+                <a:ea typeface="ＭＳ Ｐゴシック" charset="0"/>
+                <a:cs typeface="ＭＳ Ｐゴシック" charset="0"/>
+              </a:rPr>
+              <a:t>-name and parameters in the body</a:t>
+            </a:r>
+            <a:r>
+              <a:rPr lang="en-US" sz="3000" dirty="0" smtClean="0">
+                <a:solidFill>
+                  <a:srgbClr val="23383A"/>
+                </a:solidFill>
+                <a:latin typeface="Arial" charset="0"/>
+                <a:ea typeface="ＭＳ Ｐゴシック" charset="0"/>
+                <a:cs typeface="ＭＳ Ｐゴシック" charset="0"/>
+              </a:rPr>
+              <a:t> </a:t>
+            </a:r>
+            <a:r>
+              <a:rPr lang="en-US" sz="3000" dirty="0" smtClean="0">
+                <a:solidFill>
+                  <a:srgbClr val="23383A"/>
+                </a:solidFill>
+                <a:latin typeface="Arial" charset="0"/>
+                <a:ea typeface="ＭＳ Ｐゴシック" charset="0"/>
+                <a:cs typeface="ＭＳ Ｐゴシック" charset="0"/>
+              </a:rPr>
+              <a:t>is in</a:t>
+            </a:r>
+            <a:r>
+              <a:rPr lang="en-US" sz="3000" dirty="0" smtClean="0">
+                <a:solidFill>
+                  <a:srgbClr val="23383A"/>
+                </a:solidFill>
+                <a:latin typeface="Arial" charset="0"/>
+                <a:ea typeface="ＭＳ Ｐゴシック" charset="0"/>
+                <a:cs typeface="ＭＳ Ｐゴシック" charset="0"/>
+              </a:rPr>
+              <a:t> </a:t>
+            </a:r>
+            <a:r>
+              <a:rPr lang="en-US" sz="3000" dirty="0">
+                <a:solidFill>
+                  <a:srgbClr val="23383A"/>
+                </a:solidFill>
+                <a:latin typeface="Arial" charset="0"/>
+                <a:ea typeface="ＭＳ Ｐゴシック" charset="0"/>
+                <a:cs typeface="ＭＳ Ｐゴシック" charset="0"/>
+              </a:rPr>
+              <a:t>JSON-</a:t>
+            </a:r>
+            <a:r>
+              <a:rPr lang="en-US" sz="3000" dirty="0" smtClean="0">
+                <a:solidFill>
+                  <a:srgbClr val="23383A"/>
+                </a:solidFill>
+                <a:latin typeface="Arial" charset="0"/>
+                <a:ea typeface="ＭＳ Ｐゴシック" charset="0"/>
+                <a:cs typeface="ＭＳ Ｐゴシック" charset="0"/>
+              </a:rPr>
+              <a:t>RPC format</a:t>
+            </a:r>
+          </a:p>
+          <a:p>
+            <a:pPr marL="1169988" lvl="1" indent="-396875">
+              <a:spcBef>
+                <a:spcPct val="15000"/>
+              </a:spcBef>
+              <a:spcAft>
+                <a:spcPct val="5000"/>
+              </a:spcAft>
+              <a:buFontTx/>
+              <a:buBlip>
+                <a:blip r:embed="rId4"/>
+              </a:buBlip>
+            </a:pPr>
+            <a:r>
+              <a:rPr lang="en-US" sz="3000" dirty="0" smtClean="0">
+                <a:solidFill>
+                  <a:srgbClr val="23383A"/>
+                </a:solidFill>
+                <a:latin typeface="Arial" charset="0"/>
+                <a:ea typeface="ＭＳ Ｐゴシック" charset="0"/>
+                <a:cs typeface="ＭＳ Ｐゴシック" charset="0"/>
+              </a:rPr>
+              <a:t>You must </a:t>
+            </a:r>
+            <a:r>
+              <a:rPr lang="en-US" sz="3000" dirty="0">
+                <a:solidFill>
+                  <a:srgbClr val="23383A"/>
+                </a:solidFill>
+                <a:latin typeface="Arial" charset="0"/>
+                <a:ea typeface="ＭＳ Ｐゴシック" charset="0"/>
+                <a:cs typeface="ＭＳ Ｐゴシック" charset="0"/>
+              </a:rPr>
+              <a:t>provide</a:t>
+            </a:r>
+            <a:r>
+              <a:rPr lang="en-US" sz="3000" dirty="0" smtClean="0">
+                <a:solidFill>
+                  <a:srgbClr val="23383A"/>
+                </a:solidFill>
+                <a:latin typeface="Arial" charset="0"/>
+                <a:ea typeface="ＭＳ Ｐゴシック" charset="0"/>
+                <a:cs typeface="ＭＳ Ｐゴシック" charset="0"/>
+              </a:rPr>
+              <a:t> a WRITE </a:t>
+            </a:r>
+            <a:r>
+              <a:rPr lang="en-US" sz="3000" dirty="0">
+                <a:solidFill>
+                  <a:srgbClr val="23383A"/>
+                </a:solidFill>
+                <a:latin typeface="Arial" charset="0"/>
+                <a:ea typeface="ＭＳ Ｐゴシック" charset="0"/>
+                <a:cs typeface="ＭＳ Ｐゴシック" charset="0"/>
+              </a:rPr>
+              <a:t>Token</a:t>
+            </a:r>
+            <a:endParaRPr lang="en-US" sz="3000" dirty="0" smtClean="0">
               <a:solidFill>
                 <a:srgbClr val="23383A"/>
               </a:solidFill>
@@ -7269,7 +7196,7 @@
               </a:buBlip>
             </a:pPr>
             <a:r>
-              <a:rPr lang="en-US" sz="3000">
+              <a:rPr lang="en-US" sz="3000" dirty="0" smtClean="0">
                 <a:solidFill>
                   <a:srgbClr val="23383A"/>
                 </a:solidFill>
@@ -7277,24 +7204,10 @@
                 <a:ea typeface="ＭＳ Ｐゴシック" charset="0"/>
                 <a:cs typeface="ＭＳ Ｐゴシック" charset="0"/>
               </a:rPr>
-              <a:t>method-name and parameters in the body as JSON-RPC</a:t>
-            </a:r>
-          </a:p>
-          <a:p>
-            <a:pPr marL="1169988" lvl="1" indent="-396875">
-              <a:spcBef>
-                <a:spcPct val="15000"/>
-              </a:spcBef>
-              <a:spcAft>
-                <a:spcPct val="5000"/>
-              </a:spcAft>
-              <a:buFontTx/>
-              <a:buBlip>
-                <a:blip r:embed="rId4"/>
-              </a:buBlip>
-            </a:pPr>
-            <a:r>
-              <a:rPr lang="en-US" sz="3000">
+              <a:t>Use ISO</a:t>
+            </a:r>
+            <a:r>
+              <a:rPr lang="en-US" sz="3000" dirty="0">
                 <a:solidFill>
                   <a:srgbClr val="23383A"/>
                 </a:solidFill>
@@ -7302,24 +7215,10 @@
                 <a:ea typeface="ＭＳ Ｐゴシック" charset="0"/>
                 <a:cs typeface="ＭＳ Ｐゴシック" charset="0"/>
               </a:rPr>
-              <a:t>must provide WRITE Token</a:t>
-            </a:r>
-          </a:p>
-          <a:p>
-            <a:pPr marL="1169988" lvl="1" indent="-396875">
-              <a:spcBef>
-                <a:spcPct val="15000"/>
-              </a:spcBef>
-              <a:spcAft>
-                <a:spcPct val="5000"/>
-              </a:spcAft>
-              <a:buFontTx/>
-              <a:buBlip>
-                <a:blip r:embed="rId4"/>
-              </a:buBlip>
-            </a:pPr>
-            <a:r>
-              <a:rPr lang="en-US" sz="3000">
+              <a:t>-8859-1</a:t>
+            </a:r>
+            <a:r>
+              <a:rPr lang="en-US" sz="3000" dirty="0" smtClean="0">
                 <a:solidFill>
                   <a:srgbClr val="23383A"/>
                 </a:solidFill>
@@ -7327,7 +7226,18 @@
                 <a:ea typeface="ＭＳ Ｐゴシック" charset="0"/>
                 <a:cs typeface="ＭＳ Ｐゴシック" charset="0"/>
               </a:rPr>
-              <a:t>ISO-8859-1 for special characters</a:t>
+              <a:t> character set for </a:t>
+            </a:r>
+            <a:r>
+              <a:rPr lang="en-US" sz="3000" dirty="0">
+                <a:solidFill>
+                  <a:srgbClr val="23383A"/>
+                </a:solidFill>
+                <a:latin typeface="Arial" charset="0"/>
+                <a:ea typeface="ＭＳ Ｐゴシック" charset="0"/>
+                <a:cs typeface="ＭＳ Ｐゴシック" charset="0"/>
+              </a:rPr>
+              <a:t>special characters</a:t>
             </a:r>
           </a:p>
           <a:p>
@@ -7344,7 +7254,7 @@
               </a:buBlip>
             </a:pPr>
             <a:r>
-              <a:rPr lang="en-US" sz="3000" i="1">
+              <a:rPr lang="en-US" sz="3000" i="1" dirty="0">
                 <a:solidFill>
                   <a:srgbClr val="23383A"/>
                 </a:solidFill>
@@ -7354,7 +7264,7 @@
               </a:rPr>
               <a:t>Write methods should not be made on the client-side except in exceptionally secure situations, as your Write Token will be exposed in the source code</a:t>
             </a:r>
-            <a:endParaRPr lang="en-US" sz="3000" i="1">
+            <a:endParaRPr lang="en-US" sz="3000" i="1" dirty="0">
               <a:latin typeface="Arial" charset="0"/>
               <a:ea typeface="ＭＳ Ｐゴシック" charset="0"/>
               <a:cs typeface="ＭＳ Ｐゴシック" charset="0"/>
@@ -7362,7 +7272,7 @@
           </a:p>
           <a:p>
             <a:pPr marL="479425" indent="-479425"/>
-            <a:endParaRPr lang="en-US" sz="3000">
+            <a:endParaRPr lang="en-US" sz="3000" dirty="0">
               <a:latin typeface="Arial" charset="0"/>
               <a:ea typeface="ＭＳ Ｐゴシック" charset="0"/>
             </a:endParaRPr>
@@ -7372,20 +7282,20 @@
     </p:spTree>
     <p:extLst>
       <p:ext uri="{BB962C8B-B14F-4D97-AF65-F5344CB8AC3E}">
-        <p14:creationId xmlns:p14="http://schemas.microsoft.com/office/powerpoint/2010/main" val="3467264204"/>
+        <p14:creationId xmlns:p14="http://schemas.microsoft.com/office/powerpoint/2010/main" xmlns:p="http://schemas.openxmlformats.org/presentationml/2006/main" xmlns:r="http://schemas.openxmlformats.org/officeDocument/2006/relationships" xmlns:a="http://schemas.openxmlformats.org/drawingml/2006/main" xmlns="" val="3467264204"/>
       </p:ext>
     </p:extLst>
   </p:cSld>
   <p:clrMapOvr>
     <a:masterClrMapping/>
   </p:clrMapOvr>
-  <p:transition xmlns:p14="http://schemas.microsoft.com/office/powerpoint/2010/main">
+  <p:transition>
     <p:fade/>
   </p:transition>
   <p:timing>
     <p:tnLst>
       <p:par>
-        <p:cTn xmlns:p14="http://schemas.microsoft.com/office/powerpoint/2010/main" id="1" dur="indefinite" restart="never" nodeType="tmRoot"/>
+        <p:cTn id="1" dur="indefinite" restart="never" nodeType="tmRoot"/>
       </p:par>
     </p:tnLst>
   </p:timing>
@@ -7393,7 +7303,7 @@
 </file>
 
 <file path=ppt/slides/slide4.xml><?xml version="1.0" encoding="utf-8"?>
-<p:sld xmlns:a="http://schemas.openxmlformats.org/drawingml/2006/main" xmlns:r="http://schemas.openxmlformats.org/officeDocument/2006/relationships" xmlns:p="http://schemas.openxmlformats.org/presentationml/2006/main">
+<p:sld xmlns:a="http://schemas.openxmlformats.org/drawingml/2006/main" xmlns:r="http://schemas.openxmlformats.org/officeDocument/2006/relationships" xmlns:mc="http://schemas.openxmlformats.org/markup-compatibility/2006" xmlns:mv="urn:schemas-microsoft-com:mac:vml" xmlns:p="http://schemas.openxmlformats.org/presentationml/2006/main" mc:Ignorable="mv" mc:PreserveAttributes="mv:*">
   <p:cSld>
     <p:spTree>
       <p:nvGrpSpPr>
@@ -7431,14 +7341,14 @@
           </a:ln>
           <a:extLst>
             <a:ext uri="{909E8E84-426E-40dd-AFC4-6F175D3DCCD1}">
-              <a14:hiddenFill xmlns:a14="http://schemas.microsoft.com/office/drawing/2010/main">
+              <a14:hiddenFill xmlns:a14="http://schemas.microsoft.com/office/drawing/2010/main" xmlns:p="http://schemas.openxmlformats.org/presentationml/2006/main" xmlns:r="http://schemas.openxmlformats.org/officeDocument/2006/relationships" xmlns:a="http://schemas.openxmlformats.org/drawingml/2006/main" xmlns="">
                 <a:solidFill>
                   <a:srgbClr val="FFFFFF"/>
                 </a:solidFill>
               </a14:hiddenFill>
             </a:ext>
             <a:ext uri="{91240B29-F687-4f45-9708-019B960494DF}">
-              <a14:hiddenLine xmlns:a14="http://schemas.microsoft.com/office/drawing/2010/main" w="9525">
+              <a14:hiddenLine xmlns:a14="http://schemas.microsoft.com/office/drawing/2010/main" xmlns:p="http://schemas.openxmlformats.org/presentationml/2006/main" xmlns:r="http://schemas.openxmlformats.org/officeDocument/2006/relationships" xmlns:a="http://schemas.openxmlformats.org/drawingml/2006/main" xmlns="" w="9525">
                 <a:solidFill>
                   <a:srgbClr val="000000"/>
                 </a:solidFill>
@@ -7594,12 +7504,23 @@
           <a:p>
             <a:pPr eaLnBrk="1" hangingPunct="1"/>
             <a:r>
-              <a:rPr lang="en-US">
+              <a:rPr lang="en-US" dirty="0" smtClean="0">
                 <a:latin typeface="Arial" charset="0"/>
                 <a:ea typeface="ＭＳ Ｐゴシック" charset="0"/>
               </a:rPr>
-              <a:t>The Main WRITE API's</a:t>
-            </a:r>
+              <a:t>Available </a:t>
+            </a:r>
+            <a:r>
+              <a:rPr lang="en-US" dirty="0" smtClean="0">
+                <a:latin typeface="Arial" charset="0"/>
+                <a:ea typeface="ＭＳ Ｐゴシック" charset="0"/>
+              </a:rPr>
+              <a:t>WRITE methods</a:t>
+            </a:r>
+            <a:endParaRPr lang="en-US" dirty="0">
+              <a:latin typeface="Arial" charset="0"/>
+              <a:ea typeface="ＭＳ Ｐゴシック" charset="0"/>
+            </a:endParaRPr>
           </a:p>
         </p:txBody>
       </p:sp>
@@ -7788,20 +7709,20 @@
     </p:spTree>
     <p:extLst>
       <p:ext uri="{BB962C8B-B14F-4D97-AF65-F5344CB8AC3E}">
-        <p14:creationId xmlns:p14="http://schemas.microsoft.com/office/powerpoint/2010/main" val="2862029908"/>
+        <p14:creationId xmlns:p14="http://schemas.microsoft.com/office/powerpoint/2010/main" xmlns:p="http://schemas.openxmlformats.org/presentationml/2006/main" xmlns:r="http://schemas.openxmlformats.org/officeDocument/2006/relationships" xmlns:a="http://schemas.openxmlformats.org/drawingml/2006/main" xmlns="" val="2862029908"/>
       </p:ext>
     </p:extLst>
   </p:cSld>
   <p:clrMapOvr>
     <a:masterClrMapping/>
   </p:clrMapOvr>
-  <p:transition xmlns:p14="http://schemas.microsoft.com/office/powerpoint/2010/main">
+  <p:transition>
     <p:fade/>
   </p:transition>
   <p:timing>
     <p:tnLst>
       <p:par>
-        <p:cTn xmlns:p14="http://schemas.microsoft.com/office/powerpoint/2010/main" id="1" dur="indefinite" restart="never" nodeType="tmRoot"/>
+        <p:cTn id="1" dur="indefinite" restart="never" nodeType="tmRoot"/>
       </p:par>
     </p:tnLst>
   </p:timing>
@@ -7809,7 +7730,7 @@
 </file>
 
 <file path=ppt/slides/slide5.xml><?xml version="1.0" encoding="utf-8"?>
-<p:sld xmlns:a="http://schemas.openxmlformats.org/drawingml/2006/main" xmlns:r="http://schemas.openxmlformats.org/officeDocument/2006/relationships" xmlns:p="http://schemas.openxmlformats.org/presentationml/2006/main">
+<p:sld xmlns:a="http://schemas.openxmlformats.org/drawingml/2006/main" xmlns:r="http://schemas.openxmlformats.org/officeDocument/2006/relationships" xmlns:mc="http://schemas.openxmlformats.org/markup-compatibility/2006" xmlns:mv="urn:schemas-microsoft-com:mac:vml" xmlns:p="http://schemas.openxmlformats.org/presentationml/2006/main" mc:Ignorable="mv" mc:PreserveAttributes="mv:*">
   <p:cSld>
     <p:spTree>
       <p:nvGrpSpPr>
@@ -7827,354 +7748,6 @@
       </p:grpSpPr>
       <p:sp>
         <p:nvSpPr>
-          <p:cNvPr id="3" name="Title 2"/>
-          <p:cNvSpPr>
-            <a:spLocks noGrp="1"/>
-          </p:cNvSpPr>
-          <p:nvPr>
-            <p:ph type="title"/>
-          </p:nvPr>
-        </p:nvSpPr>
-        <p:spPr/>
-        <p:txBody>
-          <a:bodyPr/>
-          <a:lstStyle/>
-          <a:p>
-            <a:r>
-              <a:rPr lang="en-US" dirty="0" smtClean="0"/>
-              <a:t>Title</a:t>
-            </a:r>
-            <a:endParaRPr lang="en-US" dirty="0"/>
-          </a:p>
-        </p:txBody>
-      </p:sp>
-      <p:sp>
-        <p:nvSpPr>
-          <p:cNvPr id="4" name="Content Placeholder 3"/>
-          <p:cNvSpPr>
-            <a:spLocks noGrp="1"/>
-          </p:cNvSpPr>
-          <p:nvPr>
-            <p:ph idx="1"/>
-          </p:nvPr>
-        </p:nvSpPr>
-        <p:spPr/>
-        <p:txBody>
-          <a:bodyPr>
-            <a:normAutofit/>
-          </a:bodyPr>
-          <a:lstStyle/>
-          <a:p>
-            <a:r>
-              <a:rPr lang="en-US" sz="3200" dirty="0" smtClean="0"/>
-              <a:t>Content</a:t>
-            </a:r>
-          </a:p>
-          <a:p>
-            <a:endParaRPr lang="en-US" sz="3200" dirty="0"/>
-          </a:p>
-        </p:txBody>
-      </p:sp>
-    </p:spTree>
-    <p:extLst>
-      <p:ext uri="{BB962C8B-B14F-4D97-AF65-F5344CB8AC3E}">
-        <p14:creationId xmlns:p14="http://schemas.microsoft.com/office/powerpoint/2010/main" val="1723545958"/>
-      </p:ext>
-    </p:extLst>
-  </p:cSld>
-  <p:clrMapOvr>
-    <a:masterClrMapping/>
-  </p:clrMapOvr>
-  <p:timing>
-    <p:tnLst>
-      <p:par>
-        <p:cTn xmlns:p14="http://schemas.microsoft.com/office/powerpoint/2010/main" id="1" dur="indefinite" restart="never" nodeType="tmRoot"/>
-      </p:par>
-    </p:tnLst>
-  </p:timing>
-</p:sld>
-</file>
-
-<file path=ppt/slides/slide6.xml><?xml version="1.0" encoding="utf-8"?>
-<p:sld xmlns:a="http://schemas.openxmlformats.org/drawingml/2006/main" xmlns:r="http://schemas.openxmlformats.org/officeDocument/2006/relationships" xmlns:p="http://schemas.openxmlformats.org/presentationml/2006/main">
-  <p:cSld>
-    <p:spTree>
-      <p:nvGrpSpPr>
-        <p:cNvPr id="1" name=""/>
-        <p:cNvGrpSpPr/>
-        <p:nvPr/>
-      </p:nvGrpSpPr>
-      <p:grpSpPr>
-        <a:xfrm>
-          <a:off x="0" y="0"/>
-          <a:ext cx="0" cy="0"/>
-          <a:chOff x="0" y="0"/>
-          <a:chExt cx="0" cy="0"/>
-        </a:xfrm>
-      </p:grpSpPr>
-      <p:sp>
-        <p:nvSpPr>
-          <p:cNvPr id="3" name="Title 2"/>
-          <p:cNvSpPr>
-            <a:spLocks noGrp="1"/>
-          </p:cNvSpPr>
-          <p:nvPr>
-            <p:ph type="title"/>
-          </p:nvPr>
-        </p:nvSpPr>
-        <p:spPr/>
-        <p:txBody>
-          <a:bodyPr/>
-          <a:lstStyle/>
-          <a:p>
-            <a:r>
-              <a:rPr lang="en-US" dirty="0" smtClean="0"/>
-              <a:t>Title</a:t>
-            </a:r>
-            <a:endParaRPr lang="en-US" dirty="0"/>
-          </a:p>
-        </p:txBody>
-      </p:sp>
-      <p:sp>
-        <p:nvSpPr>
-          <p:cNvPr id="4" name="Content Placeholder 3"/>
-          <p:cNvSpPr>
-            <a:spLocks noGrp="1"/>
-          </p:cNvSpPr>
-          <p:nvPr>
-            <p:ph idx="1"/>
-          </p:nvPr>
-        </p:nvSpPr>
-        <p:spPr/>
-        <p:txBody>
-          <a:bodyPr>
-            <a:normAutofit/>
-          </a:bodyPr>
-          <a:lstStyle/>
-          <a:p>
-            <a:r>
-              <a:rPr lang="en-US" sz="3200" dirty="0" smtClean="0"/>
-              <a:t>Content</a:t>
-            </a:r>
-          </a:p>
-          <a:p>
-            <a:endParaRPr lang="en-US" sz="3200" dirty="0"/>
-          </a:p>
-        </p:txBody>
-      </p:sp>
-    </p:spTree>
-    <p:extLst>
-      <p:ext uri="{BB962C8B-B14F-4D97-AF65-F5344CB8AC3E}">
-        <p14:creationId xmlns:p14="http://schemas.microsoft.com/office/powerpoint/2010/main" val="2108713422"/>
-      </p:ext>
-    </p:extLst>
-  </p:cSld>
-  <p:clrMapOvr>
-    <a:masterClrMapping/>
-  </p:clrMapOvr>
-  <p:timing>
-    <p:tnLst>
-      <p:par>
-        <p:cTn xmlns:p14="http://schemas.microsoft.com/office/powerpoint/2010/main" id="1" dur="indefinite" restart="never" nodeType="tmRoot"/>
-      </p:par>
-    </p:tnLst>
-  </p:timing>
-</p:sld>
-</file>
-
-<file path=ppt/slides/slide7.xml><?xml version="1.0" encoding="utf-8"?>
-<p:sld xmlns:a="http://schemas.openxmlformats.org/drawingml/2006/main" xmlns:r="http://schemas.openxmlformats.org/officeDocument/2006/relationships" xmlns:p="http://schemas.openxmlformats.org/presentationml/2006/main">
-  <p:cSld>
-    <p:spTree>
-      <p:nvGrpSpPr>
-        <p:cNvPr id="1" name=""/>
-        <p:cNvGrpSpPr/>
-        <p:nvPr/>
-      </p:nvGrpSpPr>
-      <p:grpSpPr>
-        <a:xfrm>
-          <a:off x="0" y="0"/>
-          <a:ext cx="0" cy="0"/>
-          <a:chOff x="0" y="0"/>
-          <a:chExt cx="0" cy="0"/>
-        </a:xfrm>
-      </p:grpSpPr>
-      <p:sp>
-        <p:nvSpPr>
-          <p:cNvPr id="3" name="Title 2"/>
-          <p:cNvSpPr>
-            <a:spLocks noGrp="1"/>
-          </p:cNvSpPr>
-          <p:nvPr>
-            <p:ph type="title"/>
-          </p:nvPr>
-        </p:nvSpPr>
-        <p:spPr/>
-        <p:txBody>
-          <a:bodyPr/>
-          <a:lstStyle/>
-          <a:p>
-            <a:r>
-              <a:rPr lang="en-US" dirty="0" smtClean="0"/>
-              <a:t>Title</a:t>
-            </a:r>
-            <a:endParaRPr lang="en-US" dirty="0"/>
-          </a:p>
-        </p:txBody>
-      </p:sp>
-      <p:sp>
-        <p:nvSpPr>
-          <p:cNvPr id="4" name="Content Placeholder 3"/>
-          <p:cNvSpPr>
-            <a:spLocks noGrp="1"/>
-          </p:cNvSpPr>
-          <p:nvPr>
-            <p:ph idx="1"/>
-          </p:nvPr>
-        </p:nvSpPr>
-        <p:spPr/>
-        <p:txBody>
-          <a:bodyPr>
-            <a:normAutofit/>
-          </a:bodyPr>
-          <a:lstStyle/>
-          <a:p>
-            <a:r>
-              <a:rPr lang="en-US" sz="3200" dirty="0" smtClean="0"/>
-              <a:t>Content</a:t>
-            </a:r>
-          </a:p>
-          <a:p>
-            <a:endParaRPr lang="en-US" sz="3200" dirty="0"/>
-          </a:p>
-        </p:txBody>
-      </p:sp>
-    </p:spTree>
-    <p:extLst>
-      <p:ext uri="{BB962C8B-B14F-4D97-AF65-F5344CB8AC3E}">
-        <p14:creationId xmlns:p14="http://schemas.microsoft.com/office/powerpoint/2010/main" val="2805855639"/>
-      </p:ext>
-    </p:extLst>
-  </p:cSld>
-  <p:clrMapOvr>
-    <a:masterClrMapping/>
-  </p:clrMapOvr>
-  <p:timing>
-    <p:tnLst>
-      <p:par>
-        <p:cTn xmlns:p14="http://schemas.microsoft.com/office/powerpoint/2010/main" id="1" dur="indefinite" restart="never" nodeType="tmRoot"/>
-      </p:par>
-    </p:tnLst>
-  </p:timing>
-</p:sld>
-</file>
-
-<file path=ppt/slides/slide8.xml><?xml version="1.0" encoding="utf-8"?>
-<p:sld xmlns:a="http://schemas.openxmlformats.org/drawingml/2006/main" xmlns:r="http://schemas.openxmlformats.org/officeDocument/2006/relationships" xmlns:p="http://schemas.openxmlformats.org/presentationml/2006/main">
-  <p:cSld>
-    <p:spTree>
-      <p:nvGrpSpPr>
-        <p:cNvPr id="1" name=""/>
-        <p:cNvGrpSpPr/>
-        <p:nvPr/>
-      </p:nvGrpSpPr>
-      <p:grpSpPr>
-        <a:xfrm>
-          <a:off x="0" y="0"/>
-          <a:ext cx="0" cy="0"/>
-          <a:chOff x="0" y="0"/>
-          <a:chExt cx="0" cy="0"/>
-        </a:xfrm>
-      </p:grpSpPr>
-      <p:sp>
-        <p:nvSpPr>
-          <p:cNvPr id="3" name="Title 2"/>
-          <p:cNvSpPr>
-            <a:spLocks noGrp="1"/>
-          </p:cNvSpPr>
-          <p:nvPr>
-            <p:ph type="title"/>
-          </p:nvPr>
-        </p:nvSpPr>
-        <p:spPr/>
-        <p:txBody>
-          <a:bodyPr/>
-          <a:lstStyle/>
-          <a:p>
-            <a:r>
-              <a:rPr lang="en-US" dirty="0" smtClean="0"/>
-              <a:t>Title</a:t>
-            </a:r>
-            <a:endParaRPr lang="en-US" dirty="0"/>
-          </a:p>
-        </p:txBody>
-      </p:sp>
-      <p:sp>
-        <p:nvSpPr>
-          <p:cNvPr id="4" name="Content Placeholder 3"/>
-          <p:cNvSpPr>
-            <a:spLocks noGrp="1"/>
-          </p:cNvSpPr>
-          <p:nvPr>
-            <p:ph idx="1"/>
-          </p:nvPr>
-        </p:nvSpPr>
-        <p:spPr/>
-        <p:txBody>
-          <a:bodyPr>
-            <a:normAutofit/>
-          </a:bodyPr>
-          <a:lstStyle/>
-          <a:p>
-            <a:r>
-              <a:rPr lang="en-US" sz="3200" dirty="0" smtClean="0"/>
-              <a:t>Content</a:t>
-            </a:r>
-          </a:p>
-          <a:p>
-            <a:endParaRPr lang="en-US" sz="3200" dirty="0"/>
-          </a:p>
-        </p:txBody>
-      </p:sp>
-    </p:spTree>
-    <p:extLst>
-      <p:ext uri="{BB962C8B-B14F-4D97-AF65-F5344CB8AC3E}">
-        <p14:creationId xmlns:p14="http://schemas.microsoft.com/office/powerpoint/2010/main" val="2514608167"/>
-      </p:ext>
-    </p:extLst>
-  </p:cSld>
-  <p:clrMapOvr>
-    <a:masterClrMapping/>
-  </p:clrMapOvr>
-  <p:timing>
-    <p:tnLst>
-      <p:par>
-        <p:cTn xmlns:p14="http://schemas.microsoft.com/office/powerpoint/2010/main" id="1" dur="indefinite" restart="never" nodeType="tmRoot"/>
-      </p:par>
-    </p:tnLst>
-  </p:timing>
-</p:sld>
-</file>
-
-<file path=ppt/slides/slide9.xml><?xml version="1.0" encoding="utf-8"?>
-<p:sld xmlns:a="http://schemas.openxmlformats.org/drawingml/2006/main" xmlns:r="http://schemas.openxmlformats.org/officeDocument/2006/relationships" xmlns:p="http://schemas.openxmlformats.org/presentationml/2006/main">
-  <p:cSld>
-    <p:spTree>
-      <p:nvGrpSpPr>
-        <p:cNvPr id="1" name=""/>
-        <p:cNvGrpSpPr/>
-        <p:nvPr/>
-      </p:nvGrpSpPr>
-      <p:grpSpPr>
-        <a:xfrm>
-          <a:off x="0" y="0"/>
-          <a:ext cx="0" cy="0"/>
-          <a:chOff x="0" y="0"/>
-          <a:chExt cx="0" cy="0"/>
-        </a:xfrm>
-      </p:grpSpPr>
-      <p:sp>
-        <p:nvSpPr>
           <p:cNvPr id="3" name="Text Placeholder 2"/>
           <p:cNvSpPr>
             <a:spLocks noGrp="1"/>
@@ -8249,7 +7822,7 @@
               <a:pPr>
                 <a:defRPr/>
               </a:pPr>
-              <a:t>9</a:t>
+              <a:t>5</a:t>
             </a:fld>
             <a:endParaRPr lang="en-US" dirty="0"/>
           </a:p>
@@ -8258,20 +7831,20 @@
     </p:spTree>
     <p:extLst>
       <p:ext uri="{BB962C8B-B14F-4D97-AF65-F5344CB8AC3E}">
-        <p14:creationId xmlns:p14="http://schemas.microsoft.com/office/powerpoint/2010/main" val="3700295984"/>
+        <p14:creationId xmlns:p14="http://schemas.microsoft.com/office/powerpoint/2010/main" xmlns:p="http://schemas.openxmlformats.org/presentationml/2006/main" xmlns:r="http://schemas.openxmlformats.org/officeDocument/2006/relationships" xmlns:a="http://schemas.openxmlformats.org/drawingml/2006/main" xmlns="" val="3700295984"/>
       </p:ext>
     </p:extLst>
   </p:cSld>
   <p:clrMapOvr>
     <a:masterClrMapping/>
   </p:clrMapOvr>
-  <p:transition xmlns:p14="http://schemas.microsoft.com/office/powerpoint/2010/main" spd="med">
+  <p:transition spd="med">
     <p:fade/>
   </p:transition>
   <p:timing>
     <p:tnLst>
       <p:par>
-        <p:cTn xmlns:p14="http://schemas.microsoft.com/office/powerpoint/2010/main" id="1" dur="indefinite" restart="never" nodeType="tmRoot"/>
+        <p:cTn id="1" dur="indefinite" restart="never" nodeType="tmRoot"/>
       </p:par>
     </p:tnLst>
   </p:timing>

--- a/VideoSessionsMaterials/understanding-write-methods.pptx
+++ b/VideoSessionsMaterials/understanding-write-methods.pptx
@@ -10,7 +10,7 @@
   <p:sldIdLst>
     <p:sldId id="364" r:id="rId2"/>
     <p:sldId id="370" r:id="rId3"/>
-    <p:sldId id="371" r:id="rId4"/>
+    <p:sldId id="373" r:id="rId4"/>
     <p:sldId id="372" r:id="rId5"/>
     <p:sldId id="322" r:id="rId6"/>
   </p:sldIdLst>
@@ -6835,14 +6835,7 @@
                 <a:latin typeface="Arial" charset="0"/>
                 <a:ea typeface="ＭＳ Ｐゴシック" charset="0"/>
               </a:rPr>
-              <a:t>Understanding the Write </a:t>
-            </a:r>
-            <a:r>
-              <a:rPr lang="en-US" dirty="0" smtClean="0">
-                <a:latin typeface="Arial" charset="0"/>
-                <a:ea typeface="ＭＳ Ｐゴシック" charset="0"/>
-              </a:rPr>
-              <a:t>methods</a:t>
+              <a:t>Write API requests</a:t>
             </a:r>
             <a:endParaRPr lang="en-US" dirty="0">
               <a:latin typeface="Arial" charset="0"/>
@@ -6881,42 +6874,12 @@
               </a:buBlip>
             </a:pPr>
             <a:r>
-              <a:rPr lang="en-US" sz="3000" dirty="0">
+              <a:rPr lang="en-US" sz="3000" dirty="0" smtClean="0">
                 <a:latin typeface="Arial" charset="0"/>
                 <a:ea typeface="ＭＳ Ｐゴシック" charset="0"/>
                 <a:cs typeface="ＭＳ Ｐゴシック" charset="0"/>
               </a:rPr>
               <a:t>Methods that create, update, or delete videos and playlists </a:t>
-            </a:r>
-            <a:endParaRPr lang="en-US" sz="3000" dirty="0">
-              <a:solidFill>
-                <a:srgbClr val="23383A"/>
-              </a:solidFill>
-              <a:latin typeface="Arial" charset="0"/>
-              <a:ea typeface="ＭＳ Ｐゴシック" charset="0"/>
-              <a:cs typeface="ＭＳ Ｐゴシック" charset="0"/>
-            </a:endParaRPr>
-          </a:p>
-          <a:p>
-            <a:pPr marL="479425" indent="-479425">
-              <a:spcBef>
-                <a:spcPct val="50000"/>
-              </a:spcBef>
-              <a:buFontTx/>
-              <a:buBlip>
-                <a:blip r:embed="rId3"/>
-              </a:buBlip>
-            </a:pPr>
-            <a:r>
-              <a:rPr lang="en-US" sz="3000" dirty="0">
-                <a:solidFill>
-                  <a:srgbClr val="23383A"/>
-                </a:solidFill>
-                <a:latin typeface="Arial" charset="0"/>
-                <a:ea typeface="ＭＳ Ｐゴシック" charset="0"/>
-                <a:cs typeface="ＭＳ Ｐゴシック" charset="0"/>
-              </a:rPr>
-              <a:t>Calling the WRITE API</a:t>
             </a:r>
             <a:endParaRPr lang="en-US" sz="3000" dirty="0" smtClean="0">
               <a:solidFill>
@@ -6928,6 +6891,28 @@
             </a:endParaRPr>
           </a:p>
           <a:p>
+            <a:pPr marL="479425" indent="-479425">
+              <a:spcBef>
+                <a:spcPct val="50000"/>
+              </a:spcBef>
+              <a:buFontTx/>
+              <a:buBlip>
+                <a:blip r:embed="rId3"/>
+              </a:buBlip>
+            </a:pPr>
+            <a:r>
+              <a:rPr lang="en-US" sz="3000" dirty="0" smtClean="0">
+                <a:solidFill>
+                  <a:srgbClr val="23383A"/>
+                </a:solidFill>
+                <a:latin typeface="Arial" charset="0"/>
+                <a:ea typeface="ＭＳ Ｐゴシック" charset="0"/>
+                <a:cs typeface="ＭＳ Ｐゴシック" charset="0"/>
+              </a:rPr>
+              <a:t>Calling the WRITE API</a:t>
+            </a:r>
+          </a:p>
+          <a:p>
             <a:pPr marL="1169988" lvl="1" indent="-396875">
               <a:spcBef>
                 <a:spcPct val="15000"/>
@@ -6949,18 +6934,45 @@
                 <a:ea typeface="ＭＳ Ｐゴシック" charset="0"/>
                 <a:cs typeface="ＭＳ Ｐゴシック" charset="0"/>
               </a:rPr>
-              <a:t>Use an HTTP </a:t>
-            </a:r>
-            <a:r>
-              <a:rPr lang="en-US" sz="3000" dirty="0">
-                <a:solidFill>
-                  <a:srgbClr val="23383A"/>
-                </a:solidFill>
+              <a:t>Use an HTTP POST Request</a:t>
+            </a:r>
+          </a:p>
+          <a:p>
+            <a:pPr marL="2101851" lvl="2" indent="-396875">
+              <a:spcBef>
+                <a:spcPct val="15000"/>
+              </a:spcBef>
+              <a:spcAft>
+                <a:spcPct val="5000"/>
+              </a:spcAft>
+              <a:buFontTx/>
+              <a:buBlip>
+                <a:blip r:embed="rId4"/>
+              </a:buBlip>
+            </a:pPr>
+            <a:r>
+              <a:rPr lang="en-US" sz="3000" dirty="0" smtClean="0">
                 <a:latin typeface="Arial" charset="0"/>
                 <a:ea typeface="ＭＳ Ｐゴシック" charset="0"/>
                 <a:cs typeface="ＭＳ Ｐゴシック" charset="0"/>
               </a:rPr>
-              <a:t>POST Request</a:t>
+              <a:t>The default format is </a:t>
+            </a:r>
+            <a:r>
+              <a:rPr lang="en-US" sz="3000" dirty="0" err="1" smtClean="0">
+                <a:latin typeface="Arial" charset="0"/>
+                <a:ea typeface="ＭＳ Ｐゴシック" charset="0"/>
+                <a:cs typeface="ＭＳ Ｐゴシック" charset="0"/>
+              </a:rPr>
+              <a:t>application/x-www-form-urlencoded</a:t>
+            </a:r>
+            <a:r>
+              <a:rPr lang="en-US" sz="3000" dirty="0" smtClean="0">
+                <a:latin typeface="Arial" charset="0"/>
+                <a:ea typeface="ＭＳ Ｐゴシック" charset="0"/>
+                <a:cs typeface="ＭＳ Ｐゴシック" charset="0"/>
+              </a:rPr>
+              <a:t> or multipart/form-data</a:t>
             </a:r>
             <a:endParaRPr lang="en-US" sz="3000" dirty="0" smtClean="0">
               <a:solidFill>
@@ -6972,60 +6984,6 @@
             </a:endParaRPr>
           </a:p>
           <a:p>
-            <a:pPr marL="2101851" lvl="2" indent="-396875">
-              <a:spcBef>
-                <a:spcPct val="15000"/>
-              </a:spcBef>
-              <a:spcAft>
-                <a:spcPct val="5000"/>
-              </a:spcAft>
-              <a:buFontTx/>
-              <a:buBlip>
-                <a:blip r:embed="rId4"/>
-              </a:buBlip>
-            </a:pPr>
-            <a:r>
-              <a:rPr lang="en-US" sz="3000" dirty="0" smtClean="0">
-                <a:latin typeface="Arial" charset="0"/>
-                <a:ea typeface="ＭＳ Ｐゴシック" charset="0"/>
-                <a:cs typeface="ＭＳ Ｐゴシック" charset="0"/>
-              </a:rPr>
-              <a:t>The default format is </a:t>
-            </a:r>
-            <a:r>
-              <a:rPr lang="en-US" sz="3000" dirty="0" err="1" smtClean="0">
-                <a:latin typeface="Arial" charset="0"/>
-                <a:ea typeface="ＭＳ Ｐゴシック" charset="0"/>
-                <a:cs typeface="ＭＳ Ｐゴシック" charset="0"/>
-              </a:rPr>
-              <a:t>application</a:t>
-            </a:r>
-            <a:r>
-              <a:rPr lang="en-US" sz="3000" dirty="0" err="1">
-                <a:latin typeface="Arial" charset="0"/>
-                <a:ea typeface="ＭＳ Ｐゴシック" charset="0"/>
-                <a:cs typeface="ＭＳ Ｐゴシック" charset="0"/>
-              </a:rPr>
-              <a:t>/x-www-form-urlencoded</a:t>
-            </a:r>
-            <a:r>
-              <a:rPr lang="en-US" sz="3000" dirty="0">
-                <a:latin typeface="Arial" charset="0"/>
-                <a:ea typeface="ＭＳ Ｐゴシック" charset="0"/>
-                <a:cs typeface="ＭＳ Ｐゴシック" charset="0"/>
-              </a:rPr>
-              <a:t> or multipart/form-data</a:t>
-            </a:r>
-            <a:endParaRPr lang="en-US" sz="3000" dirty="0" smtClean="0">
-              <a:solidFill>
-                <a:srgbClr val="23383A"/>
-              </a:solidFill>
-              <a:latin typeface="Arial" charset="0"/>
-              <a:ea typeface="ＭＳ Ｐゴシック" charset="0"/>
-              <a:cs typeface="ＭＳ Ｐゴシック" charset="0"/>
-            </a:endParaRPr>
-          </a:p>
-          <a:p>
             <a:pPr marL="1169988" lvl="1" indent="-396875">
               <a:spcBef>
                 <a:spcPct val="15000"/>
@@ -7047,73 +7005,7 @@
                 <a:ea typeface="ＭＳ Ｐゴシック" charset="0"/>
                 <a:cs typeface="ＭＳ Ｐゴシック" charset="0"/>
               </a:rPr>
-              <a:t>The method</a:t>
-            </a:r>
-            <a:r>
-              <a:rPr lang="en-US" sz="3000" dirty="0">
-                <a:solidFill>
-                  <a:srgbClr val="23383A"/>
-                </a:solidFill>
-                <a:latin typeface="Arial" charset="0"/>
-                <a:ea typeface="ＭＳ Ｐゴシック" charset="0"/>
-                <a:cs typeface="ＭＳ Ｐゴシック" charset="0"/>
-              </a:rPr>
-              <a:t>-name and parameters in the body</a:t>
-            </a:r>
-            <a:r>
-              <a:rPr lang="en-US" sz="3000" dirty="0" smtClean="0">
-                <a:solidFill>
-                  <a:srgbClr val="23383A"/>
-                </a:solidFill>
-                <a:latin typeface="Arial" charset="0"/>
-                <a:ea typeface="ＭＳ Ｐゴシック" charset="0"/>
-                <a:cs typeface="ＭＳ Ｐゴシック" charset="0"/>
-              </a:rPr>
-              <a:t> </a:t>
-            </a:r>
-            <a:r>
-              <a:rPr lang="en-US" sz="3000" dirty="0" smtClean="0">
-                <a:solidFill>
-                  <a:srgbClr val="23383A"/>
-                </a:solidFill>
-                <a:latin typeface="Arial" charset="0"/>
-                <a:ea typeface="ＭＳ Ｐゴシック" charset="0"/>
-                <a:cs typeface="ＭＳ Ｐゴシック" charset="0"/>
-              </a:rPr>
-              <a:t>is in</a:t>
-            </a:r>
-            <a:r>
-              <a:rPr lang="en-US" sz="3000" dirty="0" smtClean="0">
-                <a:solidFill>
-                  <a:srgbClr val="23383A"/>
-                </a:solidFill>
-                <a:latin typeface="Arial" charset="0"/>
-                <a:ea typeface="ＭＳ Ｐゴシック" charset="0"/>
-                <a:cs typeface="ＭＳ Ｐゴシック" charset="0"/>
-              </a:rPr>
-              <a:t> </a:t>
-            </a:r>
-            <a:r>
-              <a:rPr lang="en-US" sz="3000" dirty="0">
-                <a:solidFill>
-                  <a:srgbClr val="23383A"/>
-                </a:solidFill>
-                <a:latin typeface="Arial" charset="0"/>
-                <a:ea typeface="ＭＳ Ｐゴシック" charset="0"/>
-                <a:cs typeface="ＭＳ Ｐゴシック" charset="0"/>
-              </a:rPr>
-              <a:t>JSON-</a:t>
-            </a:r>
-            <a:r>
-              <a:rPr lang="en-US" sz="3000" dirty="0" smtClean="0">
-                <a:solidFill>
-                  <a:srgbClr val="23383A"/>
-                </a:solidFill>
-                <a:latin typeface="Arial" charset="0"/>
-                <a:ea typeface="ＭＳ Ｐゴシック" charset="0"/>
-                <a:cs typeface="ＭＳ Ｐゴシック" charset="0"/>
-              </a:rPr>
-              <a:t>RPC format</a:t>
+              <a:t>The method-name and parameters in the body is in JSON-RPC format</a:t>
             </a:r>
           </a:p>
           <a:p>
@@ -7138,49 +7030,8 @@
                 <a:ea typeface="ＭＳ Ｐゴシック" charset="0"/>
                 <a:cs typeface="ＭＳ Ｐゴシック" charset="0"/>
               </a:rPr>
-              <a:t>You must </a:t>
-            </a:r>
-            <a:r>
-              <a:rPr lang="en-US" sz="3000" dirty="0">
-                <a:solidFill>
-                  <a:srgbClr val="23383A"/>
-                </a:solidFill>
-                <a:latin typeface="Arial" charset="0"/>
-                <a:ea typeface="ＭＳ Ｐゴシック" charset="0"/>
-                <a:cs typeface="ＭＳ Ｐゴシック" charset="0"/>
-              </a:rPr>
-              <a:t>provide</a:t>
-            </a:r>
-            <a:r>
-              <a:rPr lang="en-US" sz="3000" dirty="0" smtClean="0">
-                <a:solidFill>
-                  <a:srgbClr val="23383A"/>
-                </a:solidFill>
-                <a:latin typeface="Arial" charset="0"/>
-                <a:ea typeface="ＭＳ Ｐゴシック" charset="0"/>
-                <a:cs typeface="ＭＳ Ｐゴシック" charset="0"/>
-              </a:rPr>
-              <a:t> a WRITE </a:t>
-            </a:r>
-            <a:r>
-              <a:rPr lang="en-US" sz="3000" dirty="0">
-                <a:solidFill>
-                  <a:srgbClr val="23383A"/>
-                </a:solidFill>
-                <a:latin typeface="Arial" charset="0"/>
-                <a:ea typeface="ＭＳ Ｐゴシック" charset="0"/>
-                <a:cs typeface="ＭＳ Ｐゴシック" charset="0"/>
-              </a:rPr>
-              <a:t>Token</a:t>
-            </a:r>
-            <a:endParaRPr lang="en-US" sz="3000" dirty="0" smtClean="0">
-              <a:solidFill>
-                <a:srgbClr val="23383A"/>
-              </a:solidFill>
-              <a:latin typeface="Arial" charset="0"/>
-              <a:ea typeface="ＭＳ Ｐゴシック" charset="0"/>
-              <a:cs typeface="ＭＳ Ｐゴシック" charset="0"/>
-            </a:endParaRPr>
+              <a:t>You must provide a WRITE Token</a:t>
+            </a:r>
           </a:p>
           <a:p>
             <a:pPr marL="1169988" lvl="1" indent="-396875">
@@ -7204,40 +7055,7 @@
                 <a:ea typeface="ＭＳ Ｐゴシック" charset="0"/>
                 <a:cs typeface="ＭＳ Ｐゴシック" charset="0"/>
               </a:rPr>
-              <a:t>Use ISO</a:t>
-            </a:r>
-            <a:r>
-              <a:rPr lang="en-US" sz="3000" dirty="0">
-                <a:solidFill>
-                  <a:srgbClr val="23383A"/>
-                </a:solidFill>
-                <a:latin typeface="Arial" charset="0"/>
-                <a:ea typeface="ＭＳ Ｐゴシック" charset="0"/>
-                <a:cs typeface="ＭＳ Ｐゴシック" charset="0"/>
-              </a:rPr>
-              <a:t>-8859-1</a:t>
-            </a:r>
-            <a:r>
-              <a:rPr lang="en-US" sz="3000" dirty="0" smtClean="0">
-                <a:solidFill>
-                  <a:srgbClr val="23383A"/>
-                </a:solidFill>
-                <a:latin typeface="Arial" charset="0"/>
-                <a:ea typeface="ＭＳ Ｐゴシック" charset="0"/>
-                <a:cs typeface="ＭＳ Ｐゴシック" charset="0"/>
-              </a:rPr>
-              <a:t> character set for </a:t>
-            </a:r>
-            <a:r>
-              <a:rPr lang="en-US" sz="3000" dirty="0">
-                <a:solidFill>
-                  <a:srgbClr val="23383A"/>
-                </a:solidFill>
-                <a:latin typeface="Arial" charset="0"/>
-                <a:ea typeface="ＭＳ Ｐゴシック" charset="0"/>
-                <a:cs typeface="ＭＳ Ｐゴシック" charset="0"/>
-              </a:rPr>
-              <a:t>special characters</a:t>
+              <a:t>Use ISO-8859-1 character set for special characters</a:t>
             </a:r>
           </a:p>
           <a:p>
@@ -7254,7 +7072,7 @@
               </a:buBlip>
             </a:pPr>
             <a:r>
-              <a:rPr lang="en-US" sz="3000" i="1" dirty="0">
+              <a:rPr lang="en-US" sz="3000" i="1" dirty="0" smtClean="0">
                 <a:solidFill>
                   <a:srgbClr val="23383A"/>
                 </a:solidFill>
@@ -7264,14 +7082,6 @@
               </a:rPr>
               <a:t>Write methods should not be made on the client-side except in exceptionally secure situations, as your Write Token will be exposed in the source code</a:t>
             </a:r>
-            <a:endParaRPr lang="en-US" sz="3000" i="1" dirty="0">
-              <a:latin typeface="Arial" charset="0"/>
-              <a:ea typeface="ＭＳ Ｐゴシック" charset="0"/>
-              <a:cs typeface="ＭＳ Ｐゴシック" charset="0"/>
-            </a:endParaRPr>
-          </a:p>
-          <a:p>
-            <a:pPr marL="479425" indent="-479425"/>
             <a:endParaRPr lang="en-US" sz="3000" dirty="0">
               <a:latin typeface="Arial" charset="0"/>
               <a:ea typeface="ＭＳ Ｐゴシック" charset="0"/>
@@ -7282,7 +7092,7 @@
     </p:spTree>
     <p:extLst>
       <p:ext uri="{BB962C8B-B14F-4D97-AF65-F5344CB8AC3E}">
-        <p14:creationId xmlns:p14="http://schemas.microsoft.com/office/powerpoint/2010/main" xmlns:p="http://schemas.openxmlformats.org/presentationml/2006/main" xmlns:r="http://schemas.openxmlformats.org/officeDocument/2006/relationships" xmlns:a="http://schemas.openxmlformats.org/drawingml/2006/main" xmlns="" val="3467264204"/>
+        <p14:creationId xmlns:p14="http://schemas.microsoft.com/office/powerpoint/2010/main" xmlns:p="http://schemas.openxmlformats.org/presentationml/2006/main" xmlns:r="http://schemas.openxmlformats.org/officeDocument/2006/relationships" xmlns:a="http://schemas.openxmlformats.org/drawingml/2006/main" xmlns="" val="2928590387"/>
       </p:ext>
     </p:extLst>
   </p:cSld>

--- a/VideoSessionsMaterials/understanding-write-methods.pptx
+++ b/VideoSessionsMaterials/understanding-write-methods.pptx
@@ -1,6 +1,6 @@
 
 <file path=ppt/presentation.xml><?xml version="1.0" encoding="utf-8"?>
-<p:presentation xmlns:a="http://schemas.openxmlformats.org/drawingml/2006/main" xmlns:r="http://schemas.openxmlformats.org/officeDocument/2006/relationships" xmlns:mc="http://schemas.openxmlformats.org/markup-compatibility/2006" xmlns:mv="urn:schemas-microsoft-com:mac:vml" xmlns:p="http://schemas.openxmlformats.org/presentationml/2006/main" mc:Ignorable="mv" mc:PreserveAttributes="mv:*" showSpecialPlsOnTitleSld="0" saveSubsetFonts="1" autoCompressPictures="0">
+<p:presentation xmlns:a="http://schemas.openxmlformats.org/drawingml/2006/main" xmlns:r="http://schemas.openxmlformats.org/officeDocument/2006/relationships" xmlns:p="http://schemas.openxmlformats.org/presentationml/2006/main" showSpecialPlsOnTitleSld="0" saveSubsetFonts="1" autoCompressPictures="0">
   <p:sldMasterIdLst>
     <p:sldMasterId id="2147483648" r:id="rId1"/>
   </p:sldMasterIdLst>
@@ -145,7 +145,7 @@
 </file>
 
 <file path=ppt/notesMasters/notesMaster1.xml><?xml version="1.0" encoding="utf-8"?>
-<p:notesMaster xmlns:a="http://schemas.openxmlformats.org/drawingml/2006/main" xmlns:r="http://schemas.openxmlformats.org/officeDocument/2006/relationships" xmlns:mc="http://schemas.openxmlformats.org/markup-compatibility/2006" xmlns:mv="urn:schemas-microsoft-com:mac:vml" xmlns:p="http://schemas.openxmlformats.org/presentationml/2006/main" mc:Ignorable="mv" mc:PreserveAttributes="mv:*">
+<p:notesMaster xmlns:a="http://schemas.openxmlformats.org/drawingml/2006/main" xmlns:r="http://schemas.openxmlformats.org/officeDocument/2006/relationships" xmlns:p="http://schemas.openxmlformats.org/presentationml/2006/main">
   <p:cSld>
     <p:bg>
       <p:bgRef idx="1001">
@@ -396,7 +396,7 @@
     </p:spTree>
     <p:extLst>
       <p:ext uri="{BB962C8B-B14F-4D97-AF65-F5344CB8AC3E}">
-        <p14:creationId xmlns:p14="http://schemas.microsoft.com/office/powerpoint/2010/main" xmlns:p="http://schemas.openxmlformats.org/presentationml/2006/main" xmlns:r="http://schemas.openxmlformats.org/officeDocument/2006/relationships" xmlns:a="http://schemas.openxmlformats.org/drawingml/2006/main" xmlns="" val="4045051341"/>
+        <p14:creationId xmlns:p14="http://schemas.microsoft.com/office/powerpoint/2010/main" val="4045051341"/>
       </p:ext>
     </p:extLst>
   </p:cSld>
@@ -497,7 +497,7 @@
 </file>
 
 <file path=ppt/notesSlides/notesSlide1.xml><?xml version="1.0" encoding="utf-8"?>
-<p:notes xmlns:a="http://schemas.openxmlformats.org/drawingml/2006/main" xmlns:r="http://schemas.openxmlformats.org/officeDocument/2006/relationships" xmlns:mc="http://schemas.openxmlformats.org/markup-compatibility/2006" xmlns:mv="urn:schemas-microsoft-com:mac:vml" xmlns:p="http://schemas.openxmlformats.org/presentationml/2006/main" mc:Ignorable="mv" mc:PreserveAttributes="mv:*">
+<p:notes xmlns:a="http://schemas.openxmlformats.org/drawingml/2006/main" xmlns:r="http://schemas.openxmlformats.org/officeDocument/2006/relationships" xmlns:p="http://schemas.openxmlformats.org/presentationml/2006/main">
   <p:cSld>
     <p:spTree>
       <p:nvGrpSpPr>
@@ -571,7 +571,7 @@
     </p:spTree>
     <p:extLst>
       <p:ext uri="{BB962C8B-B14F-4D97-AF65-F5344CB8AC3E}">
-        <p14:creationId xmlns:p14="http://schemas.microsoft.com/office/powerpoint/2010/main" xmlns:p="http://schemas.openxmlformats.org/presentationml/2006/main" xmlns:r="http://schemas.openxmlformats.org/officeDocument/2006/relationships" xmlns:a="http://schemas.openxmlformats.org/drawingml/2006/main" xmlns="" val="3250658828"/>
+        <p14:creationId xmlns:p14="http://schemas.microsoft.com/office/powerpoint/2010/main" val="3250658828"/>
       </p:ext>
     </p:extLst>
   </p:cSld>
@@ -582,7 +582,7 @@
 </file>
 
 <file path=ppt/notesSlides/notesSlide2.xml><?xml version="1.0" encoding="utf-8"?>
-<p:notes xmlns:a="http://schemas.openxmlformats.org/drawingml/2006/main" xmlns:r="http://schemas.openxmlformats.org/officeDocument/2006/relationships" xmlns:mc="http://schemas.openxmlformats.org/markup-compatibility/2006" xmlns:mv="urn:schemas-microsoft-com:mac:vml" xmlns:p="http://schemas.openxmlformats.org/presentationml/2006/main" mc:Ignorable="mv" mc:PreserveAttributes="mv:*">
+<p:notes xmlns:a="http://schemas.openxmlformats.org/drawingml/2006/main" xmlns:r="http://schemas.openxmlformats.org/officeDocument/2006/relationships" xmlns:p="http://schemas.openxmlformats.org/presentationml/2006/main">
   <p:cSld>
     <p:spTree>
       <p:nvGrpSpPr>
@@ -620,14 +620,14 @@
           </a:ln>
           <a:extLst>
             <a:ext uri="{909E8E84-426E-40dd-AFC4-6F175D3DCCD1}">
-              <a14:hiddenFill xmlns:a14="http://schemas.microsoft.com/office/drawing/2010/main" xmlns:p="http://schemas.openxmlformats.org/presentationml/2006/main" xmlns:r="http://schemas.openxmlformats.org/officeDocument/2006/relationships" xmlns:a="http://schemas.openxmlformats.org/drawingml/2006/main" xmlns="">
+              <a14:hiddenFill xmlns:a14="http://schemas.microsoft.com/office/drawing/2010/main">
                 <a:solidFill>
                   <a:srgbClr val="FFFFFF"/>
                 </a:solidFill>
               </a14:hiddenFill>
             </a:ext>
             <a:ext uri="{91240B29-F687-4f45-9708-019B960494DF}">
-              <a14:hiddenLine xmlns:a14="http://schemas.microsoft.com/office/drawing/2010/main" xmlns:p="http://schemas.openxmlformats.org/presentationml/2006/main" xmlns:r="http://schemas.openxmlformats.org/officeDocument/2006/relationships" xmlns:a="http://schemas.openxmlformats.org/drawingml/2006/main" xmlns="" w="9525">
+              <a14:hiddenLine xmlns:a14="http://schemas.microsoft.com/office/drawing/2010/main" w="9525">
                 <a:solidFill>
                   <a:srgbClr val="000000"/>
                 </a:solidFill>
@@ -781,14 +781,14 @@
           </a:ln>
           <a:extLst>
             <a:ext uri="{909E8E84-426E-40dd-AFC4-6F175D3DCCD1}">
-              <a14:hiddenFill xmlns:a14="http://schemas.microsoft.com/office/drawing/2010/main" xmlns:p="http://schemas.openxmlformats.org/presentationml/2006/main" xmlns:r="http://schemas.openxmlformats.org/officeDocument/2006/relationships" xmlns:a="http://schemas.openxmlformats.org/drawingml/2006/main" xmlns="">
+              <a14:hiddenFill xmlns:a14="http://schemas.microsoft.com/office/drawing/2010/main">
                 <a:solidFill>
                   <a:srgbClr val="FFFFFF"/>
                 </a:solidFill>
               </a14:hiddenFill>
             </a:ext>
             <a:ext uri="{FAA26D3D-D897-4be2-8F04-BA451C77F1D7}">
-              <ma14:placeholderFlag xmlns:ma14="http://schemas.microsoft.com/office/mac/drawingml/2011/main" xmlns:p="http://schemas.openxmlformats.org/presentationml/2006/main" xmlns:r="http://schemas.openxmlformats.org/officeDocument/2006/relationships" xmlns:a="http://schemas.openxmlformats.org/drawingml/2006/main" xmlns="" val="1"/>
+              <ma14:placeholderFlag xmlns:ma14="http://schemas.microsoft.com/office/mac/drawingml/2011/main" val="1"/>
             </a:ext>
           </a:extLst>
         </p:spPr>
@@ -807,14 +807,14 @@
           <a:noFill/>
           <a:extLst>
             <a:ext uri="{909E8E84-426E-40dd-AFC4-6F175D3DCCD1}">
-              <a14:hiddenFill xmlns:a14="http://schemas.microsoft.com/office/drawing/2010/main" xmlns:p="http://schemas.openxmlformats.org/presentationml/2006/main" xmlns:r="http://schemas.openxmlformats.org/officeDocument/2006/relationships" xmlns:a="http://schemas.openxmlformats.org/drawingml/2006/main" xmlns="">
+              <a14:hiddenFill xmlns:a14="http://schemas.microsoft.com/office/drawing/2010/main">
                 <a:solidFill>
                   <a:srgbClr val="FFFFFF"/>
                 </a:solidFill>
               </a14:hiddenFill>
             </a:ext>
             <a:ext uri="{91240B29-F687-4f45-9708-019B960494DF}">
-              <a14:hiddenLine xmlns:a14="http://schemas.microsoft.com/office/drawing/2010/main" xmlns:p="http://schemas.openxmlformats.org/presentationml/2006/main" xmlns:r="http://schemas.openxmlformats.org/officeDocument/2006/relationships" xmlns:a="http://schemas.openxmlformats.org/drawingml/2006/main" xmlns="" w="9525">
+              <a14:hiddenLine xmlns:a14="http://schemas.microsoft.com/office/drawing/2010/main" w="9525">
                 <a:solidFill>
                   <a:srgbClr val="000000"/>
                 </a:solidFill>
@@ -824,7 +824,7 @@
               </a14:hiddenLine>
             </a:ext>
             <a:ext uri="{FAA26D3D-D897-4be2-8F04-BA451C77F1D7}">
-              <ma14:placeholderFlag xmlns:ma14="http://schemas.microsoft.com/office/mac/drawingml/2011/main" xmlns:p="http://schemas.openxmlformats.org/presentationml/2006/main" xmlns:r="http://schemas.openxmlformats.org/officeDocument/2006/relationships" xmlns:a="http://schemas.openxmlformats.org/drawingml/2006/main" xmlns="" val="1"/>
+              <ma14:placeholderFlag xmlns:ma14="http://schemas.microsoft.com/office/mac/drawingml/2011/main" val="1"/>
             </a:ext>
           </a:extLst>
         </p:spPr>
@@ -852,7 +852,7 @@
 </file>
 
 <file path=ppt/notesSlides/notesSlide3.xml><?xml version="1.0" encoding="utf-8"?>
-<p:notes xmlns:a="http://schemas.openxmlformats.org/drawingml/2006/main" xmlns:r="http://schemas.openxmlformats.org/officeDocument/2006/relationships" xmlns:mc="http://schemas.openxmlformats.org/markup-compatibility/2006" xmlns:mv="urn:schemas-microsoft-com:mac:vml" xmlns:p="http://schemas.openxmlformats.org/presentationml/2006/main" mc:Ignorable="mv" mc:PreserveAttributes="mv:*">
+<p:notes xmlns:a="http://schemas.openxmlformats.org/drawingml/2006/main" xmlns:r="http://schemas.openxmlformats.org/officeDocument/2006/relationships" xmlns:p="http://schemas.openxmlformats.org/presentationml/2006/main">
   <p:cSld>
     <p:spTree>
       <p:nvGrpSpPr>
@@ -890,14 +890,14 @@
           </a:ln>
           <a:extLst>
             <a:ext uri="{909E8E84-426E-40dd-AFC4-6F175D3DCCD1}">
-              <a14:hiddenFill xmlns:a14="http://schemas.microsoft.com/office/drawing/2010/main" xmlns:p="http://schemas.openxmlformats.org/presentationml/2006/main" xmlns:r="http://schemas.openxmlformats.org/officeDocument/2006/relationships" xmlns:a="http://schemas.openxmlformats.org/drawingml/2006/main" xmlns="">
+              <a14:hiddenFill xmlns:a14="http://schemas.microsoft.com/office/drawing/2010/main">
                 <a:solidFill>
                   <a:srgbClr val="FFFFFF"/>
                 </a:solidFill>
               </a14:hiddenFill>
             </a:ext>
             <a:ext uri="{91240B29-F687-4f45-9708-019B960494DF}">
-              <a14:hiddenLine xmlns:a14="http://schemas.microsoft.com/office/drawing/2010/main" xmlns:p="http://schemas.openxmlformats.org/presentationml/2006/main" xmlns:r="http://schemas.openxmlformats.org/officeDocument/2006/relationships" xmlns:a="http://schemas.openxmlformats.org/drawingml/2006/main" xmlns="" w="9525">
+              <a14:hiddenLine xmlns:a14="http://schemas.microsoft.com/office/drawing/2010/main" w="9525">
                 <a:solidFill>
                   <a:srgbClr val="000000"/>
                 </a:solidFill>
@@ -1051,14 +1051,14 @@
           </a:ln>
           <a:extLst>
             <a:ext uri="{909E8E84-426E-40dd-AFC4-6F175D3DCCD1}">
-              <a14:hiddenFill xmlns:a14="http://schemas.microsoft.com/office/drawing/2010/main" xmlns:p="http://schemas.openxmlformats.org/presentationml/2006/main" xmlns:r="http://schemas.openxmlformats.org/officeDocument/2006/relationships" xmlns:a="http://schemas.openxmlformats.org/drawingml/2006/main" xmlns="">
+              <a14:hiddenFill xmlns:a14="http://schemas.microsoft.com/office/drawing/2010/main">
                 <a:solidFill>
                   <a:srgbClr val="FFFFFF"/>
                 </a:solidFill>
               </a14:hiddenFill>
             </a:ext>
             <a:ext uri="{FAA26D3D-D897-4be2-8F04-BA451C77F1D7}">
-              <ma14:placeholderFlag xmlns:ma14="http://schemas.microsoft.com/office/mac/drawingml/2011/main" xmlns:p="http://schemas.openxmlformats.org/presentationml/2006/main" xmlns:r="http://schemas.openxmlformats.org/officeDocument/2006/relationships" xmlns:a="http://schemas.openxmlformats.org/drawingml/2006/main" xmlns="" val="1"/>
+              <ma14:placeholderFlag xmlns:ma14="http://schemas.microsoft.com/office/mac/drawingml/2011/main" val="1"/>
             </a:ext>
           </a:extLst>
         </p:spPr>
@@ -1077,14 +1077,14 @@
           <a:noFill/>
           <a:extLst>
             <a:ext uri="{909E8E84-426E-40dd-AFC4-6F175D3DCCD1}">
-              <a14:hiddenFill xmlns:a14="http://schemas.microsoft.com/office/drawing/2010/main" xmlns:p="http://schemas.openxmlformats.org/presentationml/2006/main" xmlns:r="http://schemas.openxmlformats.org/officeDocument/2006/relationships" xmlns:a="http://schemas.openxmlformats.org/drawingml/2006/main" xmlns="">
+              <a14:hiddenFill xmlns:a14="http://schemas.microsoft.com/office/drawing/2010/main">
                 <a:solidFill>
                   <a:srgbClr val="FFFFFF"/>
                 </a:solidFill>
               </a14:hiddenFill>
             </a:ext>
             <a:ext uri="{91240B29-F687-4f45-9708-019B960494DF}">
-              <a14:hiddenLine xmlns:a14="http://schemas.microsoft.com/office/drawing/2010/main" xmlns:p="http://schemas.openxmlformats.org/presentationml/2006/main" xmlns:r="http://schemas.openxmlformats.org/officeDocument/2006/relationships" xmlns:a="http://schemas.openxmlformats.org/drawingml/2006/main" xmlns="" w="9525">
+              <a14:hiddenLine xmlns:a14="http://schemas.microsoft.com/office/drawing/2010/main" w="9525">
                 <a:solidFill>
                   <a:srgbClr val="000000"/>
                 </a:solidFill>
@@ -1094,7 +1094,7 @@
               </a14:hiddenLine>
             </a:ext>
             <a:ext uri="{FAA26D3D-D897-4be2-8F04-BA451C77F1D7}">
-              <ma14:placeholderFlag xmlns:ma14="http://schemas.microsoft.com/office/mac/drawingml/2011/main" xmlns:p="http://schemas.openxmlformats.org/presentationml/2006/main" xmlns:r="http://schemas.openxmlformats.org/officeDocument/2006/relationships" xmlns:a="http://schemas.openxmlformats.org/drawingml/2006/main" xmlns="" val="1"/>
+              <ma14:placeholderFlag xmlns:ma14="http://schemas.microsoft.com/office/mac/drawingml/2011/main" val="1"/>
             </a:ext>
           </a:extLst>
         </p:spPr>
@@ -1122,7 +1122,7 @@
 </file>
 
 <file path=ppt/notesSlides/notesSlide4.xml><?xml version="1.0" encoding="utf-8"?>
-<p:notes xmlns:a="http://schemas.openxmlformats.org/drawingml/2006/main" xmlns:r="http://schemas.openxmlformats.org/officeDocument/2006/relationships" xmlns:mc="http://schemas.openxmlformats.org/markup-compatibility/2006" xmlns:mv="urn:schemas-microsoft-com:mac:vml" xmlns:p="http://schemas.openxmlformats.org/presentationml/2006/main" mc:Ignorable="mv" mc:PreserveAttributes="mv:*">
+<p:notes xmlns:a="http://schemas.openxmlformats.org/drawingml/2006/main" xmlns:r="http://schemas.openxmlformats.org/officeDocument/2006/relationships" xmlns:p="http://schemas.openxmlformats.org/presentationml/2006/main">
   <p:cSld>
     <p:spTree>
       <p:nvGrpSpPr>
@@ -1160,14 +1160,14 @@
           </a:ln>
           <a:extLst>
             <a:ext uri="{909E8E84-426E-40dd-AFC4-6F175D3DCCD1}">
-              <a14:hiddenFill xmlns:a14="http://schemas.microsoft.com/office/drawing/2010/main" xmlns:p="http://schemas.openxmlformats.org/presentationml/2006/main" xmlns:r="http://schemas.openxmlformats.org/officeDocument/2006/relationships" xmlns:a="http://schemas.openxmlformats.org/drawingml/2006/main" xmlns="">
+              <a14:hiddenFill xmlns:a14="http://schemas.microsoft.com/office/drawing/2010/main">
                 <a:solidFill>
                   <a:srgbClr val="FFFFFF"/>
                 </a:solidFill>
               </a14:hiddenFill>
             </a:ext>
             <a:ext uri="{91240B29-F687-4f45-9708-019B960494DF}">
-              <a14:hiddenLine xmlns:a14="http://schemas.microsoft.com/office/drawing/2010/main" xmlns:p="http://schemas.openxmlformats.org/presentationml/2006/main" xmlns:r="http://schemas.openxmlformats.org/officeDocument/2006/relationships" xmlns:a="http://schemas.openxmlformats.org/drawingml/2006/main" xmlns="" w="9525">
+              <a14:hiddenLine xmlns:a14="http://schemas.microsoft.com/office/drawing/2010/main" w="9525">
                 <a:solidFill>
                   <a:srgbClr val="000000"/>
                 </a:solidFill>
@@ -1321,14 +1321,14 @@
           </a:ln>
           <a:extLst>
             <a:ext uri="{909E8E84-426E-40dd-AFC4-6F175D3DCCD1}">
-              <a14:hiddenFill xmlns:a14="http://schemas.microsoft.com/office/drawing/2010/main" xmlns:p="http://schemas.openxmlformats.org/presentationml/2006/main" xmlns:r="http://schemas.openxmlformats.org/officeDocument/2006/relationships" xmlns:a="http://schemas.openxmlformats.org/drawingml/2006/main" xmlns="">
+              <a14:hiddenFill xmlns:a14="http://schemas.microsoft.com/office/drawing/2010/main">
                 <a:solidFill>
                   <a:srgbClr val="FFFFFF"/>
                 </a:solidFill>
               </a14:hiddenFill>
             </a:ext>
             <a:ext uri="{FAA26D3D-D897-4be2-8F04-BA451C77F1D7}">
-              <ma14:placeholderFlag xmlns:ma14="http://schemas.microsoft.com/office/mac/drawingml/2011/main" xmlns:p="http://schemas.openxmlformats.org/presentationml/2006/main" xmlns:r="http://schemas.openxmlformats.org/officeDocument/2006/relationships" xmlns:a="http://schemas.openxmlformats.org/drawingml/2006/main" xmlns="" val="1"/>
+              <ma14:placeholderFlag xmlns:ma14="http://schemas.microsoft.com/office/mac/drawingml/2011/main" val="1"/>
             </a:ext>
           </a:extLst>
         </p:spPr>
@@ -1347,14 +1347,14 @@
           <a:noFill/>
           <a:extLst>
             <a:ext uri="{909E8E84-426E-40dd-AFC4-6F175D3DCCD1}">
-              <a14:hiddenFill xmlns:a14="http://schemas.microsoft.com/office/drawing/2010/main" xmlns:p="http://schemas.openxmlformats.org/presentationml/2006/main" xmlns:r="http://schemas.openxmlformats.org/officeDocument/2006/relationships" xmlns:a="http://schemas.openxmlformats.org/drawingml/2006/main" xmlns="">
+              <a14:hiddenFill xmlns:a14="http://schemas.microsoft.com/office/drawing/2010/main">
                 <a:solidFill>
                   <a:srgbClr val="FFFFFF"/>
                 </a:solidFill>
               </a14:hiddenFill>
             </a:ext>
             <a:ext uri="{91240B29-F687-4f45-9708-019B960494DF}">
-              <a14:hiddenLine xmlns:a14="http://schemas.microsoft.com/office/drawing/2010/main" xmlns:p="http://schemas.openxmlformats.org/presentationml/2006/main" xmlns:r="http://schemas.openxmlformats.org/officeDocument/2006/relationships" xmlns:a="http://schemas.openxmlformats.org/drawingml/2006/main" xmlns="" w="9525">
+              <a14:hiddenLine xmlns:a14="http://schemas.microsoft.com/office/drawing/2010/main" w="9525">
                 <a:solidFill>
                   <a:srgbClr val="000000"/>
                 </a:solidFill>
@@ -1364,7 +1364,7 @@
               </a14:hiddenLine>
             </a:ext>
             <a:ext uri="{FAA26D3D-D897-4be2-8F04-BA451C77F1D7}">
-              <ma14:placeholderFlag xmlns:ma14="http://schemas.microsoft.com/office/mac/drawingml/2011/main" xmlns:p="http://schemas.openxmlformats.org/presentationml/2006/main" xmlns:r="http://schemas.openxmlformats.org/officeDocument/2006/relationships" xmlns:a="http://schemas.openxmlformats.org/drawingml/2006/main" xmlns="" val="1"/>
+              <ma14:placeholderFlag xmlns:ma14="http://schemas.microsoft.com/office/mac/drawingml/2011/main" val="1"/>
             </a:ext>
           </a:extLst>
         </p:spPr>
@@ -1392,7 +1392,7 @@
 </file>
 
 <file path=ppt/notesSlides/notesSlide5.xml><?xml version="1.0" encoding="utf-8"?>
-<p:notes xmlns:a="http://schemas.openxmlformats.org/drawingml/2006/main" xmlns:r="http://schemas.openxmlformats.org/officeDocument/2006/relationships" xmlns:mc="http://schemas.openxmlformats.org/markup-compatibility/2006" xmlns:mv="urn:schemas-microsoft-com:mac:vml" xmlns:p="http://schemas.openxmlformats.org/presentationml/2006/main" mc:Ignorable="mv" mc:PreserveAttributes="mv:*">
+<p:notes xmlns:a="http://schemas.openxmlformats.org/drawingml/2006/main" xmlns:r="http://schemas.openxmlformats.org/officeDocument/2006/relationships" xmlns:p="http://schemas.openxmlformats.org/presentationml/2006/main">
   <p:cSld>
     <p:spTree>
       <p:nvGrpSpPr>
@@ -1466,7 +1466,7 @@
     </p:spTree>
     <p:extLst>
       <p:ext uri="{BB962C8B-B14F-4D97-AF65-F5344CB8AC3E}">
-        <p14:creationId xmlns:p14="http://schemas.microsoft.com/office/powerpoint/2010/main" xmlns:p="http://schemas.openxmlformats.org/presentationml/2006/main" xmlns:r="http://schemas.openxmlformats.org/officeDocument/2006/relationships" xmlns:a="http://schemas.openxmlformats.org/drawingml/2006/main" xmlns="" val="1443086944"/>
+        <p14:creationId xmlns:p14="http://schemas.microsoft.com/office/powerpoint/2010/main" val="1443086944"/>
       </p:ext>
     </p:extLst>
   </p:cSld>
@@ -1477,7 +1477,7 @@
 </file>
 
 <file path=ppt/slideLayouts/slideLayout1.xml><?xml version="1.0" encoding="utf-8"?>
-<p:sldLayout xmlns:a="http://schemas.openxmlformats.org/drawingml/2006/main" xmlns:r="http://schemas.openxmlformats.org/officeDocument/2006/relationships" xmlns:mc="http://schemas.openxmlformats.org/markup-compatibility/2006" xmlns:mv="urn:schemas-microsoft-com:mac:vml" xmlns:p="http://schemas.openxmlformats.org/presentationml/2006/main" mc:Ignorable="mv" mc:PreserveAttributes="mv:*" type="title" preserve="1">
+<p:sldLayout xmlns:a="http://schemas.openxmlformats.org/drawingml/2006/main" xmlns:r="http://schemas.openxmlformats.org/officeDocument/2006/relationships" xmlns:p="http://schemas.openxmlformats.org/presentationml/2006/main" type="title" preserve="1">
   <p:cSld name="Title Slide">
     <p:bg>
       <p:bgPr>
@@ -1701,7 +1701,7 @@
 </file>
 
 <file path=ppt/slideLayouts/slideLayout10.xml><?xml version="1.0" encoding="utf-8"?>
-<p:sldLayout xmlns:a="http://schemas.openxmlformats.org/drawingml/2006/main" xmlns:r="http://schemas.openxmlformats.org/officeDocument/2006/relationships" xmlns:mc="http://schemas.openxmlformats.org/markup-compatibility/2006" xmlns:mv="urn:schemas-microsoft-com:mac:vml" xmlns:p="http://schemas.openxmlformats.org/presentationml/2006/main" mc:Ignorable="mv" mc:PreserveAttributes="mv:*" preserve="1" userDrawn="1">
+<p:sldLayout xmlns:a="http://schemas.openxmlformats.org/drawingml/2006/main" xmlns:r="http://schemas.openxmlformats.org/officeDocument/2006/relationships" xmlns:p="http://schemas.openxmlformats.org/presentationml/2006/main" preserve="1" userDrawn="1">
   <p:cSld name="Impact Slide - Pink">
     <p:bg>
       <p:bgPr>
@@ -1774,7 +1774,7 @@
 </file>
 
 <file path=ppt/slideLayouts/slideLayout11.xml><?xml version="1.0" encoding="utf-8"?>
-<p:sldLayout xmlns:a="http://schemas.openxmlformats.org/drawingml/2006/main" xmlns:r="http://schemas.openxmlformats.org/officeDocument/2006/relationships" xmlns:mc="http://schemas.openxmlformats.org/markup-compatibility/2006" xmlns:mv="urn:schemas-microsoft-com:mac:vml" xmlns:p="http://schemas.openxmlformats.org/presentationml/2006/main" mc:Ignorable="mv" mc:PreserveAttributes="mv:*" preserve="1" userDrawn="1">
+<p:sldLayout xmlns:a="http://schemas.openxmlformats.org/drawingml/2006/main" xmlns:r="http://schemas.openxmlformats.org/officeDocument/2006/relationships" xmlns:p="http://schemas.openxmlformats.org/presentationml/2006/main" preserve="1" userDrawn="1">
   <p:cSld name="Quote Slide - Neutral">
     <p:bg>
       <p:bgPr>
@@ -1933,7 +1933,7 @@
 </file>
 
 <file path=ppt/slideLayouts/slideLayout12.xml><?xml version="1.0" encoding="utf-8"?>
-<p:sldLayout xmlns:a="http://schemas.openxmlformats.org/drawingml/2006/main" xmlns:r="http://schemas.openxmlformats.org/officeDocument/2006/relationships" xmlns:mc="http://schemas.openxmlformats.org/markup-compatibility/2006" xmlns:mv="urn:schemas-microsoft-com:mac:vml" xmlns:p="http://schemas.openxmlformats.org/presentationml/2006/main" mc:Ignorable="mv" mc:PreserveAttributes="mv:*" preserve="1" userDrawn="1">
+<p:sldLayout xmlns:a="http://schemas.openxmlformats.org/drawingml/2006/main" xmlns:r="http://schemas.openxmlformats.org/officeDocument/2006/relationships" xmlns:p="http://schemas.openxmlformats.org/presentationml/2006/main" preserve="1" userDrawn="1">
   <p:cSld name="Quote Slide - Teal">
     <p:bg>
       <p:bgPr>
@@ -2086,7 +2086,7 @@
 </file>
 
 <file path=ppt/slideLayouts/slideLayout13.xml><?xml version="1.0" encoding="utf-8"?>
-<p:sldLayout xmlns:a="http://schemas.openxmlformats.org/drawingml/2006/main" xmlns:r="http://schemas.openxmlformats.org/officeDocument/2006/relationships" xmlns:mc="http://schemas.openxmlformats.org/markup-compatibility/2006" xmlns:mv="urn:schemas-microsoft-com:mac:vml" xmlns:p="http://schemas.openxmlformats.org/presentationml/2006/main" mc:Ignorable="mv" mc:PreserveAttributes="mv:*" preserve="1" userDrawn="1">
+<p:sldLayout xmlns:a="http://schemas.openxmlformats.org/drawingml/2006/main" xmlns:r="http://schemas.openxmlformats.org/officeDocument/2006/relationships" xmlns:p="http://schemas.openxmlformats.org/presentationml/2006/main" preserve="1" userDrawn="1">
   <p:cSld name="Quote Slide - Green">
     <p:bg>
       <p:bgPr>
@@ -2239,7 +2239,7 @@
 </file>
 
 <file path=ppt/slideLayouts/slideLayout14.xml><?xml version="1.0" encoding="utf-8"?>
-<p:sldLayout xmlns:a="http://schemas.openxmlformats.org/drawingml/2006/main" xmlns:r="http://schemas.openxmlformats.org/officeDocument/2006/relationships" xmlns:mc="http://schemas.openxmlformats.org/markup-compatibility/2006" xmlns:mv="urn:schemas-microsoft-com:mac:vml" xmlns:p="http://schemas.openxmlformats.org/presentationml/2006/main" mc:Ignorable="mv" mc:PreserveAttributes="mv:*" preserve="1" userDrawn="1">
+<p:sldLayout xmlns:a="http://schemas.openxmlformats.org/drawingml/2006/main" xmlns:r="http://schemas.openxmlformats.org/officeDocument/2006/relationships" xmlns:p="http://schemas.openxmlformats.org/presentationml/2006/main" preserve="1" userDrawn="1">
   <p:cSld name="Orange Quote Slide">
     <p:bg>
       <p:bgPr>
@@ -2392,7 +2392,7 @@
 </file>
 
 <file path=ppt/slideLayouts/slideLayout15.xml><?xml version="1.0" encoding="utf-8"?>
-<p:sldLayout xmlns:a="http://schemas.openxmlformats.org/drawingml/2006/main" xmlns:r="http://schemas.openxmlformats.org/officeDocument/2006/relationships" xmlns:mc="http://schemas.openxmlformats.org/markup-compatibility/2006" xmlns:mv="urn:schemas-microsoft-com:mac:vml" xmlns:p="http://schemas.openxmlformats.org/presentationml/2006/main" mc:Ignorable="mv" mc:PreserveAttributes="mv:*" preserve="1" userDrawn="1">
+<p:sldLayout xmlns:a="http://schemas.openxmlformats.org/drawingml/2006/main" xmlns:r="http://schemas.openxmlformats.org/officeDocument/2006/relationships" xmlns:p="http://schemas.openxmlformats.org/presentationml/2006/main" preserve="1" userDrawn="1">
   <p:cSld name="Quote Slide - Pink">
     <p:bg>
       <p:bgPr>
@@ -2545,7 +2545,7 @@
 </file>
 
 <file path=ppt/slideLayouts/slideLayout16.xml><?xml version="1.0" encoding="utf-8"?>
-<p:sldLayout xmlns:a="http://schemas.openxmlformats.org/drawingml/2006/main" xmlns:r="http://schemas.openxmlformats.org/officeDocument/2006/relationships" xmlns:mc="http://schemas.openxmlformats.org/markup-compatibility/2006" xmlns:mv="urn:schemas-microsoft-com:mac:vml" xmlns:p="http://schemas.openxmlformats.org/presentationml/2006/main" mc:Ignorable="mv" mc:PreserveAttributes="mv:*" preserve="1" userDrawn="1">
+<p:sldLayout xmlns:a="http://schemas.openxmlformats.org/drawingml/2006/main" xmlns:r="http://schemas.openxmlformats.org/officeDocument/2006/relationships" xmlns:p="http://schemas.openxmlformats.org/presentationml/2006/main" preserve="1" userDrawn="1">
   <p:cSld name="Thank You - Teal">
     <p:bg>
       <p:bgPr>
@@ -2676,7 +2676,7 @@
 </file>
 
 <file path=ppt/slideLayouts/slideLayout17.xml><?xml version="1.0" encoding="utf-8"?>
-<p:sldLayout xmlns:a="http://schemas.openxmlformats.org/drawingml/2006/main" xmlns:r="http://schemas.openxmlformats.org/officeDocument/2006/relationships" xmlns:mc="http://schemas.openxmlformats.org/markup-compatibility/2006" xmlns:mv="urn:schemas-microsoft-com:mac:vml" xmlns:p="http://schemas.openxmlformats.org/presentationml/2006/main" mc:Ignorable="mv" mc:PreserveAttributes="mv:*" preserve="1" userDrawn="1">
+<p:sldLayout xmlns:a="http://schemas.openxmlformats.org/drawingml/2006/main" xmlns:r="http://schemas.openxmlformats.org/officeDocument/2006/relationships" xmlns:p="http://schemas.openxmlformats.org/presentationml/2006/main" preserve="1" userDrawn="1">
   <p:cSld name="Thank You - Green">
     <p:bg>
       <p:bgPr>
@@ -2807,7 +2807,7 @@
 </file>
 
 <file path=ppt/slideLayouts/slideLayout18.xml><?xml version="1.0" encoding="utf-8"?>
-<p:sldLayout xmlns:a="http://schemas.openxmlformats.org/drawingml/2006/main" xmlns:r="http://schemas.openxmlformats.org/officeDocument/2006/relationships" xmlns:mc="http://schemas.openxmlformats.org/markup-compatibility/2006" xmlns:mv="urn:schemas-microsoft-com:mac:vml" xmlns:p="http://schemas.openxmlformats.org/presentationml/2006/main" mc:Ignorable="mv" mc:PreserveAttributes="mv:*" userDrawn="1">
+<p:sldLayout xmlns:a="http://schemas.openxmlformats.org/drawingml/2006/main" xmlns:r="http://schemas.openxmlformats.org/officeDocument/2006/relationships" xmlns:p="http://schemas.openxmlformats.org/presentationml/2006/main" userDrawn="1">
   <p:cSld name="Thank You - Orange">
     <p:bg>
       <p:bgPr>
@@ -2938,7 +2938,7 @@
 </file>
 
 <file path=ppt/slideLayouts/slideLayout19.xml><?xml version="1.0" encoding="utf-8"?>
-<p:sldLayout xmlns:a="http://schemas.openxmlformats.org/drawingml/2006/main" xmlns:r="http://schemas.openxmlformats.org/officeDocument/2006/relationships" xmlns:mc="http://schemas.openxmlformats.org/markup-compatibility/2006" xmlns:mv="urn:schemas-microsoft-com:mac:vml" xmlns:p="http://schemas.openxmlformats.org/presentationml/2006/main" mc:Ignorable="mv" mc:PreserveAttributes="mv:*" userDrawn="1">
+<p:sldLayout xmlns:a="http://schemas.openxmlformats.org/drawingml/2006/main" xmlns:r="http://schemas.openxmlformats.org/officeDocument/2006/relationships" xmlns:p="http://schemas.openxmlformats.org/presentationml/2006/main" userDrawn="1">
   <p:cSld name="Thank You - Pink">
     <p:bg>
       <p:bgPr>
@@ -3069,7 +3069,7 @@
 </file>
 
 <file path=ppt/slideLayouts/slideLayout2.xml><?xml version="1.0" encoding="utf-8"?>
-<p:sldLayout xmlns:a="http://schemas.openxmlformats.org/drawingml/2006/main" xmlns:r="http://schemas.openxmlformats.org/officeDocument/2006/relationships" xmlns:mc="http://schemas.openxmlformats.org/markup-compatibility/2006" xmlns:mv="urn:schemas-microsoft-com:mac:vml" xmlns:p="http://schemas.openxmlformats.org/presentationml/2006/main" mc:Ignorable="mv" mc:PreserveAttributes="mv:*" preserve="1" userDrawn="1">
+<p:sldLayout xmlns:a="http://schemas.openxmlformats.org/drawingml/2006/main" xmlns:r="http://schemas.openxmlformats.org/officeDocument/2006/relationships" xmlns:p="http://schemas.openxmlformats.org/presentationml/2006/main" preserve="1" userDrawn="1">
   <p:cSld name="Title and Single Element">
     <p:spTree>
       <p:nvGrpSpPr>
@@ -3400,7 +3400,7 @@
 </file>
 
 <file path=ppt/slideLayouts/slideLayout3.xml><?xml version="1.0" encoding="utf-8"?>
-<p:sldLayout xmlns:a="http://schemas.openxmlformats.org/drawingml/2006/main" xmlns:r="http://schemas.openxmlformats.org/officeDocument/2006/relationships" xmlns:mc="http://schemas.openxmlformats.org/markup-compatibility/2006" xmlns:mv="urn:schemas-microsoft-com:mac:vml" xmlns:p="http://schemas.openxmlformats.org/presentationml/2006/main" mc:Ignorable="mv" mc:PreserveAttributes="mv:*" preserve="1" userDrawn="1">
+<p:sldLayout xmlns:a="http://schemas.openxmlformats.org/drawingml/2006/main" xmlns:r="http://schemas.openxmlformats.org/officeDocument/2006/relationships" xmlns:p="http://schemas.openxmlformats.org/presentationml/2006/main" preserve="1" userDrawn="1">
   <p:cSld name="Title and Two Element">
     <p:spTree>
       <p:nvGrpSpPr>
@@ -3792,7 +3792,7 @@
 </file>
 
 <file path=ppt/slideLayouts/slideLayout4.xml><?xml version="1.0" encoding="utf-8"?>
-<p:sldLayout xmlns:a="http://schemas.openxmlformats.org/drawingml/2006/main" xmlns:r="http://schemas.openxmlformats.org/officeDocument/2006/relationships" xmlns:mc="http://schemas.openxmlformats.org/markup-compatibility/2006" xmlns:mv="urn:schemas-microsoft-com:mac:vml" xmlns:p="http://schemas.openxmlformats.org/presentationml/2006/main" mc:Ignorable="mv" mc:PreserveAttributes="mv:*" preserve="1" userDrawn="1">
+<p:sldLayout xmlns:a="http://schemas.openxmlformats.org/drawingml/2006/main" xmlns:r="http://schemas.openxmlformats.org/officeDocument/2006/relationships" xmlns:p="http://schemas.openxmlformats.org/presentationml/2006/main" preserve="1" userDrawn="1">
   <p:cSld name="Title Only and Blank">
     <p:spTree>
       <p:nvGrpSpPr>
@@ -4066,7 +4066,7 @@
 </file>
 
 <file path=ppt/slideLayouts/slideLayout5.xml><?xml version="1.0" encoding="utf-8"?>
-<p:sldLayout xmlns:a="http://schemas.openxmlformats.org/drawingml/2006/main" xmlns:r="http://schemas.openxmlformats.org/officeDocument/2006/relationships" xmlns:mc="http://schemas.openxmlformats.org/markup-compatibility/2006" xmlns:mv="urn:schemas-microsoft-com:mac:vml" xmlns:p="http://schemas.openxmlformats.org/presentationml/2006/main" mc:Ignorable="mv" mc:PreserveAttributes="mv:*" userDrawn="1">
+<p:sldLayout xmlns:a="http://schemas.openxmlformats.org/drawingml/2006/main" xmlns:r="http://schemas.openxmlformats.org/officeDocument/2006/relationships" xmlns:p="http://schemas.openxmlformats.org/presentationml/2006/main" userDrawn="1">
   <p:cSld name="Left Text and Right Image">
     <p:spTree>
       <p:nvGrpSpPr>
@@ -4427,7 +4427,7 @@
 </file>
 
 <file path=ppt/slideLayouts/slideLayout6.xml><?xml version="1.0" encoding="utf-8"?>
-<p:sldLayout xmlns:a="http://schemas.openxmlformats.org/drawingml/2006/main" xmlns:r="http://schemas.openxmlformats.org/officeDocument/2006/relationships" xmlns:mc="http://schemas.openxmlformats.org/markup-compatibility/2006" xmlns:mv="urn:schemas-microsoft-com:mac:vml" xmlns:p="http://schemas.openxmlformats.org/presentationml/2006/main" mc:Ignorable="mv" mc:PreserveAttributes="mv:*" preserve="1" userDrawn="1">
+<p:sldLayout xmlns:a="http://schemas.openxmlformats.org/drawingml/2006/main" xmlns:r="http://schemas.openxmlformats.org/officeDocument/2006/relationships" xmlns:p="http://schemas.openxmlformats.org/presentationml/2006/main" preserve="1" userDrawn="1">
   <p:cSld name="Left Image and Right Text">
     <p:spTree>
       <p:nvGrpSpPr>
@@ -4788,7 +4788,7 @@
 </file>
 
 <file path=ppt/slideLayouts/slideLayout7.xml><?xml version="1.0" encoding="utf-8"?>
-<p:sldLayout xmlns:a="http://schemas.openxmlformats.org/drawingml/2006/main" xmlns:r="http://schemas.openxmlformats.org/officeDocument/2006/relationships" xmlns:mc="http://schemas.openxmlformats.org/markup-compatibility/2006" xmlns:mv="urn:schemas-microsoft-com:mac:vml" xmlns:p="http://schemas.openxmlformats.org/presentationml/2006/main" mc:Ignorable="mv" mc:PreserveAttributes="mv:*" preserve="1" userDrawn="1">
+<p:sldLayout xmlns:a="http://schemas.openxmlformats.org/drawingml/2006/main" xmlns:r="http://schemas.openxmlformats.org/officeDocument/2006/relationships" xmlns:p="http://schemas.openxmlformats.org/presentationml/2006/main" preserve="1" userDrawn="1">
   <p:cSld name="Impact Slide - Teal">
     <p:bg>
       <p:bgPr>
@@ -4883,7 +4883,7 @@
 </file>
 
 <file path=ppt/slideLayouts/slideLayout8.xml><?xml version="1.0" encoding="utf-8"?>
-<p:sldLayout xmlns:a="http://schemas.openxmlformats.org/drawingml/2006/main" xmlns:r="http://schemas.openxmlformats.org/officeDocument/2006/relationships" xmlns:mc="http://schemas.openxmlformats.org/markup-compatibility/2006" xmlns:mv="urn:schemas-microsoft-com:mac:vml" xmlns:p="http://schemas.openxmlformats.org/presentationml/2006/main" mc:Ignorable="mv" mc:PreserveAttributes="mv:*" preserve="1" userDrawn="1">
+<p:sldLayout xmlns:a="http://schemas.openxmlformats.org/drawingml/2006/main" xmlns:r="http://schemas.openxmlformats.org/officeDocument/2006/relationships" xmlns:p="http://schemas.openxmlformats.org/presentationml/2006/main" preserve="1" userDrawn="1">
   <p:cSld name="Impact Slide - Green">
     <p:bg>
       <p:bgPr>
@@ -4978,7 +4978,7 @@
 </file>
 
 <file path=ppt/slideLayouts/slideLayout9.xml><?xml version="1.0" encoding="utf-8"?>
-<p:sldLayout xmlns:a="http://schemas.openxmlformats.org/drawingml/2006/main" xmlns:r="http://schemas.openxmlformats.org/officeDocument/2006/relationships" xmlns:mc="http://schemas.openxmlformats.org/markup-compatibility/2006" xmlns:mv="urn:schemas-microsoft-com:mac:vml" xmlns:p="http://schemas.openxmlformats.org/presentationml/2006/main" mc:Ignorable="mv" mc:PreserveAttributes="mv:*" preserve="1" userDrawn="1">
+<p:sldLayout xmlns:a="http://schemas.openxmlformats.org/drawingml/2006/main" xmlns:r="http://schemas.openxmlformats.org/officeDocument/2006/relationships" xmlns:p="http://schemas.openxmlformats.org/presentationml/2006/main" preserve="1" userDrawn="1">
   <p:cSld name="Impact Slide - Orange">
     <p:bg>
       <p:bgPr>
@@ -5073,7 +5073,7 @@
 </file>
 
 <file path=ppt/slideMasters/slideMaster1.xml><?xml version="1.0" encoding="utf-8"?>
-<p:sldMaster xmlns:a="http://schemas.openxmlformats.org/drawingml/2006/main" xmlns:r="http://schemas.openxmlformats.org/officeDocument/2006/relationships" xmlns:mc="http://schemas.openxmlformats.org/markup-compatibility/2006" xmlns:mv="urn:schemas-microsoft-com:mac:vml" xmlns:p="http://schemas.openxmlformats.org/presentationml/2006/main" mc:Ignorable="mv" mc:PreserveAttributes="mv:*">
+<p:sldMaster xmlns:a="http://schemas.openxmlformats.org/drawingml/2006/main" xmlns:r="http://schemas.openxmlformats.org/officeDocument/2006/relationships" xmlns:p="http://schemas.openxmlformats.org/presentationml/2006/main">
   <p:cSld>
     <p:bg>
       <p:bgPr>
@@ -5695,7 +5695,7 @@
 </file>
 
 <file path=ppt/slides/slide1.xml><?xml version="1.0" encoding="utf-8"?>
-<p:sld xmlns:a="http://schemas.openxmlformats.org/drawingml/2006/main" xmlns:r="http://schemas.openxmlformats.org/officeDocument/2006/relationships" xmlns:mc="http://schemas.openxmlformats.org/markup-compatibility/2006" xmlns:mv="urn:schemas-microsoft-com:mac:vml" xmlns:p="http://schemas.openxmlformats.org/presentationml/2006/main" mc:Ignorable="mv" mc:PreserveAttributes="mv:*">
+<p:sld xmlns:a="http://schemas.openxmlformats.org/drawingml/2006/main" xmlns:r="http://schemas.openxmlformats.org/officeDocument/2006/relationships" xmlns:p="http://schemas.openxmlformats.org/presentationml/2006/main">
   <p:cSld>
     <p:spTree>
       <p:nvGrpSpPr>
@@ -5778,20 +5778,20 @@
     </p:spTree>
     <p:extLst>
       <p:ext uri="{BB962C8B-B14F-4D97-AF65-F5344CB8AC3E}">
-        <p14:creationId xmlns:p14="http://schemas.microsoft.com/office/powerpoint/2010/main" xmlns:p="http://schemas.openxmlformats.org/presentationml/2006/main" xmlns:r="http://schemas.openxmlformats.org/officeDocument/2006/relationships" xmlns:a="http://schemas.openxmlformats.org/drawingml/2006/main" xmlns="" val="2352184382"/>
+        <p14:creationId xmlns:p14="http://schemas.microsoft.com/office/powerpoint/2010/main" val="2352184382"/>
       </p:ext>
     </p:extLst>
   </p:cSld>
   <p:clrMapOvr>
     <a:masterClrMapping/>
   </p:clrMapOvr>
-  <p:transition spd="med">
+  <p:transition xmlns:p14="http://schemas.microsoft.com/office/powerpoint/2010/main" spd="med">
     <p:fade/>
   </p:transition>
   <p:timing>
     <p:tnLst>
       <p:par>
-        <p:cTn id="1" dur="indefinite" restart="never" nodeType="tmRoot"/>
+        <p:cTn xmlns:p14="http://schemas.microsoft.com/office/powerpoint/2010/main" id="1" dur="indefinite" restart="never" nodeType="tmRoot"/>
       </p:par>
     </p:tnLst>
   </p:timing>
@@ -5799,7 +5799,7 @@
 </file>
 
 <file path=ppt/slides/slide2.xml><?xml version="1.0" encoding="utf-8"?>
-<p:sld xmlns:a="http://schemas.openxmlformats.org/drawingml/2006/main" xmlns:r="http://schemas.openxmlformats.org/officeDocument/2006/relationships" xmlns:mc="http://schemas.openxmlformats.org/markup-compatibility/2006" xmlns:mv="urn:schemas-microsoft-com:mac:vml" xmlns:p="http://schemas.openxmlformats.org/presentationml/2006/main" mc:Ignorable="mv" mc:PreserveAttributes="mv:*">
+<p:sld xmlns:a="http://schemas.openxmlformats.org/drawingml/2006/main" xmlns:r="http://schemas.openxmlformats.org/officeDocument/2006/relationships" xmlns:p="http://schemas.openxmlformats.org/presentationml/2006/main">
   <p:cSld>
     <p:spTree>
       <p:nvGrpSpPr>
@@ -5825,7 +5825,7 @@
         </p:nvSpPr>
         <p:spPr bwMode="auto">
           <a:xfrm>
-            <a:off x="315913" y="9190038"/>
+            <a:off x="315913" y="9270678"/>
             <a:ext cx="866775" cy="541337"/>
           </a:xfrm>
           <a:prstGeom prst="rect">
@@ -5837,14 +5837,14 @@
           </a:ln>
           <a:extLst>
             <a:ext uri="{909E8E84-426E-40dd-AFC4-6F175D3DCCD1}">
-              <a14:hiddenFill xmlns:a14="http://schemas.microsoft.com/office/drawing/2010/main" xmlns:p="http://schemas.openxmlformats.org/presentationml/2006/main" xmlns:r="http://schemas.openxmlformats.org/officeDocument/2006/relationships" xmlns:a="http://schemas.openxmlformats.org/drawingml/2006/main" xmlns="">
+              <a14:hiddenFill xmlns:a14="http://schemas.microsoft.com/office/drawing/2010/main">
                 <a:solidFill>
                   <a:srgbClr val="FFFFFF"/>
                 </a:solidFill>
               </a14:hiddenFill>
             </a:ext>
             <a:ext uri="{91240B29-F687-4f45-9708-019B960494DF}">
-              <a14:hiddenLine xmlns:a14="http://schemas.microsoft.com/office/drawing/2010/main" xmlns:p="http://schemas.openxmlformats.org/presentationml/2006/main" xmlns:r="http://schemas.openxmlformats.org/officeDocument/2006/relationships" xmlns:a="http://schemas.openxmlformats.org/drawingml/2006/main" xmlns="" w="9525">
+              <a14:hiddenLine xmlns:a14="http://schemas.microsoft.com/office/drawing/2010/main" w="9525">
                 <a:solidFill>
                   <a:srgbClr val="000000"/>
                 </a:solidFill>
@@ -6040,14 +6040,14 @@
               </a:lnSpc>
             </a:pPr>
             <a:r>
-              <a:rPr lang="en-US" sz="3000" dirty="0">
+              <a:rPr lang="en-US" sz="3200" dirty="0">
                 <a:latin typeface="Arial" charset="0"/>
                 <a:ea typeface="ＭＳ Ｐゴシック" charset="0"/>
               </a:rPr>
               <a:t>Automate </a:t>
             </a:r>
             <a:r>
-              <a:rPr lang="en-US" sz="3000" dirty="0" smtClean="0">
+              <a:rPr lang="en-US" sz="3200" dirty="0" smtClean="0">
                 <a:latin typeface="Arial" charset="0"/>
                 <a:ea typeface="ＭＳ Ｐゴシック" charset="0"/>
               </a:rPr>
@@ -6061,7 +6061,7 @@
               </a:lnSpc>
             </a:pPr>
             <a:r>
-              <a:rPr lang="en-US" sz="3000" dirty="0">
+              <a:rPr lang="en-US" sz="3200" dirty="0">
                 <a:latin typeface="Arial" charset="0"/>
                 <a:ea typeface="ＭＳ Ｐゴシック" charset="0"/>
               </a:rPr>
@@ -6075,11 +6075,39 @@
               </a:lnSpc>
             </a:pPr>
             <a:r>
-              <a:rPr lang="en-US" sz="3000" dirty="0">
+              <a:rPr lang="en-US" sz="3200" dirty="0">
                 <a:latin typeface="Arial" charset="0"/>
                 <a:ea typeface="ＭＳ Ｐゴシック" charset="0"/>
               </a:rPr>
               <a:t>Useful for ongoing uploads or uploading User Generated Content </a:t>
+            </a:r>
+          </a:p>
+          <a:p>
+            <a:pPr lvl="2">
+              <a:lnSpc>
+                <a:spcPct val="90000"/>
+              </a:lnSpc>
+            </a:pPr>
+            <a:r>
+              <a:rPr lang="en-US" sz="3000" i="1" dirty="0">
+                <a:latin typeface="Arial" charset="0"/>
+                <a:ea typeface="ＭＳ Ｐゴシック" charset="0"/>
+              </a:rPr>
+              <a:t>Not the best solution for initial upload of a large library, because Write requests are single-threaded – use Batch Provisioning instead</a:t>
+            </a:r>
+          </a:p>
+          <a:p>
+            <a:pPr eaLnBrk="1" hangingPunct="1">
+              <a:lnSpc>
+                <a:spcPct val="90000"/>
+              </a:lnSpc>
+            </a:pPr>
+            <a:r>
+              <a:rPr lang="en-US" sz="3200" dirty="0">
+                <a:latin typeface="Arial" charset="0"/>
+                <a:ea typeface="ＭＳ Ｐゴシック" charset="0"/>
+              </a:rPr>
+              <a:t>Data Consolidation</a:t>
             </a:r>
           </a:p>
           <a:p>
@@ -6089,11 +6117,74 @@
               </a:lnSpc>
             </a:pPr>
             <a:r>
-              <a:rPr lang="en-US" sz="3000" i="1" dirty="0">
+              <a:rPr lang="en-US" sz="3200" dirty="0">
                 <a:latin typeface="Arial" charset="0"/>
                 <a:ea typeface="ＭＳ Ｐゴシック" charset="0"/>
               </a:rPr>
-              <a:t>Not the best solution for initial upload of a large library, because Write requests are single-threaded – use Batch Provisioning instead</a:t>
+              <a:t>Populating </a:t>
+            </a:r>
+            <a:r>
+              <a:rPr lang="en-US" sz="3200" dirty="0" err="1" smtClean="0">
+                <a:latin typeface="Arial" charset="0"/>
+                <a:ea typeface="ＭＳ Ｐゴシック" charset="0"/>
+              </a:rPr>
+              <a:t>ReferenceID</a:t>
+            </a:r>
+            <a:r>
+              <a:rPr lang="en-US" sz="3200" dirty="0" err="1">
+                <a:latin typeface="Arial" charset="0"/>
+                <a:ea typeface="ＭＳ Ｐゴシック" charset="0"/>
+              </a:rPr>
+              <a:t>'</a:t>
+            </a:r>
+            <a:r>
+              <a:rPr lang="en-US" altLang="ja-JP" sz="3200" dirty="0" err="1" smtClean="0">
+                <a:latin typeface="Arial" charset="0"/>
+                <a:ea typeface="ＭＳ Ｐゴシック" charset="0"/>
+              </a:rPr>
+              <a:t>s</a:t>
+            </a:r>
+            <a:r>
+              <a:rPr lang="en-US" altLang="ja-JP" sz="3200" dirty="0" smtClean="0">
+                <a:latin typeface="Arial" charset="0"/>
+                <a:ea typeface="ＭＳ Ｐゴシック" charset="0"/>
+              </a:rPr>
+              <a:t> </a:t>
+            </a:r>
+            <a:r>
+              <a:rPr lang="en-US" altLang="ja-JP" sz="3200" dirty="0">
+                <a:latin typeface="Arial" charset="0"/>
+                <a:ea typeface="ＭＳ Ｐゴシック" charset="0"/>
+              </a:rPr>
+              <a:t>(with your </a:t>
+            </a:r>
+            <a:r>
+              <a:rPr lang="en-US" altLang="ja-JP" sz="3200" dirty="0" smtClean="0">
+                <a:latin typeface="Arial" charset="0"/>
+                <a:ea typeface="ＭＳ Ｐゴシック" charset="0"/>
+              </a:rPr>
+              <a:t>Database's </a:t>
+            </a:r>
+            <a:r>
+              <a:rPr lang="en-US" altLang="ja-JP" sz="3200" dirty="0">
+                <a:latin typeface="Arial" charset="0"/>
+                <a:ea typeface="ＭＳ Ｐゴシック" charset="0"/>
+              </a:rPr>
+              <a:t>primary keys or whatever)</a:t>
+            </a:r>
+          </a:p>
+          <a:p>
+            <a:pPr lvl="1" eaLnBrk="1" hangingPunct="1">
+              <a:lnSpc>
+                <a:spcPct val="90000"/>
+              </a:lnSpc>
+            </a:pPr>
+            <a:r>
+              <a:rPr lang="en-US" sz="3200" dirty="0">
+                <a:latin typeface="Arial" charset="0"/>
+                <a:ea typeface="ＭＳ Ｐゴシック" charset="0"/>
+              </a:rPr>
+              <a:t>Populating Descriptions, tags, etc.</a:t>
             </a:r>
           </a:p>
           <a:p>
@@ -6103,11 +6194,11 @@
               </a:lnSpc>
             </a:pPr>
             <a:r>
-              <a:rPr lang="en-US" sz="3000" dirty="0">
+              <a:rPr lang="en-US" sz="3200" dirty="0">
                 <a:latin typeface="Arial" charset="0"/>
                 <a:ea typeface="ＭＳ Ｐゴシック" charset="0"/>
               </a:rPr>
-              <a:t>Data Consolidation</a:t>
+              <a:t>Moderation (providing limited access to your media library)</a:t>
             </a:r>
           </a:p>
           <a:p>
@@ -6117,126 +6208,21 @@
               </a:lnSpc>
             </a:pPr>
             <a:r>
-              <a:rPr lang="en-US" sz="3000" dirty="0">
-                <a:latin typeface="Arial" charset="0"/>
-                <a:ea typeface="ＭＳ Ｐゴシック" charset="0"/>
-              </a:rPr>
-              <a:t>Populating </a:t>
-            </a:r>
-            <a:r>
-              <a:rPr lang="en-US" sz="3000" dirty="0" err="1" smtClean="0">
-                <a:latin typeface="Arial" charset="0"/>
-                <a:ea typeface="ＭＳ Ｐゴシック" charset="0"/>
-              </a:rPr>
-              <a:t>ReferenceID</a:t>
-            </a:r>
-            <a:r>
-              <a:rPr lang="en-US" sz="3000" dirty="0" err="1">
-                <a:latin typeface="Arial" charset="0"/>
-                <a:ea typeface="ＭＳ Ｐゴシック" charset="0"/>
-              </a:rPr>
-              <a:t>'</a:t>
-            </a:r>
-            <a:r>
-              <a:rPr lang="en-US" altLang="ja-JP" sz="3000" dirty="0" err="1" smtClean="0">
-                <a:latin typeface="Arial" charset="0"/>
-                <a:ea typeface="ＭＳ Ｐゴシック" charset="0"/>
-              </a:rPr>
-              <a:t>s</a:t>
-            </a:r>
-            <a:r>
-              <a:rPr lang="en-US" altLang="ja-JP" sz="3000" dirty="0" smtClean="0">
-                <a:latin typeface="Arial" charset="0"/>
-                <a:ea typeface="ＭＳ Ｐゴシック" charset="0"/>
-              </a:rPr>
-              <a:t> </a:t>
-            </a:r>
-            <a:r>
-              <a:rPr lang="en-US" altLang="ja-JP" sz="3000" dirty="0">
-                <a:latin typeface="Arial" charset="0"/>
-                <a:ea typeface="ＭＳ Ｐゴシック" charset="0"/>
-              </a:rPr>
-              <a:t>(with your </a:t>
-            </a:r>
-            <a:r>
-              <a:rPr lang="en-US" altLang="ja-JP" sz="3000" dirty="0" smtClean="0">
-                <a:latin typeface="Arial" charset="0"/>
-                <a:ea typeface="ＭＳ Ｐゴシック" charset="0"/>
-              </a:rPr>
-              <a:t>Database</a:t>
-            </a:r>
-            <a:r>
-              <a:rPr lang="en-US" altLang="ja-JP" sz="3000" dirty="0" smtClean="0">
-                <a:latin typeface="Arial" charset="0"/>
-                <a:ea typeface="ＭＳ Ｐゴシック" charset="0"/>
-              </a:rPr>
-              <a:t>'</a:t>
-            </a:r>
-            <a:r>
-              <a:rPr lang="en-US" altLang="ja-JP" sz="3000" dirty="0" smtClean="0">
-                <a:latin typeface="Arial" charset="0"/>
-                <a:ea typeface="ＭＳ Ｐゴシック" charset="0"/>
-              </a:rPr>
-              <a:t>s </a:t>
-            </a:r>
-            <a:r>
-              <a:rPr lang="en-US" altLang="ja-JP" sz="3000" dirty="0">
-                <a:latin typeface="Arial" charset="0"/>
-                <a:ea typeface="ＭＳ Ｐゴシック" charset="0"/>
-              </a:rPr>
-              <a:t>primary keys or whatever)</a:t>
-            </a:r>
-          </a:p>
-          <a:p>
-            <a:pPr lvl="1" eaLnBrk="1" hangingPunct="1">
-              <a:lnSpc>
-                <a:spcPct val="90000"/>
-              </a:lnSpc>
-            </a:pPr>
-            <a:r>
-              <a:rPr lang="en-US" sz="3000" dirty="0">
-                <a:latin typeface="Arial" charset="0"/>
-                <a:ea typeface="ＭＳ Ｐゴシック" charset="0"/>
-              </a:rPr>
-              <a:t>Populating Descriptions, tags, etc.</a:t>
-            </a:r>
-          </a:p>
-          <a:p>
-            <a:pPr eaLnBrk="1" hangingPunct="1">
-              <a:lnSpc>
-                <a:spcPct val="90000"/>
-              </a:lnSpc>
-            </a:pPr>
-            <a:r>
-              <a:rPr lang="en-US" sz="3000" dirty="0">
-                <a:latin typeface="Arial" charset="0"/>
-                <a:ea typeface="ＭＳ Ｐゴシック" charset="0"/>
-              </a:rPr>
-              <a:t>Moderation (providing limited access to your media library)</a:t>
-            </a:r>
-          </a:p>
-          <a:p>
-            <a:pPr lvl="1" eaLnBrk="1" hangingPunct="1">
-              <a:lnSpc>
-                <a:spcPct val="90000"/>
-              </a:lnSpc>
-            </a:pPr>
-            <a:r>
-              <a:rPr lang="en-US" sz="3000" dirty="0">
+              <a:rPr lang="en-US" sz="3200" dirty="0">
                 <a:latin typeface="Arial" charset="0"/>
                 <a:ea typeface="ＭＳ Ｐゴシック" charset="0"/>
               </a:rPr>
               <a:t>Giving partners or other affiliates the options they need without access to </a:t>
             </a:r>
             <a:r>
-              <a:rPr lang="en-US" sz="3000" dirty="0" err="1">
+              <a:rPr lang="en-US" sz="3200" dirty="0" err="1">
                 <a:latin typeface="Arial" charset="0"/>
                 <a:ea typeface="ＭＳ Ｐゴシック" charset="0"/>
               </a:rPr>
               <a:t>Brightcove</a:t>
             </a:r>
             <a:r>
-              <a:rPr lang="en-US" sz="3000" dirty="0">
+              <a:rPr lang="en-US" sz="3200" dirty="0">
                 <a:latin typeface="Arial" charset="0"/>
                 <a:ea typeface="ＭＳ Ｐゴシック" charset="0"/>
               </a:rPr>
@@ -6248,20 +6234,20 @@
     </p:spTree>
     <p:extLst>
       <p:ext uri="{BB962C8B-B14F-4D97-AF65-F5344CB8AC3E}">
-        <p14:creationId xmlns:p14="http://schemas.microsoft.com/office/powerpoint/2010/main" xmlns:p="http://schemas.openxmlformats.org/presentationml/2006/main" xmlns:r="http://schemas.openxmlformats.org/officeDocument/2006/relationships" xmlns:a="http://schemas.openxmlformats.org/drawingml/2006/main" xmlns="" val="1468952432"/>
+        <p14:creationId xmlns:p14="http://schemas.microsoft.com/office/powerpoint/2010/main" val="1468952432"/>
       </p:ext>
     </p:extLst>
   </p:cSld>
   <p:clrMapOvr>
     <a:masterClrMapping/>
   </p:clrMapOvr>
-  <p:transition>
+  <p:transition xmlns:p14="http://schemas.microsoft.com/office/powerpoint/2010/main">
     <p:fade/>
   </p:transition>
   <p:timing>
     <p:tnLst>
       <p:par>
-        <p:cTn id="1" dur="indefinite" restart="never" nodeType="tmRoot">
+        <p:cTn xmlns:p14="http://schemas.microsoft.com/office/powerpoint/2010/main" id="1" dur="indefinite" restart="never" nodeType="tmRoot">
           <p:childTnLst>
             <p:seq concurrent="1" nextAc="seek">
               <p:cTn id="2" dur="indefinite" nodeType="mainSeq">
@@ -6625,7 +6611,7 @@
 </file>
 
 <file path=ppt/slides/slide3.xml><?xml version="1.0" encoding="utf-8"?>
-<p:sld xmlns:a="http://schemas.openxmlformats.org/drawingml/2006/main" xmlns:r="http://schemas.openxmlformats.org/officeDocument/2006/relationships" xmlns:mc="http://schemas.openxmlformats.org/markup-compatibility/2006" xmlns:mv="urn:schemas-microsoft-com:mac:vml" xmlns:p="http://schemas.openxmlformats.org/presentationml/2006/main" mc:Ignorable="mv" mc:PreserveAttributes="mv:*">
+<p:sld xmlns:a="http://schemas.openxmlformats.org/drawingml/2006/main" xmlns:r="http://schemas.openxmlformats.org/officeDocument/2006/relationships" xmlns:p="http://schemas.openxmlformats.org/presentationml/2006/main">
   <p:cSld>
     <p:spTree>
       <p:nvGrpSpPr>
@@ -6651,7 +6637,7 @@
         </p:nvSpPr>
         <p:spPr bwMode="auto">
           <a:xfrm>
-            <a:off x="315913" y="9190038"/>
+            <a:off x="315913" y="9270678"/>
             <a:ext cx="866775" cy="541337"/>
           </a:xfrm>
           <a:prstGeom prst="rect">
@@ -6663,14 +6649,14 @@
           </a:ln>
           <a:extLst>
             <a:ext uri="{909E8E84-426E-40dd-AFC4-6F175D3DCCD1}">
-              <a14:hiddenFill xmlns:a14="http://schemas.microsoft.com/office/drawing/2010/main" xmlns:p="http://schemas.openxmlformats.org/presentationml/2006/main" xmlns:r="http://schemas.openxmlformats.org/officeDocument/2006/relationships" xmlns:a="http://schemas.openxmlformats.org/drawingml/2006/main" xmlns="">
+              <a14:hiddenFill xmlns:a14="http://schemas.microsoft.com/office/drawing/2010/main">
                 <a:solidFill>
                   <a:srgbClr val="FFFFFF"/>
                 </a:solidFill>
               </a14:hiddenFill>
             </a:ext>
             <a:ext uri="{91240B29-F687-4f45-9708-019B960494DF}">
-              <a14:hiddenLine xmlns:a14="http://schemas.microsoft.com/office/drawing/2010/main" xmlns:p="http://schemas.openxmlformats.org/presentationml/2006/main" xmlns:r="http://schemas.openxmlformats.org/officeDocument/2006/relationships" xmlns:a="http://schemas.openxmlformats.org/drawingml/2006/main" xmlns="" w="9525">
+              <a14:hiddenLine xmlns:a14="http://schemas.microsoft.com/office/drawing/2010/main" w="9525">
                 <a:solidFill>
                   <a:srgbClr val="000000"/>
                 </a:solidFill>
@@ -6874,21 +6860,18 @@
               </a:buBlip>
             </a:pPr>
             <a:r>
-              <a:rPr lang="en-US" sz="3000" dirty="0" smtClean="0">
+              <a:rPr lang="en-US" sz="3200" dirty="0" smtClean="0">
+                <a:solidFill>
+                  <a:schemeClr val="tx1">
+                    <a:lumMod val="75000"/>
+                  </a:schemeClr>
+                </a:solidFill>
                 <a:latin typeface="Arial" charset="0"/>
                 <a:ea typeface="ＭＳ Ｐゴシック" charset="0"/>
                 <a:cs typeface="ＭＳ Ｐゴシック" charset="0"/>
               </a:rPr>
               <a:t>Methods that create, update, or delete videos and playlists </a:t>
             </a:r>
-            <a:endParaRPr lang="en-US" sz="3000" dirty="0" smtClean="0">
-              <a:solidFill>
-                <a:srgbClr val="23383A"/>
-              </a:solidFill>
-              <a:latin typeface="Arial" charset="0"/>
-              <a:ea typeface="ＭＳ Ｐゴシック" charset="0"/>
-              <a:cs typeface="ＭＳ Ｐゴシック" charset="0"/>
-            </a:endParaRPr>
           </a:p>
           <a:p>
             <a:pPr marL="479425" indent="-479425">
@@ -6901,15 +6884,30 @@
               </a:buBlip>
             </a:pPr>
             <a:r>
-              <a:rPr lang="en-US" sz="3000" dirty="0" smtClean="0">
-                <a:solidFill>
-                  <a:srgbClr val="23383A"/>
+              <a:rPr lang="en-US" sz="3200" dirty="0" smtClean="0">
+                <a:solidFill>
+                  <a:schemeClr val="tx1">
+                    <a:lumMod val="75000"/>
+                  </a:schemeClr>
                 </a:solidFill>
                 <a:latin typeface="Arial" charset="0"/>
                 <a:ea typeface="ＭＳ Ｐゴシック" charset="0"/>
                 <a:cs typeface="ＭＳ Ｐゴシック" charset="0"/>
               </a:rPr>
-              <a:t>Calling the WRITE API</a:t>
+              <a:t>Calling </a:t>
+            </a:r>
+            <a:r>
+              <a:rPr lang="en-US" sz="3200" dirty="0" smtClean="0">
+                <a:solidFill>
+                  <a:schemeClr val="tx1">
+                    <a:lumMod val="75000"/>
+                  </a:schemeClr>
+                </a:solidFill>
+                <a:latin typeface="Arial" charset="0"/>
+                <a:ea typeface="ＭＳ Ｐゴシック" charset="0"/>
+                <a:cs typeface="ＭＳ Ｐゴシック" charset="0"/>
+              </a:rPr>
+              <a:t>the WRITE API</a:t>
             </a:r>
           </a:p>
           <a:p>
@@ -6926,9 +6924,11 @@
               </a:buBlip>
             </a:pPr>
             <a:r>
-              <a:rPr lang="en-US" sz="3000" dirty="0" smtClean="0">
-                <a:solidFill>
-                  <a:srgbClr val="23383A"/>
+              <a:rPr lang="en-US" sz="3200" dirty="0" smtClean="0">
+                <a:solidFill>
+                  <a:schemeClr val="tx1">
+                    <a:lumMod val="75000"/>
+                  </a:schemeClr>
                 </a:solidFill>
                 <a:latin typeface="Arial" charset="0"/>
                 <a:ea typeface="ＭＳ Ｐゴシック" charset="0"/>
@@ -6951,7 +6951,12 @@
               </a:buBlip>
             </a:pPr>
             <a:r>
-              <a:rPr lang="en-US" sz="3000" dirty="0" smtClean="0">
+              <a:rPr lang="en-US" sz="3200" dirty="0" smtClean="0">
+                <a:solidFill>
+                  <a:schemeClr val="tx1">
+                    <a:lumMod val="75000"/>
+                  </a:schemeClr>
+                </a:solidFill>
                 <a:latin typeface="Arial" charset="0"/>
                 <a:ea typeface="ＭＳ Ｐゴシック" charset="0"/>
                 <a:cs typeface="ＭＳ Ｐゴシック" charset="0"/>
@@ -6959,7 +6964,12 @@
               <a:t>The default format is </a:t>
             </a:r>
             <a:r>
-              <a:rPr lang="en-US" sz="3000" dirty="0" err="1" smtClean="0">
+              <a:rPr lang="en-US" sz="3200" dirty="0" err="1" smtClean="0">
+                <a:solidFill>
+                  <a:schemeClr val="tx1">
+                    <a:lumMod val="75000"/>
+                  </a:schemeClr>
+                </a:solidFill>
                 <a:latin typeface="Arial" charset="0"/>
                 <a:ea typeface="ＭＳ Ｐゴシック" charset="0"/>
                 <a:cs typeface="ＭＳ Ｐゴシック" charset="0"/>
@@ -6967,21 +6977,18 @@
               <a:t>application/x-www-form-urlencoded</a:t>
             </a:r>
             <a:r>
-              <a:rPr lang="en-US" sz="3000" dirty="0" smtClean="0">
+              <a:rPr lang="en-US" sz="3200" dirty="0" smtClean="0">
+                <a:solidFill>
+                  <a:schemeClr val="tx1">
+                    <a:lumMod val="75000"/>
+                  </a:schemeClr>
+                </a:solidFill>
                 <a:latin typeface="Arial" charset="0"/>
                 <a:ea typeface="ＭＳ Ｐゴシック" charset="0"/>
                 <a:cs typeface="ＭＳ Ｐゴシック" charset="0"/>
               </a:rPr>
               <a:t> or multipart/form-data</a:t>
             </a:r>
-            <a:endParaRPr lang="en-US" sz="3000" dirty="0" smtClean="0">
-              <a:solidFill>
-                <a:srgbClr val="23383A"/>
-              </a:solidFill>
-              <a:latin typeface="Arial" charset="0"/>
-              <a:ea typeface="ＭＳ Ｐゴシック" charset="0"/>
-              <a:cs typeface="ＭＳ Ｐゴシック" charset="0"/>
-            </a:endParaRPr>
           </a:p>
           <a:p>
             <a:pPr marL="1169988" lvl="1" indent="-396875">
@@ -6997,9 +7004,11 @@
               </a:buBlip>
             </a:pPr>
             <a:r>
-              <a:rPr lang="en-US" sz="3000" dirty="0" smtClean="0">
-                <a:solidFill>
-                  <a:srgbClr val="23383A"/>
+              <a:rPr lang="en-US" sz="3200" dirty="0" smtClean="0">
+                <a:solidFill>
+                  <a:schemeClr val="tx1">
+                    <a:lumMod val="75000"/>
+                  </a:schemeClr>
                 </a:solidFill>
                 <a:latin typeface="Arial" charset="0"/>
                 <a:ea typeface="ＭＳ Ｐゴシック" charset="0"/>
@@ -7022,9 +7031,11 @@
               </a:buBlip>
             </a:pPr>
             <a:r>
-              <a:rPr lang="en-US" sz="3000" dirty="0" smtClean="0">
-                <a:solidFill>
-                  <a:srgbClr val="23383A"/>
+              <a:rPr lang="en-US" sz="3200" dirty="0" smtClean="0">
+                <a:solidFill>
+                  <a:schemeClr val="tx1">
+                    <a:lumMod val="75000"/>
+                  </a:schemeClr>
                 </a:solidFill>
                 <a:latin typeface="Arial" charset="0"/>
                 <a:ea typeface="ＭＳ Ｐゴシック" charset="0"/>
@@ -7047,9 +7058,11 @@
               </a:buBlip>
             </a:pPr>
             <a:r>
-              <a:rPr lang="en-US" sz="3000" dirty="0" smtClean="0">
-                <a:solidFill>
-                  <a:srgbClr val="23383A"/>
+              <a:rPr lang="en-US" sz="3200" dirty="0" smtClean="0">
+                <a:solidFill>
+                  <a:schemeClr val="tx1">
+                    <a:lumMod val="75000"/>
+                  </a:schemeClr>
                 </a:solidFill>
                 <a:latin typeface="Arial" charset="0"/>
                 <a:ea typeface="ＭＳ Ｐゴシック" charset="0"/>
@@ -7072,9 +7085,11 @@
               </a:buBlip>
             </a:pPr>
             <a:r>
-              <a:rPr lang="en-US" sz="3000" i="1" dirty="0" smtClean="0">
-                <a:solidFill>
-                  <a:srgbClr val="23383A"/>
+              <a:rPr lang="en-US" sz="3200" i="1" dirty="0" smtClean="0">
+                <a:solidFill>
+                  <a:schemeClr val="tx1">
+                    <a:lumMod val="75000"/>
+                  </a:schemeClr>
                 </a:solidFill>
                 <a:latin typeface="Arial" charset="0"/>
                 <a:ea typeface="ＭＳ Ｐゴシック" charset="0"/>
@@ -7082,7 +7097,12 @@
               </a:rPr>
               <a:t>Write methods should not be made on the client-side except in exceptionally secure situations, as your Write Token will be exposed in the source code</a:t>
             </a:r>
-            <a:endParaRPr lang="en-US" sz="3000" dirty="0">
+            <a:endParaRPr lang="en-US" sz="3200" dirty="0">
+              <a:solidFill>
+                <a:schemeClr val="tx1">
+                  <a:lumMod val="75000"/>
+                </a:schemeClr>
+              </a:solidFill>
               <a:latin typeface="Arial" charset="0"/>
               <a:ea typeface="ＭＳ Ｐゴシック" charset="0"/>
             </a:endParaRPr>
@@ -7092,20 +7112,20 @@
     </p:spTree>
     <p:extLst>
       <p:ext uri="{BB962C8B-B14F-4D97-AF65-F5344CB8AC3E}">
-        <p14:creationId xmlns:p14="http://schemas.microsoft.com/office/powerpoint/2010/main" xmlns:p="http://schemas.openxmlformats.org/presentationml/2006/main" xmlns:r="http://schemas.openxmlformats.org/officeDocument/2006/relationships" xmlns:a="http://schemas.openxmlformats.org/drawingml/2006/main" xmlns="" val="2928590387"/>
+        <p14:creationId xmlns:p14="http://schemas.microsoft.com/office/powerpoint/2010/main" val="2928590387"/>
       </p:ext>
     </p:extLst>
   </p:cSld>
   <p:clrMapOvr>
     <a:masterClrMapping/>
   </p:clrMapOvr>
-  <p:transition>
+  <p:transition xmlns:p14="http://schemas.microsoft.com/office/powerpoint/2010/main">
     <p:fade/>
   </p:transition>
   <p:timing>
     <p:tnLst>
       <p:par>
-        <p:cTn id="1" dur="indefinite" restart="never" nodeType="tmRoot"/>
+        <p:cTn xmlns:p14="http://schemas.microsoft.com/office/powerpoint/2010/main" id="1" dur="indefinite" restart="never" nodeType="tmRoot"/>
       </p:par>
     </p:tnLst>
   </p:timing>
@@ -7113,7 +7133,7 @@
 </file>
 
 <file path=ppt/slides/slide4.xml><?xml version="1.0" encoding="utf-8"?>
-<p:sld xmlns:a="http://schemas.openxmlformats.org/drawingml/2006/main" xmlns:r="http://schemas.openxmlformats.org/officeDocument/2006/relationships" xmlns:mc="http://schemas.openxmlformats.org/markup-compatibility/2006" xmlns:mv="urn:schemas-microsoft-com:mac:vml" xmlns:p="http://schemas.openxmlformats.org/presentationml/2006/main" mc:Ignorable="mv" mc:PreserveAttributes="mv:*">
+<p:sld xmlns:a="http://schemas.openxmlformats.org/drawingml/2006/main" xmlns:r="http://schemas.openxmlformats.org/officeDocument/2006/relationships" xmlns:p="http://schemas.openxmlformats.org/presentationml/2006/main">
   <p:cSld>
     <p:spTree>
       <p:nvGrpSpPr>
@@ -7139,7 +7159,7 @@
         </p:nvSpPr>
         <p:spPr bwMode="auto">
           <a:xfrm>
-            <a:off x="315913" y="9190038"/>
+            <a:off x="315913" y="9270678"/>
             <a:ext cx="866775" cy="541337"/>
           </a:xfrm>
           <a:prstGeom prst="rect">
@@ -7151,14 +7171,14 @@
           </a:ln>
           <a:extLst>
             <a:ext uri="{909E8E84-426E-40dd-AFC4-6F175D3DCCD1}">
-              <a14:hiddenFill xmlns:a14="http://schemas.microsoft.com/office/drawing/2010/main" xmlns:p="http://schemas.openxmlformats.org/presentationml/2006/main" xmlns:r="http://schemas.openxmlformats.org/officeDocument/2006/relationships" xmlns:a="http://schemas.openxmlformats.org/drawingml/2006/main" xmlns="">
+              <a14:hiddenFill xmlns:a14="http://schemas.microsoft.com/office/drawing/2010/main">
                 <a:solidFill>
                   <a:srgbClr val="FFFFFF"/>
                 </a:solidFill>
               </a14:hiddenFill>
             </a:ext>
             <a:ext uri="{91240B29-F687-4f45-9708-019B960494DF}">
-              <a14:hiddenLine xmlns:a14="http://schemas.microsoft.com/office/drawing/2010/main" xmlns:p="http://schemas.openxmlformats.org/presentationml/2006/main" xmlns:r="http://schemas.openxmlformats.org/officeDocument/2006/relationships" xmlns:a="http://schemas.openxmlformats.org/drawingml/2006/main" xmlns="" w="9525">
+              <a14:hiddenLine xmlns:a14="http://schemas.microsoft.com/office/drawing/2010/main" w="9525">
                 <a:solidFill>
                   <a:srgbClr val="000000"/>
                 </a:solidFill>
@@ -7289,7 +7309,7 @@
               <a:pPr/>
               <a:t>4</a:t>
             </a:fld>
-            <a:endParaRPr lang="en-US" sz="1500" b="1">
+            <a:endParaRPr lang="en-US" sz="1500" b="1" dirty="0">
               <a:solidFill>
                 <a:srgbClr val="7B7B7B"/>
               </a:solidFill>
@@ -7318,14 +7338,7 @@
                 <a:latin typeface="Arial" charset="0"/>
                 <a:ea typeface="ＭＳ Ｐゴシック" charset="0"/>
               </a:rPr>
-              <a:t>Available </a:t>
-            </a:r>
-            <a:r>
-              <a:rPr lang="en-US" dirty="0" smtClean="0">
-                <a:latin typeface="Arial" charset="0"/>
-                <a:ea typeface="ＭＳ Ｐゴシック" charset="0"/>
-              </a:rPr>
-              <a:t>WRITE methods</a:t>
+              <a:t>Available WRITE methods</a:t>
             </a:r>
             <a:endParaRPr lang="en-US" dirty="0">
               <a:latin typeface="Arial" charset="0"/>
@@ -7356,7 +7369,7 @@
           <a:p>
             <a:pPr marL="0" indent="0" eaLnBrk="1" hangingPunct="1"/>
             <a:r>
-              <a:rPr lang="en-US" sz="3000">
+              <a:rPr lang="en-US" sz="3000" dirty="0">
                 <a:latin typeface="Arial" charset="0"/>
                 <a:ea typeface="ＭＳ Ｐゴシック" charset="0"/>
               </a:rPr>
@@ -7366,92 +7379,146 @@
           <a:p>
             <a:pPr lvl="1" eaLnBrk="1" hangingPunct="1"/>
             <a:r>
-              <a:rPr lang="en-US" sz="3000">
-                <a:latin typeface="Arial" charset="0"/>
-                <a:ea typeface="ＭＳ Ｐゴシック" charset="0"/>
+              <a:rPr lang="en-US" sz="3000" dirty="0" err="1">
+                <a:latin typeface="Source Code Pro"/>
+                <a:ea typeface="ＭＳ Ｐゴシック" charset="0"/>
+                <a:cs typeface="Source Code Pro"/>
               </a:rPr>
               <a:t>create_video</a:t>
             </a:r>
+            <a:endParaRPr lang="en-US" sz="3000" dirty="0">
+              <a:latin typeface="Source Code Pro"/>
+              <a:ea typeface="ＭＳ Ｐゴシック" charset="0"/>
+              <a:cs typeface="Source Code Pro"/>
+            </a:endParaRPr>
           </a:p>
           <a:p>
             <a:pPr lvl="1" eaLnBrk="1" hangingPunct="1"/>
             <a:r>
-              <a:rPr lang="en-US" sz="3000">
-                <a:latin typeface="Arial" charset="0"/>
-                <a:ea typeface="ＭＳ Ｐゴシック" charset="0"/>
+              <a:rPr lang="en-US" sz="3000" dirty="0" err="1">
+                <a:latin typeface="Source Code Pro"/>
+                <a:ea typeface="ＭＳ Ｐゴシック" charset="0"/>
+                <a:cs typeface="Source Code Pro"/>
               </a:rPr>
               <a:t>update_video</a:t>
             </a:r>
+            <a:endParaRPr lang="en-US" sz="3000" dirty="0">
+              <a:latin typeface="Source Code Pro"/>
+              <a:ea typeface="ＭＳ Ｐゴシック" charset="0"/>
+              <a:cs typeface="Source Code Pro"/>
+            </a:endParaRPr>
           </a:p>
           <a:p>
             <a:pPr lvl="1" eaLnBrk="1" hangingPunct="1"/>
             <a:r>
-              <a:rPr lang="en-US" sz="3000">
-                <a:latin typeface="Arial" charset="0"/>
-                <a:ea typeface="ＭＳ Ｐゴシック" charset="0"/>
+              <a:rPr lang="en-US" sz="3000" dirty="0" err="1">
+                <a:latin typeface="Source Code Pro"/>
+                <a:ea typeface="ＭＳ Ｐゴシック" charset="0"/>
+                <a:cs typeface="Source Code Pro"/>
               </a:rPr>
               <a:t>delete_video</a:t>
             </a:r>
+            <a:endParaRPr lang="en-US" sz="3000" dirty="0">
+              <a:latin typeface="Source Code Pro"/>
+              <a:ea typeface="ＭＳ Ｐゴシック" charset="0"/>
+              <a:cs typeface="Source Code Pro"/>
+            </a:endParaRPr>
           </a:p>
           <a:p>
             <a:pPr lvl="1" eaLnBrk="1" hangingPunct="1"/>
             <a:r>
-              <a:rPr lang="en-US" sz="3000">
-                <a:latin typeface="Arial" charset="0"/>
-                <a:ea typeface="ＭＳ Ｐゴシック" charset="0"/>
+              <a:rPr lang="en-US" sz="3000" dirty="0" err="1">
+                <a:latin typeface="Source Code Pro"/>
+                <a:ea typeface="ＭＳ Ｐゴシック" charset="0"/>
+                <a:cs typeface="Source Code Pro"/>
               </a:rPr>
               <a:t>get_upload_status</a:t>
             </a:r>
+            <a:endParaRPr lang="en-US" sz="3000" dirty="0">
+              <a:latin typeface="Source Code Pro"/>
+              <a:ea typeface="ＭＳ Ｐゴシック" charset="0"/>
+              <a:cs typeface="Source Code Pro"/>
+            </a:endParaRPr>
           </a:p>
           <a:p>
             <a:pPr lvl="1" eaLnBrk="1" hangingPunct="1"/>
             <a:r>
-              <a:rPr lang="en-US" sz="3000">
-                <a:latin typeface="Arial" charset="0"/>
-                <a:ea typeface="ＭＳ Ｐゴシック" charset="0"/>
+              <a:rPr lang="en-US" sz="3000" dirty="0" err="1">
+                <a:latin typeface="Source Code Pro"/>
+                <a:ea typeface="ＭＳ Ｐゴシック" charset="0"/>
+                <a:cs typeface="Source Code Pro"/>
               </a:rPr>
               <a:t>share_video</a:t>
             </a:r>
+            <a:endParaRPr lang="en-US" sz="3000" dirty="0">
+              <a:latin typeface="Source Code Pro"/>
+              <a:ea typeface="ＭＳ Ｐゴシック" charset="0"/>
+              <a:cs typeface="Source Code Pro"/>
+            </a:endParaRPr>
           </a:p>
           <a:p>
             <a:pPr lvl="1" eaLnBrk="1" hangingPunct="1"/>
             <a:r>
-              <a:rPr lang="en-US" sz="3000">
-                <a:latin typeface="Arial" charset="0"/>
-                <a:ea typeface="ＭＳ Ｐゴシック" charset="0"/>
+              <a:rPr lang="en-US" sz="3000" dirty="0" err="1">
+                <a:latin typeface="Source Code Pro"/>
+                <a:ea typeface="ＭＳ Ｐゴシック" charset="0"/>
+                <a:cs typeface="Source Code Pro"/>
               </a:rPr>
               <a:t>unshare_video</a:t>
             </a:r>
+            <a:endParaRPr lang="en-US" sz="3000" dirty="0">
+              <a:latin typeface="Source Code Pro"/>
+              <a:ea typeface="ＭＳ Ｐゴシック" charset="0"/>
+              <a:cs typeface="Source Code Pro"/>
+            </a:endParaRPr>
           </a:p>
           <a:p>
             <a:pPr lvl="1" eaLnBrk="1" hangingPunct="1"/>
             <a:r>
-              <a:rPr lang="en-US" sz="3000">
-                <a:latin typeface="Arial" charset="0"/>
-                <a:ea typeface="ＭＳ Ｐゴシック" charset="0"/>
+              <a:rPr lang="en-US" sz="3000" dirty="0" err="1">
+                <a:latin typeface="Source Code Pro"/>
+                <a:ea typeface="ＭＳ Ｐゴシック" charset="0"/>
+                <a:cs typeface="Source Code Pro"/>
               </a:rPr>
               <a:t>add_image</a:t>
             </a:r>
+            <a:endParaRPr lang="en-US" sz="3000" dirty="0">
+              <a:latin typeface="Source Code Pro"/>
+              <a:ea typeface="ＭＳ Ｐゴシック" charset="0"/>
+              <a:cs typeface="Source Code Pro"/>
+            </a:endParaRPr>
           </a:p>
           <a:p>
             <a:pPr lvl="1" eaLnBrk="1" hangingPunct="1"/>
             <a:r>
-              <a:rPr lang="en-US" sz="3000">
-                <a:latin typeface="Arial" charset="0"/>
-                <a:ea typeface="ＭＳ Ｐゴシック" charset="0"/>
+              <a:rPr lang="en-US" sz="3000" dirty="0" err="1">
+                <a:latin typeface="Source Code Pro"/>
+                <a:ea typeface="ＭＳ Ｐゴシック" charset="0"/>
+                <a:cs typeface="Source Code Pro"/>
               </a:rPr>
               <a:t>add_logo_overlay</a:t>
             </a:r>
+            <a:endParaRPr lang="en-US" sz="3000" dirty="0">
+              <a:latin typeface="Source Code Pro"/>
+              <a:ea typeface="ＭＳ Ｐゴシック" charset="0"/>
+              <a:cs typeface="Source Code Pro"/>
+            </a:endParaRPr>
           </a:p>
           <a:p>
             <a:pPr lvl="1" eaLnBrk="1" hangingPunct="1"/>
             <a:r>
-              <a:rPr lang="en-US" sz="3000">
-                <a:latin typeface="Arial" charset="0"/>
-                <a:ea typeface="ＭＳ Ｐゴシック" charset="0"/>
+              <a:rPr lang="en-US" sz="3000" dirty="0" err="1">
+                <a:latin typeface="Source Code Pro"/>
+                <a:ea typeface="ＭＳ Ｐゴシック" charset="0"/>
+                <a:cs typeface="Source Code Pro"/>
               </a:rPr>
               <a:t>remove_logo_overlay</a:t>
             </a:r>
+            <a:endParaRPr lang="en-US" sz="3000" dirty="0">
+              <a:latin typeface="Source Code Pro"/>
+              <a:ea typeface="ＭＳ Ｐゴシック" charset="0"/>
+              <a:cs typeface="Source Code Pro"/>
+            </a:endParaRPr>
           </a:p>
         </p:txBody>
       </p:sp>
@@ -7477,7 +7544,7 @@
           <a:p>
             <a:pPr marL="0" indent="0" eaLnBrk="1" hangingPunct="1"/>
             <a:r>
-              <a:rPr lang="en-US" sz="3000">
+              <a:rPr lang="en-US" sz="3000" dirty="0">
                 <a:latin typeface="Arial" charset="0"/>
                 <a:ea typeface="ＭＳ Ｐゴシック" charset="0"/>
               </a:rPr>
@@ -7487,52 +7554,70 @@
           <a:p>
             <a:pPr lvl="1" eaLnBrk="1" hangingPunct="1"/>
             <a:r>
-              <a:rPr lang="en-US" sz="3000">
-                <a:latin typeface="Arial" charset="0"/>
-                <a:ea typeface="ＭＳ Ｐゴシック" charset="0"/>
+              <a:rPr lang="en-US" sz="3000" dirty="0" err="1">
+                <a:latin typeface="Source Code Pro"/>
+                <a:ea typeface="ＭＳ Ｐゴシック" charset="0"/>
+                <a:cs typeface="Source Code Pro"/>
               </a:rPr>
               <a:t>create_playlist</a:t>
             </a:r>
+            <a:endParaRPr lang="en-US" sz="3000" dirty="0">
+              <a:latin typeface="Source Code Pro"/>
+              <a:ea typeface="ＭＳ Ｐゴシック" charset="0"/>
+              <a:cs typeface="Source Code Pro"/>
+            </a:endParaRPr>
           </a:p>
           <a:p>
             <a:pPr lvl="1" eaLnBrk="1" hangingPunct="1"/>
             <a:r>
-              <a:rPr lang="en-US" sz="3000">
-                <a:latin typeface="Arial" charset="0"/>
-                <a:ea typeface="ＭＳ Ｐゴシック" charset="0"/>
+              <a:rPr lang="en-US" sz="3000" dirty="0" err="1">
+                <a:latin typeface="Source Code Pro"/>
+                <a:ea typeface="ＭＳ Ｐゴシック" charset="0"/>
+                <a:cs typeface="Source Code Pro"/>
               </a:rPr>
               <a:t>update_playlist</a:t>
             </a:r>
+            <a:endParaRPr lang="en-US" sz="3000" dirty="0">
+              <a:latin typeface="Source Code Pro"/>
+              <a:ea typeface="ＭＳ Ｐゴシック" charset="0"/>
+              <a:cs typeface="Source Code Pro"/>
+            </a:endParaRPr>
           </a:p>
           <a:p>
             <a:pPr lvl="1" eaLnBrk="1" hangingPunct="1"/>
             <a:r>
-              <a:rPr lang="en-US" sz="3000">
-                <a:latin typeface="Arial" charset="0"/>
-                <a:ea typeface="ＭＳ Ｐゴシック" charset="0"/>
+              <a:rPr lang="en-US" sz="3000" dirty="0" err="1">
+                <a:latin typeface="Source Code Pro"/>
+                <a:ea typeface="ＭＳ Ｐゴシック" charset="0"/>
+                <a:cs typeface="Source Code Pro"/>
               </a:rPr>
               <a:t>delete_playlist</a:t>
             </a:r>
+            <a:endParaRPr lang="en-US" sz="3000" dirty="0">
+              <a:latin typeface="Source Code Pro"/>
+              <a:ea typeface="ＭＳ Ｐゴシック" charset="0"/>
+              <a:cs typeface="Source Code Pro"/>
+            </a:endParaRPr>
           </a:p>
         </p:txBody>
       </p:sp>
     </p:spTree>
     <p:extLst>
       <p:ext uri="{BB962C8B-B14F-4D97-AF65-F5344CB8AC3E}">
-        <p14:creationId xmlns:p14="http://schemas.microsoft.com/office/powerpoint/2010/main" xmlns:p="http://schemas.openxmlformats.org/presentationml/2006/main" xmlns:r="http://schemas.openxmlformats.org/officeDocument/2006/relationships" xmlns:a="http://schemas.openxmlformats.org/drawingml/2006/main" xmlns="" val="2862029908"/>
+        <p14:creationId xmlns:p14="http://schemas.microsoft.com/office/powerpoint/2010/main" val="2862029908"/>
       </p:ext>
     </p:extLst>
   </p:cSld>
   <p:clrMapOvr>
     <a:masterClrMapping/>
   </p:clrMapOvr>
-  <p:transition>
+  <p:transition xmlns:p14="http://schemas.microsoft.com/office/powerpoint/2010/main">
     <p:fade/>
   </p:transition>
   <p:timing>
     <p:tnLst>
       <p:par>
-        <p:cTn id="1" dur="indefinite" restart="never" nodeType="tmRoot"/>
+        <p:cTn xmlns:p14="http://schemas.microsoft.com/office/powerpoint/2010/main" id="1" dur="indefinite" restart="never" nodeType="tmRoot"/>
       </p:par>
     </p:tnLst>
   </p:timing>
@@ -7540,7 +7625,7 @@
 </file>
 
 <file path=ppt/slides/slide5.xml><?xml version="1.0" encoding="utf-8"?>
-<p:sld xmlns:a="http://schemas.openxmlformats.org/drawingml/2006/main" xmlns:r="http://schemas.openxmlformats.org/officeDocument/2006/relationships" xmlns:mc="http://schemas.openxmlformats.org/markup-compatibility/2006" xmlns:mv="urn:schemas-microsoft-com:mac:vml" xmlns:p="http://schemas.openxmlformats.org/presentationml/2006/main" mc:Ignorable="mv" mc:PreserveAttributes="mv:*">
+<p:sld xmlns:a="http://schemas.openxmlformats.org/drawingml/2006/main" xmlns:r="http://schemas.openxmlformats.org/officeDocument/2006/relationships" xmlns:p="http://schemas.openxmlformats.org/presentationml/2006/main">
   <p:cSld>
     <p:spTree>
       <p:nvGrpSpPr>
@@ -7641,20 +7726,20 @@
     </p:spTree>
     <p:extLst>
       <p:ext uri="{BB962C8B-B14F-4D97-AF65-F5344CB8AC3E}">
-        <p14:creationId xmlns:p14="http://schemas.microsoft.com/office/powerpoint/2010/main" xmlns:p="http://schemas.openxmlformats.org/presentationml/2006/main" xmlns:r="http://schemas.openxmlformats.org/officeDocument/2006/relationships" xmlns:a="http://schemas.openxmlformats.org/drawingml/2006/main" xmlns="" val="3700295984"/>
+        <p14:creationId xmlns:p14="http://schemas.microsoft.com/office/powerpoint/2010/main" val="3700295984"/>
       </p:ext>
     </p:extLst>
   </p:cSld>
   <p:clrMapOvr>
     <a:masterClrMapping/>
   </p:clrMapOvr>
-  <p:transition spd="med">
+  <p:transition xmlns:p14="http://schemas.microsoft.com/office/powerpoint/2010/main" spd="med">
     <p:fade/>
   </p:transition>
   <p:timing>
     <p:tnLst>
       <p:par>
-        <p:cTn id="1" dur="indefinite" restart="never" nodeType="tmRoot"/>
+        <p:cTn xmlns:p14="http://schemas.microsoft.com/office/powerpoint/2010/main" id="1" dur="indefinite" restart="never" nodeType="tmRoot"/>
       </p:par>
     </p:tnLst>
   </p:timing>
